--- a/Building SPAs in SharePoint Using AngularJS.pptx
+++ b/Building SPAs in SharePoint Using AngularJS.pptx
@@ -19,15 +19,15 @@
     <p:sldId id="344" r:id="rId7"/>
     <p:sldId id="267" r:id="rId8"/>
     <p:sldId id="300" r:id="rId9"/>
-    <p:sldId id="272" r:id="rId10"/>
-    <p:sldId id="308" r:id="rId11"/>
+    <p:sldId id="308" r:id="rId10"/>
+    <p:sldId id="272" r:id="rId11"/>
     <p:sldId id="275" r:id="rId12"/>
     <p:sldId id="319" r:id="rId13"/>
     <p:sldId id="277" r:id="rId14"/>
-    <p:sldId id="331" r:id="rId15"/>
-    <p:sldId id="290" r:id="rId16"/>
-    <p:sldId id="284" r:id="rId17"/>
-    <p:sldId id="292" r:id="rId18"/>
+    <p:sldId id="290" r:id="rId15"/>
+    <p:sldId id="292" r:id="rId16"/>
+    <p:sldId id="331" r:id="rId17"/>
+    <p:sldId id="284" r:id="rId18"/>
     <p:sldId id="293" r:id="rId19"/>
     <p:sldId id="346" r:id="rId20"/>
     <p:sldId id="307" r:id="rId21"/>
@@ -2709,7 +2709,6 @@
             <a:rPr lang="en-US" dirty="0" smtClean="0"/>
             <a:t>jqLite or jQuery</a:t>
           </a:r>
-          <a:endParaRPr lang="en-US" dirty="0" smtClean="0"/>
         </a:p>
       </dgm:t>
     </dgm:pt>
@@ -4033,7 +4032,11 @@
         <a:p>
           <a:r>
             <a:rPr lang="en-US" dirty="0" smtClean="0"/>
-            <a:t>Gulp tasks (test &amp; serve-dev)</a:t>
+            <a:t>Gulp tasks (</a:t>
+          </a:r>
+          <a:r>
+            <a:rPr lang="en-US" dirty="0" smtClean="0"/>
+            <a:t>test, serve-dev, serve-specs)</a:t>
           </a:r>
           <a:endParaRPr lang="en-US" dirty="0"/>
         </a:p>
@@ -4070,7 +4073,11 @@
         <a:p>
           <a:r>
             <a:rPr lang="en-US" dirty="0" smtClean="0"/>
-            <a:t>Functional testing</a:t>
+            <a:t>Functional </a:t>
+          </a:r>
+          <a:r>
+            <a:rPr lang="en-US" dirty="0" smtClean="0"/>
+            <a:t>testing in Chrome</a:t>
           </a:r>
           <a:endParaRPr lang="en-US" dirty="0"/>
         </a:p>
@@ -4366,7 +4373,11 @@
         <a:p>
           <a:r>
             <a:rPr lang="en-US" dirty="0" smtClean="0"/>
-            <a:t>Functional testing</a:t>
+            <a:t>Functional </a:t>
+          </a:r>
+          <a:r>
+            <a:rPr lang="en-US" dirty="0" smtClean="0"/>
+            <a:t>testing in SharePoint</a:t>
           </a:r>
           <a:endParaRPr lang="en-US" dirty="0"/>
         </a:p>
@@ -4393,6 +4404,29 @@
           <a:endParaRPr lang="en-US"/>
         </a:p>
       </dgm:t>
+    </dgm:pt>
+    <dgm:pt modelId="{D025C9CA-C276-4620-8793-4C01C8D3C8C5}">
+      <dgm:prSet phldrT="[Text]"/>
+      <dgm:spPr/>
+      <dgm:t>
+        <a:bodyPr/>
+        <a:lstStyle/>
+        <a:p>
+          <a:r>
+            <a:rPr lang="en-US" dirty="0" smtClean="0"/>
+            <a:t>Create page using custom page layout</a:t>
+          </a:r>
+          <a:endParaRPr lang="en-US" dirty="0"/>
+        </a:p>
+      </dgm:t>
+    </dgm:pt>
+    <dgm:pt modelId="{78AB54A8-4CC8-403F-A149-403713745EED}" type="parTrans" cxnId="{ACC4DBF7-9014-4D82-A6FC-08F1D55F5DCA}">
+      <dgm:prSet/>
+      <dgm:spPr/>
+    </dgm:pt>
+    <dgm:pt modelId="{28B37798-BB20-461D-8861-D9F56A0C4909}" type="sibTrans" cxnId="{ACC4DBF7-9014-4D82-A6FC-08F1D55F5DCA}">
+      <dgm:prSet/>
+      <dgm:spPr/>
     </dgm:pt>
     <dgm:pt modelId="{00FBBFAD-D4C0-4377-829A-C2558C4FF800}" type="pres">
       <dgm:prSet presAssocID="{95A2F766-9D02-45F9-8F0E-E4477259B64E}" presName="CompostProcess" presStyleCnt="0">
@@ -4484,11 +4518,13 @@
     <dgm:cxn modelId="{BAD6D932-295D-4B11-AB4F-C6A51681FEBF}" type="presOf" srcId="{CF2E496F-FE56-4416-B846-DC12E4577A57}" destId="{17A1F249-6BEF-4F56-A4D8-8470A1E98F15}" srcOrd="0" destOrd="4" presId="urn:microsoft.com/office/officeart/2005/8/layout/hProcess9"/>
     <dgm:cxn modelId="{EA0EE867-287C-4759-B04B-1A44DD272934}" srcId="{EB74A234-8CAB-45D0-A223-6A45EB9687CD}" destId="{73AD9478-DFBD-45AE-8C86-9F4CB3BB1065}" srcOrd="2" destOrd="0" parTransId="{9746DDD7-C15A-4CDE-A7A9-ECC7812B47E4}" sibTransId="{B69AF354-070B-44D2-9041-ADEA0B558672}"/>
     <dgm:cxn modelId="{04F02849-7425-4E1F-898E-FA7DF4ED9666}" srcId="{95A2F766-9D02-45F9-8F0E-E4477259B64E}" destId="{7BAE7899-E3C2-4B98-B54B-7CF98FABE6C9}" srcOrd="1" destOrd="0" parTransId="{6A4813D0-9A5E-4C8A-8814-6B3627CFB165}" sibTransId="{F555F416-CF8C-46B6-A6CB-31C043865330}"/>
+    <dgm:cxn modelId="{06CBBF6D-5C60-4E24-85FE-3D72B5DF292D}" type="presOf" srcId="{D025C9CA-C276-4620-8793-4C01C8D3C8C5}" destId="{17A1F249-6BEF-4F56-A4D8-8470A1E98F15}" srcOrd="0" destOrd="5" presId="urn:microsoft.com/office/officeart/2005/8/layout/hProcess9"/>
     <dgm:cxn modelId="{4B256FB0-F8A6-4FC7-9768-1B5644FB9597}" srcId="{95A2F766-9D02-45F9-8F0E-E4477259B64E}" destId="{06ABEAEB-0AB1-4B03-9DB2-1747D846F76E}" srcOrd="2" destOrd="0" parTransId="{39D41540-6B5A-4F2C-B728-B10955AEA6F0}" sibTransId="{31BEE491-4EB9-4240-BAFF-E839945F6CC2}"/>
     <dgm:cxn modelId="{56E07505-5528-42D2-BF65-AC0B13049BD5}" srcId="{06ABEAEB-0AB1-4B03-9DB2-1747D846F76E}" destId="{DAD5068A-7091-420C-87F0-598961455E7C}" srcOrd="0" destOrd="0" parTransId="{E2E48095-73D9-45CE-B1F4-5CC208A04174}" sibTransId="{6BA6DC11-1A25-4A5E-A262-45E03AB8968F}"/>
     <dgm:cxn modelId="{597B6F7A-1AB8-7A40-A88C-F20BDA8446CA}" type="presOf" srcId="{3D2CA84F-7F83-488E-9CE9-2466A7E58E8C}" destId="{C5C479F1-027C-425C-A0B3-5734FC2D9DF4}" srcOrd="0" destOrd="3" presId="urn:microsoft.com/office/officeart/2005/8/layout/hProcess9"/>
     <dgm:cxn modelId="{0E8AE683-6858-4ECC-8F94-9CB028DF1605}" srcId="{7BAE7899-E3C2-4B98-B54B-7CF98FABE6C9}" destId="{9D1C7FDD-1C7E-4F92-A303-4A4F612A191B}" srcOrd="0" destOrd="0" parTransId="{CE3951D3-C82F-4197-BB44-E4023C884400}" sibTransId="{78BC0FB8-1233-449C-947F-C73B9E9738DF}"/>
     <dgm:cxn modelId="{1894E0CF-08A4-430A-A16A-ECE92652F9D6}" srcId="{EB74A234-8CAB-45D0-A223-6A45EB9687CD}" destId="{63D96E81-F11C-4237-BF7B-5FAC011E1E2D}" srcOrd="0" destOrd="0" parTransId="{92C5499D-0BFD-415D-A694-BFD6124DD1BB}" sibTransId="{47244D83-76C5-4FDC-A7C7-526A1145CA17}"/>
+    <dgm:cxn modelId="{ACC4DBF7-9014-4D82-A6FC-08F1D55F5DCA}" srcId="{EB74A234-8CAB-45D0-A223-6A45EB9687CD}" destId="{D025C9CA-C276-4620-8793-4C01C8D3C8C5}" srcOrd="4" destOrd="0" parTransId="{78AB54A8-4CC8-403F-A149-403713745EED}" sibTransId="{28B37798-BB20-461D-8861-D9F56A0C4909}"/>
     <dgm:cxn modelId="{473F1D17-F827-4796-925C-E14CCBB35FFC}" srcId="{7BAE7899-E3C2-4B98-B54B-7CF98FABE6C9}" destId="{3D2CA84F-7F83-488E-9CE9-2466A7E58E8C}" srcOrd="2" destOrd="0" parTransId="{3C3B9F91-AF82-4FDC-A060-EB2DDB1CD268}" sibTransId="{1588283E-DB7A-402F-9F19-32C128DE5E57}"/>
     <dgm:cxn modelId="{3EC882FA-6183-448F-BC80-19515F55D921}" srcId="{7BAE7899-E3C2-4B98-B54B-7CF98FABE6C9}" destId="{4AC61540-7617-4732-ADAC-918FB94D7DDC}" srcOrd="1" destOrd="0" parTransId="{1E487906-A4AF-47F5-812F-9A3398C165E2}" sibTransId="{8E22819A-3FF2-405D-B575-CA25288F4BD6}"/>
     <dgm:cxn modelId="{0EBAB011-9F5F-47D9-9FE5-F5F3EF97E59F}" srcId="{95A2F766-9D02-45F9-8F0E-E4477259B64E}" destId="{EB74A234-8CAB-45D0-A223-6A45EB9687CD}" srcOrd="0" destOrd="0" parTransId="{231357B4-402F-4EE8-AC2E-528CE65E5962}" sibTransId="{E75A7134-44E9-4C91-A820-FAABAB2A3A2E}"/>
@@ -4903,7 +4939,6 @@
             <a:rPr lang="en-US" sz="2600" kern="1200" dirty="0" smtClean="0"/>
             <a:t>jqLite or jQuery</a:t>
           </a:r>
-          <a:endParaRPr lang="en-US" sz="2600" kern="1200" dirty="0" smtClean="0"/>
         </a:p>
       </dsp:txBody>
       <dsp:txXfrm>
@@ -6074,7 +6109,7 @@
       </dsp:nvSpPr>
       <dsp:spPr>
         <a:xfrm>
-          <a:off x="358132" y="1305401"/>
+          <a:off x="380862" y="1305401"/>
           <a:ext cx="3406140" cy="1740535"/>
         </a:xfrm>
         <a:prstGeom prst="roundRect">
@@ -6215,9 +6250,28 @@
           </a:r>
           <a:endParaRPr lang="en-US" sz="1500" kern="1200" dirty="0"/>
         </a:p>
+        <a:p>
+          <a:pPr marL="114300" lvl="1" indent="-114300" algn="l" defTabSz="666750">
+            <a:lnSpc>
+              <a:spcPct val="90000"/>
+            </a:lnSpc>
+            <a:spcBef>
+              <a:spcPct val="0"/>
+            </a:spcBef>
+            <a:spcAft>
+              <a:spcPct val="15000"/>
+            </a:spcAft>
+            <a:buChar char="••"/>
+          </a:pPr>
+          <a:r>
+            <a:rPr lang="en-US" sz="1500" kern="1200" dirty="0" smtClean="0"/>
+            <a:t>Create page using custom page layout</a:t>
+          </a:r>
+          <a:endParaRPr lang="en-US" sz="1500" kern="1200" dirty="0"/>
+        </a:p>
       </dsp:txBody>
       <dsp:txXfrm>
-        <a:off x="443098" y="1390367"/>
+        <a:off x="465828" y="1390367"/>
         <a:ext cx="3236208" cy="1570603"/>
       </dsp:txXfrm>
     </dsp:sp>
@@ -6308,7 +6362,11 @@
           </a:pPr>
           <a:r>
             <a:rPr lang="en-US" sz="1500" kern="1200" dirty="0" smtClean="0"/>
-            <a:t>Gulp tasks (test &amp; serve-dev)</a:t>
+            <a:t>Gulp tasks (</a:t>
+          </a:r>
+          <a:r>
+            <a:rPr lang="en-US" sz="1500" kern="1200" dirty="0" smtClean="0"/>
+            <a:t>test, serve-dev, serve-specs)</a:t>
           </a:r>
           <a:endParaRPr lang="en-US" sz="1500" kern="1200" dirty="0"/>
         </a:p>
@@ -6346,7 +6404,11 @@
           </a:pPr>
           <a:r>
             <a:rPr lang="en-US" sz="1500" kern="1200" dirty="0" smtClean="0"/>
-            <a:t>Functional testing</a:t>
+            <a:t>Functional </a:t>
+          </a:r>
+          <a:r>
+            <a:rPr lang="en-US" sz="1500" kern="1200" dirty="0" smtClean="0"/>
+            <a:t>testing in Chrome</a:t>
           </a:r>
           <a:endParaRPr lang="en-US" sz="1500" kern="1200" dirty="0"/>
         </a:p>
@@ -6363,7 +6425,7 @@
       </dsp:nvSpPr>
       <dsp:spPr>
         <a:xfrm>
-          <a:off x="7589527" y="1305401"/>
+          <a:off x="7566797" y="1305401"/>
           <a:ext cx="3406140" cy="1740535"/>
         </a:xfrm>
         <a:prstGeom prst="roundRect">
@@ -6500,13 +6562,17 @@
           </a:pPr>
           <a:r>
             <a:rPr lang="en-US" sz="1500" kern="1200" dirty="0" smtClean="0"/>
-            <a:t>Functional testing</a:t>
+            <a:t>Functional </a:t>
+          </a:r>
+          <a:r>
+            <a:rPr lang="en-US" sz="1500" kern="1200" dirty="0" smtClean="0"/>
+            <a:t>testing in SharePoint</a:t>
           </a:r>
           <a:endParaRPr lang="en-US" sz="1500" kern="1200" dirty="0"/>
         </a:p>
       </dsp:txBody>
       <dsp:txXfrm>
-        <a:off x="7674493" y="1390367"/>
+        <a:off x="7651763" y="1390367"/>
         <a:ext cx="3236208" cy="1570603"/>
       </dsp:txXfrm>
     </dsp:sp>
@@ -10146,7 +10212,7 @@
           <a:p>
             <a:fld id="{061C5132-FFA3-4B02-9F09-22FCF40EFA74}" type="datetimeFigureOut">
               <a:rPr lang="en-US" smtClean="0"/>
-              <a:t>6/11/2015</a:t>
+              <a:t>6/13/2015</a:t>
             </a:fld>
             <a:endParaRPr lang="en-US"/>
           </a:p>
@@ -10311,7 +10377,7 @@
           <a:p>
             <a:fld id="{0B6E42C9-243F-4DC5-AFF6-9D56B5FA9D63}" type="datetimeFigureOut">
               <a:rPr lang="en-US" smtClean="0"/>
-              <a:t>6/11/2015</a:t>
+              <a:t>6/13/2015</a:t>
             </a:fld>
             <a:endParaRPr lang="en-US"/>
           </a:p>
@@ -10844,7 +10910,7 @@
                 <a:tabLst/>
                 <a:defRPr/>
               </a:pPr>
-              <a:t>6/11/2015</a:t>
+              <a:t>6/13/2015</a:t>
             </a:fld>
             <a:endParaRPr kumimoji="0" lang="en-US" sz="1200" b="0" i="0" u="none" strike="noStrike" kern="1200" cap="none" spc="0" normalizeH="0" baseline="0" noProof="0" dirty="0">
               <a:ln>
@@ -11104,7 +11170,7 @@
             <a:fld id="{D51B1278-D92B-4AF3-A9C1-71DD298190CE}" type="datetimeFigureOut">
               <a:rPr lang="en-US" smtClean="0"/>
               <a:pPr/>
-              <a:t>6/11/2015</a:t>
+              <a:t>6/13/2015</a:t>
             </a:fld>
             <a:endParaRPr lang="en-US" dirty="0"/>
           </a:p>
@@ -11292,7 +11358,7 @@
             <a:fld id="{D51B1278-D92B-4AF3-A9C1-71DD298190CE}" type="datetimeFigureOut">
               <a:rPr lang="en-US" smtClean="0"/>
               <a:pPr/>
-              <a:t>6/11/2015</a:t>
+              <a:t>6/13/2015</a:t>
             </a:fld>
             <a:endParaRPr lang="en-US" dirty="0"/>
           </a:p>
@@ -11480,7 +11546,7 @@
             <a:fld id="{D51B1278-D92B-4AF3-A9C1-71DD298190CE}" type="datetimeFigureOut">
               <a:rPr lang="en-US" smtClean="0"/>
               <a:pPr/>
-              <a:t>6/11/2015</a:t>
+              <a:t>6/13/2015</a:t>
             </a:fld>
             <a:endParaRPr lang="en-US" dirty="0"/>
           </a:p>
@@ -11727,7 +11793,7 @@
           <a:p>
             <a:fld id="{A11972B5-6BC1-3D45-8144-C53926F395E5}" type="slidenum">
               <a:rPr lang="en-US" smtClean="0"/>
-              <a:t>9</a:t>
+              <a:t>10</a:t>
             </a:fld>
             <a:endParaRPr lang="en-US" dirty="0"/>
           </a:p>
@@ -11747,6 +11813,94 @@
 </file>
 
 <file path=ppt/notesSlides/notesSlide6.xml><?xml version="1.0" encoding="utf-8"?>
+<p:notes xmlns:a="http://schemas.openxmlformats.org/drawingml/2006/main" xmlns:r="http://schemas.openxmlformats.org/officeDocument/2006/relationships" xmlns:p="http://schemas.openxmlformats.org/presentationml/2006/main">
+  <p:cSld>
+    <p:spTree>
+      <p:nvGrpSpPr>
+        <p:cNvPr id="1" name=""/>
+        <p:cNvGrpSpPr/>
+        <p:nvPr/>
+      </p:nvGrpSpPr>
+      <p:grpSpPr>
+        <a:xfrm>
+          <a:off x="0" y="0"/>
+          <a:ext cx="0" cy="0"/>
+          <a:chOff x="0" y="0"/>
+          <a:chExt cx="0" cy="0"/>
+        </a:xfrm>
+      </p:grpSpPr>
+      <p:sp>
+        <p:nvSpPr>
+          <p:cNvPr id="2" name="Slide Image Placeholder 1"/>
+          <p:cNvSpPr>
+            <a:spLocks noGrp="1" noRot="1" noChangeAspect="1"/>
+          </p:cNvSpPr>
+          <p:nvPr>
+            <p:ph type="sldImg"/>
+          </p:nvPr>
+        </p:nvSpPr>
+        <p:spPr/>
+      </p:sp>
+      <p:sp>
+        <p:nvSpPr>
+          <p:cNvPr id="3" name="Notes Placeholder 2"/>
+          <p:cNvSpPr>
+            <a:spLocks noGrp="1"/>
+          </p:cNvSpPr>
+          <p:nvPr>
+            <p:ph type="body" idx="1"/>
+          </p:nvPr>
+        </p:nvSpPr>
+        <p:spPr/>
+        <p:txBody>
+          <a:bodyPr/>
+          <a:lstStyle/>
+          <a:p>
+            <a:r>
+              <a:rPr lang="en-US" dirty="0" smtClean="0"/>
+              <a:t>http://blog.xebia.com/2013/09/01/differences-between-providers-in-angularjs/</a:t>
+            </a:r>
+            <a:endParaRPr lang="en-US" dirty="0"/>
+          </a:p>
+        </p:txBody>
+      </p:sp>
+      <p:sp>
+        <p:nvSpPr>
+          <p:cNvPr id="4" name="Slide Number Placeholder 3"/>
+          <p:cNvSpPr>
+            <a:spLocks noGrp="1"/>
+          </p:cNvSpPr>
+          <p:nvPr>
+            <p:ph type="sldNum" sz="quarter" idx="10"/>
+          </p:nvPr>
+        </p:nvSpPr>
+        <p:spPr/>
+        <p:txBody>
+          <a:bodyPr/>
+          <a:lstStyle/>
+          <a:p>
+            <a:fld id="{8DAEC444-603B-4F09-9A06-5917518DD901}" type="slidenum">
+              <a:rPr lang="en-US" smtClean="0"/>
+              <a:t>15</a:t>
+            </a:fld>
+            <a:endParaRPr lang="en-US"/>
+          </a:p>
+        </p:txBody>
+      </p:sp>
+    </p:spTree>
+    <p:extLst>
+      <p:ext uri="{BB962C8B-B14F-4D97-AF65-F5344CB8AC3E}">
+        <p14:creationId xmlns:p14="http://schemas.microsoft.com/office/powerpoint/2010/main" val="2767262396"/>
+      </p:ext>
+    </p:extLst>
+  </p:cSld>
+  <p:clrMapOvr>
+    <a:masterClrMapping/>
+  </p:clrMapOvr>
+</p:notes>
+</file>
+
+<file path=ppt/notesSlides/notesSlide7.xml><?xml version="1.0" encoding="utf-8"?>
 <p:notes xmlns:a="http://schemas.openxmlformats.org/drawingml/2006/main" xmlns:r="http://schemas.openxmlformats.org/officeDocument/2006/relationships" xmlns:p="http://schemas.openxmlformats.org/presentationml/2006/main">
   <p:cSld>
     <p:spTree>
@@ -11816,7 +11970,7 @@
           <a:p>
             <a:fld id="{A11972B5-6BC1-3D45-8144-C53926F395E5}" type="slidenum">
               <a:rPr lang="en-US" smtClean="0"/>
-              <a:t>16</a:t>
+              <a:t>17</a:t>
             </a:fld>
             <a:endParaRPr lang="en-US"/>
           </a:p>
@@ -11826,94 +11980,6 @@
     <p:extLst>
       <p:ext uri="{BB962C8B-B14F-4D97-AF65-F5344CB8AC3E}">
         <p14:creationId xmlns:p14="http://schemas.microsoft.com/office/powerpoint/2010/main" val="3168027567"/>
-      </p:ext>
-    </p:extLst>
-  </p:cSld>
-  <p:clrMapOvr>
-    <a:masterClrMapping/>
-  </p:clrMapOvr>
-</p:notes>
-</file>
-
-<file path=ppt/notesSlides/notesSlide7.xml><?xml version="1.0" encoding="utf-8"?>
-<p:notes xmlns:a="http://schemas.openxmlformats.org/drawingml/2006/main" xmlns:r="http://schemas.openxmlformats.org/officeDocument/2006/relationships" xmlns:p="http://schemas.openxmlformats.org/presentationml/2006/main">
-  <p:cSld>
-    <p:spTree>
-      <p:nvGrpSpPr>
-        <p:cNvPr id="1" name=""/>
-        <p:cNvGrpSpPr/>
-        <p:nvPr/>
-      </p:nvGrpSpPr>
-      <p:grpSpPr>
-        <a:xfrm>
-          <a:off x="0" y="0"/>
-          <a:ext cx="0" cy="0"/>
-          <a:chOff x="0" y="0"/>
-          <a:chExt cx="0" cy="0"/>
-        </a:xfrm>
-      </p:grpSpPr>
-      <p:sp>
-        <p:nvSpPr>
-          <p:cNvPr id="2" name="Slide Image Placeholder 1"/>
-          <p:cNvSpPr>
-            <a:spLocks noGrp="1" noRot="1" noChangeAspect="1"/>
-          </p:cNvSpPr>
-          <p:nvPr>
-            <p:ph type="sldImg"/>
-          </p:nvPr>
-        </p:nvSpPr>
-        <p:spPr/>
-      </p:sp>
-      <p:sp>
-        <p:nvSpPr>
-          <p:cNvPr id="3" name="Notes Placeholder 2"/>
-          <p:cNvSpPr>
-            <a:spLocks noGrp="1"/>
-          </p:cNvSpPr>
-          <p:nvPr>
-            <p:ph type="body" idx="1"/>
-          </p:nvPr>
-        </p:nvSpPr>
-        <p:spPr/>
-        <p:txBody>
-          <a:bodyPr/>
-          <a:lstStyle/>
-          <a:p>
-            <a:r>
-              <a:rPr lang="en-US" dirty="0" smtClean="0"/>
-              <a:t>http://blog.xebia.com/2013/09/01/differences-between-providers-in-angularjs/</a:t>
-            </a:r>
-            <a:endParaRPr lang="en-US" dirty="0"/>
-          </a:p>
-        </p:txBody>
-      </p:sp>
-      <p:sp>
-        <p:nvSpPr>
-          <p:cNvPr id="4" name="Slide Number Placeholder 3"/>
-          <p:cNvSpPr>
-            <a:spLocks noGrp="1"/>
-          </p:cNvSpPr>
-          <p:nvPr>
-            <p:ph type="sldNum" sz="quarter" idx="10"/>
-          </p:nvPr>
-        </p:nvSpPr>
-        <p:spPr/>
-        <p:txBody>
-          <a:bodyPr/>
-          <a:lstStyle/>
-          <a:p>
-            <a:fld id="{8DAEC444-603B-4F09-9A06-5917518DD901}" type="slidenum">
-              <a:rPr lang="en-US" smtClean="0"/>
-              <a:t>17</a:t>
-            </a:fld>
-            <a:endParaRPr lang="en-US"/>
-          </a:p>
-        </p:txBody>
-      </p:sp>
-    </p:spTree>
-    <p:extLst>
-      <p:ext uri="{BB962C8B-B14F-4D97-AF65-F5344CB8AC3E}">
-        <p14:creationId xmlns:p14="http://schemas.microsoft.com/office/powerpoint/2010/main" val="2767262396"/>
       </p:ext>
     </p:extLst>
   </p:cSld>
@@ -12068,7 +12134,7 @@
             <a:fld id="{D51B1278-D92B-4AF3-A9C1-71DD298190CE}" type="datetimeFigureOut">
               <a:rPr lang="en-US" smtClean="0"/>
               <a:pPr/>
-              <a:t>6/11/2015</a:t>
+              <a:t>6/13/2015</a:t>
             </a:fld>
             <a:endParaRPr lang="en-US" dirty="0"/>
           </a:p>
@@ -12282,7 +12348,7 @@
           <a:p>
             <a:fld id="{48A87A34-81AB-432B-8DAE-1953F412C126}" type="datetimeFigureOut">
               <a:rPr lang="en-US" dirty="0"/>
-              <a:t>6/11/2015</a:t>
+              <a:t>6/13/2015</a:t>
             </a:fld>
             <a:endParaRPr lang="en-US" dirty="0"/>
           </a:p>
@@ -12613,7 +12679,7 @@
           <a:p>
             <a:fld id="{48A87A34-81AB-432B-8DAE-1953F412C126}" type="datetimeFigureOut">
               <a:rPr lang="en-US" dirty="0"/>
-              <a:t>6/11/2015</a:t>
+              <a:t>6/13/2015</a:t>
             </a:fld>
             <a:endParaRPr lang="en-US" dirty="0"/>
           </a:p>
@@ -12839,7 +12905,7 @@
           <a:p>
             <a:fld id="{48A87A34-81AB-432B-8DAE-1953F412C126}" type="datetimeFigureOut">
               <a:rPr lang="en-US" dirty="0"/>
-              <a:t>6/11/2015</a:t>
+              <a:t>6/13/2015</a:t>
             </a:fld>
             <a:endParaRPr lang="en-US" dirty="0"/>
           </a:p>
@@ -13134,7 +13200,7 @@
           <a:p>
             <a:fld id="{48A87A34-81AB-432B-8DAE-1953F412C126}" type="datetimeFigureOut">
               <a:rPr lang="en-US" dirty="0"/>
-              <a:t>6/11/2015</a:t>
+              <a:t>6/13/2015</a:t>
             </a:fld>
             <a:endParaRPr lang="en-US" dirty="0"/>
           </a:p>
@@ -13592,7 +13658,7 @@
           <a:p>
             <a:fld id="{48A87A34-81AB-432B-8DAE-1953F412C126}" type="datetimeFigureOut">
               <a:rPr lang="en-US" dirty="0"/>
-              <a:t>6/11/2015</a:t>
+              <a:t>6/13/2015</a:t>
             </a:fld>
             <a:endParaRPr lang="en-US" dirty="0"/>
           </a:p>
@@ -14172,7 +14238,7 @@
           <a:p>
             <a:fld id="{48A87A34-81AB-432B-8DAE-1953F412C126}" type="datetimeFigureOut">
               <a:rPr lang="en-US" dirty="0"/>
-              <a:t>6/11/2015</a:t>
+              <a:t>6/13/2015</a:t>
             </a:fld>
             <a:endParaRPr lang="en-US" dirty="0"/>
           </a:p>
@@ -15028,7 +15094,7 @@
           <a:p>
             <a:fld id="{48A87A34-81AB-432B-8DAE-1953F412C126}" type="datetimeFigureOut">
               <a:rPr lang="en-US" dirty="0"/>
-              <a:t>6/11/2015</a:t>
+              <a:t>6/13/2015</a:t>
             </a:fld>
             <a:endParaRPr lang="en-US" dirty="0"/>
           </a:p>
@@ -15237,7 +15303,7 @@
           <a:p>
             <a:fld id="{B0FE2824-C2A0-4931-BB32-60B24BDBB3CC}" type="datetimeFigureOut">
               <a:rPr lang="en-US" smtClean="0"/>
-              <a:t>6/11/2015</a:t>
+              <a:t>6/13/2015</a:t>
             </a:fld>
             <a:endParaRPr lang="en-US"/>
           </a:p>
@@ -15470,7 +15536,7 @@
           <a:p>
             <a:fld id="{B0FE2824-C2A0-4931-BB32-60B24BDBB3CC}" type="datetimeFigureOut">
               <a:rPr lang="en-US" smtClean="0"/>
-              <a:t>6/11/2015</a:t>
+              <a:t>6/13/2015</a:t>
             </a:fld>
             <a:endParaRPr lang="en-US"/>
           </a:p>
@@ -15774,7 +15840,7 @@
           <a:p>
             <a:fld id="{B0FE2824-C2A0-4931-BB32-60B24BDBB3CC}" type="datetimeFigureOut">
               <a:rPr lang="en-US" smtClean="0"/>
-              <a:t>6/11/2015</a:t>
+              <a:t>6/13/2015</a:t>
             </a:fld>
             <a:endParaRPr lang="en-US"/>
           </a:p>
@@ -16073,7 +16139,7 @@
           <a:p>
             <a:fld id="{48A87A34-81AB-432B-8DAE-1953F412C126}" type="datetimeFigureOut">
               <a:rPr lang="en-US" dirty="0"/>
-              <a:t>6/11/2015</a:t>
+              <a:t>6/13/2015</a:t>
             </a:fld>
             <a:endParaRPr lang="en-US" dirty="0"/>
           </a:p>
@@ -16359,7 +16425,7 @@
           <a:p>
             <a:fld id="{B0FE2824-C2A0-4931-BB32-60B24BDBB3CC}" type="datetimeFigureOut">
               <a:rPr lang="en-US" smtClean="0"/>
-              <a:t>6/11/2015</a:t>
+              <a:t>6/13/2015</a:t>
             </a:fld>
             <a:endParaRPr lang="en-US"/>
           </a:p>
@@ -16793,7 +16859,7 @@
           <a:p>
             <a:fld id="{B0FE2824-C2A0-4931-BB32-60B24BDBB3CC}" type="datetimeFigureOut">
               <a:rPr lang="en-US" smtClean="0"/>
-              <a:t>6/11/2015</a:t>
+              <a:t>6/13/2015</a:t>
             </a:fld>
             <a:endParaRPr lang="en-US"/>
           </a:p>
@@ -16960,7 +17026,7 @@
           <a:p>
             <a:fld id="{B0FE2824-C2A0-4931-BB32-60B24BDBB3CC}" type="datetimeFigureOut">
               <a:rPr lang="en-US" smtClean="0"/>
-              <a:t>6/11/2015</a:t>
+              <a:t>6/13/2015</a:t>
             </a:fld>
             <a:endParaRPr lang="en-US"/>
           </a:p>
@@ -17104,7 +17170,7 @@
           <a:p>
             <a:fld id="{B0FE2824-C2A0-4931-BB32-60B24BDBB3CC}" type="datetimeFigureOut">
               <a:rPr lang="en-US" smtClean="0"/>
-              <a:t>6/11/2015</a:t>
+              <a:t>6/13/2015</a:t>
             </a:fld>
             <a:endParaRPr lang="en-US"/>
           </a:p>
@@ -17402,7 +17468,7 @@
           <a:p>
             <a:fld id="{B0FE2824-C2A0-4931-BB32-60B24BDBB3CC}" type="datetimeFigureOut">
               <a:rPr lang="en-US" smtClean="0"/>
-              <a:t>6/11/2015</a:t>
+              <a:t>6/13/2015</a:t>
             </a:fld>
             <a:endParaRPr lang="en-US"/>
           </a:p>
@@ -17733,7 +17799,7 @@
           <a:p>
             <a:fld id="{B0FE2824-C2A0-4931-BB32-60B24BDBB3CC}" type="datetimeFigureOut">
               <a:rPr lang="en-US" smtClean="0"/>
-              <a:t>6/11/2015</a:t>
+              <a:t>6/13/2015</a:t>
             </a:fld>
             <a:endParaRPr lang="en-US"/>
           </a:p>
@@ -18006,7 +18072,7 @@
             <a:fld id="{48A87A34-81AB-432B-8DAE-1953F412C126}" type="datetimeFigureOut">
               <a:rPr lang="en-US" dirty="0"/>
               <a:pPr/>
-              <a:t>6/11/2015</a:t>
+              <a:t>6/13/2015</a:t>
             </a:fld>
             <a:endParaRPr lang="en-US" dirty="0"/>
           </a:p>
@@ -18691,13 +18757,13 @@
   <p:clrMapOvr>
     <a:masterClrMapping/>
   </p:clrMapOvr>
-  <mc:AlternateContent xmlns:mc="http://schemas.openxmlformats.org/markup-compatibility/2006">
-    <mc:Choice xmlns:p14="http://schemas.microsoft.com/office/powerpoint/2010/main" Requires="p14">
+  <mc:AlternateContent xmlns:mc="http://schemas.openxmlformats.org/markup-compatibility/2006" xmlns:p14="http://schemas.microsoft.com/office/powerpoint/2010/main">
+    <mc:Choice Requires="p14">
       <p:transition spd="med" p14:dur="700">
         <p:fade/>
       </p:transition>
     </mc:Choice>
-    <mc:Fallback>
+    <mc:Fallback xmlns="">
       <p:transition spd="med">
         <p:fade/>
       </p:transition>
@@ -18732,7 +18798,835 @@
       </p:grpSpPr>
       <p:sp>
         <p:nvSpPr>
-          <p:cNvPr id="2" name="Title 1"/>
+          <p:cNvPr id="10" name="Rectangle 9"/>
+          <p:cNvSpPr/>
+          <p:nvPr/>
+        </p:nvSpPr>
+        <p:spPr bwMode="auto">
+          <a:xfrm>
+            <a:off x="6215747" y="2919839"/>
+            <a:ext cx="1937657" cy="2453127"/>
+          </a:xfrm>
+          <a:prstGeom prst="rect">
+            <a:avLst/>
+          </a:prstGeom>
+          <a:solidFill>
+            <a:schemeClr val="tx1">
+              <a:lumMod val="65000"/>
+              <a:lumOff val="35000"/>
+            </a:schemeClr>
+          </a:solidFill>
+          <a:ln>
+            <a:solidFill>
+              <a:schemeClr val="bg1"/>
+            </a:solidFill>
+            <a:headEnd type="none" w="med" len="med"/>
+            <a:tailEnd type="none" w="med" len="med"/>
+          </a:ln>
+          <a:effectLst/>
+        </p:spPr>
+        <p:style>
+          <a:lnRef idx="1">
+            <a:schemeClr val="accent2"/>
+          </a:lnRef>
+          <a:fillRef idx="3">
+            <a:schemeClr val="accent2"/>
+          </a:fillRef>
+          <a:effectRef idx="2">
+            <a:schemeClr val="accent2"/>
+          </a:effectRef>
+          <a:fontRef idx="minor">
+            <a:schemeClr val="lt1"/>
+          </a:fontRef>
+        </p:style>
+        <p:txBody>
+          <a:bodyPr rot="0" spcFirstLastPara="0" vertOverflow="overflow" horzOverflow="overflow" vert="horz" wrap="square" lIns="45720" tIns="45720" rIns="45720" bIns="45720" numCol="1" spcCol="0" rtlCol="0" fromWordArt="0" anchor="b" anchorCtr="0" forceAA="0" compatLnSpc="1">
+            <a:prstTxWarp prst="textNoShape">
+              <a:avLst/>
+            </a:prstTxWarp>
+            <a:noAutofit/>
+          </a:bodyPr>
+          <a:lstStyle/>
+          <a:p>
+            <a:pPr marL="120650" defTabSz="914099" fontAlgn="base">
+              <a:spcBef>
+                <a:spcPct val="0"/>
+              </a:spcBef>
+              <a:spcAft>
+                <a:spcPct val="0"/>
+              </a:spcAft>
+            </a:pPr>
+            <a:r>
+              <a:rPr lang="en-US" sz="2000" dirty="0">
+                <a:solidFill>
+                  <a:schemeClr val="bg1"/>
+                </a:solidFill>
+                <a:latin typeface="Effra" panose="020B0506080202020204" pitchFamily="34" charset="0"/>
+                <a:ea typeface="Segoe UI" pitchFamily="34" charset="0"/>
+                <a:cs typeface="Segoe Pro Light"/>
+              </a:rPr>
+              <a:t>Not Cloud Ready</a:t>
+            </a:r>
+          </a:p>
+        </p:txBody>
+      </p:sp>
+      <p:sp>
+        <p:nvSpPr>
+          <p:cNvPr id="8" name="Rectangle 7"/>
+          <p:cNvSpPr/>
+          <p:nvPr/>
+        </p:nvSpPr>
+        <p:spPr bwMode="auto">
+          <a:xfrm>
+            <a:off x="1781633" y="2919841"/>
+            <a:ext cx="1937657" cy="2453127"/>
+          </a:xfrm>
+          <a:prstGeom prst="rect">
+            <a:avLst/>
+          </a:prstGeom>
+          <a:solidFill>
+            <a:schemeClr val="tx1">
+              <a:lumMod val="65000"/>
+              <a:lumOff val="35000"/>
+            </a:schemeClr>
+          </a:solidFill>
+          <a:ln>
+            <a:solidFill>
+              <a:srgbClr val="172952"/>
+            </a:solidFill>
+            <a:headEnd type="none" w="med" len="med"/>
+            <a:tailEnd type="none" w="med" len="med"/>
+          </a:ln>
+          <a:effectLst/>
+        </p:spPr>
+        <p:style>
+          <a:lnRef idx="1">
+            <a:schemeClr val="accent2"/>
+          </a:lnRef>
+          <a:fillRef idx="3">
+            <a:schemeClr val="accent2"/>
+          </a:fillRef>
+          <a:effectRef idx="2">
+            <a:schemeClr val="accent2"/>
+          </a:effectRef>
+          <a:fontRef idx="minor">
+            <a:schemeClr val="lt1"/>
+          </a:fontRef>
+        </p:style>
+        <p:txBody>
+          <a:bodyPr rot="0" spcFirstLastPara="0" vertOverflow="overflow" horzOverflow="overflow" vert="horz" wrap="square" lIns="45720" tIns="45720" rIns="45720" bIns="45720" numCol="1" spcCol="0" rtlCol="0" fromWordArt="0" anchor="b" anchorCtr="0" forceAA="0" compatLnSpc="1">
+            <a:prstTxWarp prst="textNoShape">
+              <a:avLst/>
+            </a:prstTxWarp>
+            <a:noAutofit/>
+          </a:bodyPr>
+          <a:lstStyle/>
+          <a:p>
+            <a:pPr marL="120650" defTabSz="914099" fontAlgn="base">
+              <a:spcBef>
+                <a:spcPct val="0"/>
+              </a:spcBef>
+              <a:spcAft>
+                <a:spcPct val="0"/>
+              </a:spcAft>
+            </a:pPr>
+            <a:r>
+              <a:rPr lang="en-US" sz="2000" dirty="0">
+                <a:solidFill>
+                  <a:schemeClr val="bg1"/>
+                </a:solidFill>
+                <a:latin typeface="Effra" panose="020B0506080202020204" pitchFamily="34" charset="0"/>
+                <a:ea typeface="Segoe UI" pitchFamily="34" charset="0"/>
+                <a:cs typeface="Segoe Pro Light"/>
+              </a:rPr>
+              <a:t>Performance and Stability</a:t>
+            </a:r>
+          </a:p>
+        </p:txBody>
+      </p:sp>
+      <p:sp>
+        <p:nvSpPr>
+          <p:cNvPr id="9" name="Rectangle 8"/>
+          <p:cNvSpPr/>
+          <p:nvPr/>
+        </p:nvSpPr>
+        <p:spPr bwMode="auto">
+          <a:xfrm>
+            <a:off x="3998690" y="2919840"/>
+            <a:ext cx="1937657" cy="2453127"/>
+          </a:xfrm>
+          <a:prstGeom prst="rect">
+            <a:avLst/>
+          </a:prstGeom>
+          <a:solidFill>
+            <a:schemeClr val="tx1">
+              <a:lumMod val="65000"/>
+              <a:lumOff val="35000"/>
+            </a:schemeClr>
+          </a:solidFill>
+          <a:ln>
+            <a:solidFill>
+              <a:srgbClr val="172952"/>
+            </a:solidFill>
+            <a:headEnd type="none" w="med" len="med"/>
+            <a:tailEnd type="none" w="med" len="med"/>
+          </a:ln>
+          <a:effectLst/>
+        </p:spPr>
+        <p:style>
+          <a:lnRef idx="1">
+            <a:schemeClr val="accent2"/>
+          </a:lnRef>
+          <a:fillRef idx="3">
+            <a:schemeClr val="accent2"/>
+          </a:fillRef>
+          <a:effectRef idx="2">
+            <a:schemeClr val="accent2"/>
+          </a:effectRef>
+          <a:fontRef idx="minor">
+            <a:schemeClr val="lt1"/>
+          </a:fontRef>
+        </p:style>
+        <p:txBody>
+          <a:bodyPr rot="0" spcFirstLastPara="0" vertOverflow="overflow" horzOverflow="overflow" vert="horz" wrap="square" lIns="45720" tIns="45720" rIns="45720" bIns="45720" numCol="1" spcCol="0" rtlCol="0" fromWordArt="0" anchor="b" anchorCtr="0" forceAA="0" compatLnSpc="1">
+            <a:prstTxWarp prst="textNoShape">
+              <a:avLst/>
+            </a:prstTxWarp>
+            <a:noAutofit/>
+          </a:bodyPr>
+          <a:lstStyle/>
+          <a:p>
+            <a:pPr marL="120650" defTabSz="914099" fontAlgn="base">
+              <a:spcBef>
+                <a:spcPct val="0"/>
+              </a:spcBef>
+              <a:spcAft>
+                <a:spcPct val="0"/>
+              </a:spcAft>
+            </a:pPr>
+            <a:r>
+              <a:rPr lang="en-US" sz="2000" dirty="0">
+                <a:solidFill>
+                  <a:schemeClr val="bg1"/>
+                </a:solidFill>
+                <a:latin typeface="Effra" panose="020B0506080202020204" pitchFamily="34" charset="0"/>
+                <a:ea typeface="Segoe UI" pitchFamily="34" charset="0"/>
+                <a:cs typeface="Segoe Pro Light"/>
+              </a:rPr>
+              <a:t>Lifecycle Management</a:t>
+            </a:r>
+          </a:p>
+        </p:txBody>
+      </p:sp>
+      <p:sp>
+        <p:nvSpPr>
+          <p:cNvPr id="11" name="Rectangle 10"/>
+          <p:cNvSpPr/>
+          <p:nvPr/>
+        </p:nvSpPr>
+        <p:spPr bwMode="auto">
+          <a:xfrm>
+            <a:off x="8432804" y="2919838"/>
+            <a:ext cx="1937657" cy="2453127"/>
+          </a:xfrm>
+          <a:prstGeom prst="rect">
+            <a:avLst/>
+          </a:prstGeom>
+          <a:solidFill>
+            <a:schemeClr val="tx1">
+              <a:lumMod val="65000"/>
+              <a:lumOff val="35000"/>
+            </a:schemeClr>
+          </a:solidFill>
+          <a:ln>
+            <a:solidFill>
+              <a:srgbClr val="172952"/>
+            </a:solidFill>
+            <a:headEnd type="none" w="med" len="med"/>
+            <a:tailEnd type="none" w="med" len="med"/>
+          </a:ln>
+          <a:effectLst/>
+        </p:spPr>
+        <p:style>
+          <a:lnRef idx="1">
+            <a:schemeClr val="accent2"/>
+          </a:lnRef>
+          <a:fillRef idx="3">
+            <a:schemeClr val="accent2"/>
+          </a:fillRef>
+          <a:effectRef idx="2">
+            <a:schemeClr val="accent2"/>
+          </a:effectRef>
+          <a:fontRef idx="minor">
+            <a:schemeClr val="lt1"/>
+          </a:fontRef>
+        </p:style>
+        <p:txBody>
+          <a:bodyPr rot="0" spcFirstLastPara="0" vertOverflow="overflow" horzOverflow="overflow" vert="horz" wrap="square" lIns="45720" tIns="45720" rIns="45720" bIns="45720" numCol="1" spcCol="0" rtlCol="0" fromWordArt="0" anchor="b" anchorCtr="0" forceAA="0" compatLnSpc="1">
+            <a:prstTxWarp prst="textNoShape">
+              <a:avLst/>
+            </a:prstTxWarp>
+            <a:noAutofit/>
+          </a:bodyPr>
+          <a:lstStyle/>
+          <a:p>
+            <a:pPr marL="120650" defTabSz="914099" fontAlgn="base">
+              <a:spcBef>
+                <a:spcPct val="0"/>
+              </a:spcBef>
+              <a:spcAft>
+                <a:spcPct val="0"/>
+              </a:spcAft>
+            </a:pPr>
+            <a:r>
+              <a:rPr lang="en-US" sz="2000" dirty="0">
+                <a:solidFill>
+                  <a:schemeClr val="bg1"/>
+                </a:solidFill>
+                <a:latin typeface="Effra" panose="020B0506080202020204" pitchFamily="34" charset="0"/>
+                <a:ea typeface="Segoe UI" pitchFamily="34" charset="0"/>
+                <a:cs typeface="Segoe Pro Light"/>
+              </a:rPr>
+              <a:t>Resources</a:t>
+            </a:r>
+          </a:p>
+        </p:txBody>
+      </p:sp>
+      <p:pic>
+        <p:nvPicPr>
+          <p:cNvPr id="12" name="Picture 4" descr="\\MAGNUM\Projects\Microsoft\Cloud Power FY12\Design\ICONS_PNG\IIS-MULTI-TENANCY.png"/>
+          <p:cNvPicPr>
+            <a:picLocks noChangeAspect="1" noChangeArrowheads="1"/>
+          </p:cNvPicPr>
+          <p:nvPr/>
+        </p:nvPicPr>
+        <p:blipFill>
+          <a:blip r:embed="rId3" cstate="print">
+            <a:biLevel thresh="25000"/>
+          </a:blip>
+          <a:stretch>
+            <a:fillRect/>
+          </a:stretch>
+        </p:blipFill>
+        <p:spPr bwMode="auto">
+          <a:xfrm>
+            <a:off x="4122455" y="2917015"/>
+            <a:ext cx="1673223" cy="1673223"/>
+          </a:xfrm>
+          <a:prstGeom prst="rect">
+            <a:avLst/>
+          </a:prstGeom>
+          <a:noFill/>
+          <a:ln>
+            <a:noFill/>
+          </a:ln>
+        </p:spPr>
+      </p:pic>
+      <p:sp>
+        <p:nvSpPr>
+          <p:cNvPr id="13" name="Cloud 12"/>
+          <p:cNvSpPr/>
+          <p:nvPr/>
+        </p:nvSpPr>
+        <p:spPr>
+          <a:xfrm>
+            <a:off x="6482277" y="3269082"/>
+            <a:ext cx="1404594" cy="1140643"/>
+          </a:xfrm>
+          <a:prstGeom prst="cloud">
+            <a:avLst/>
+          </a:prstGeom>
+          <a:solidFill>
+            <a:schemeClr val="bg1"/>
+          </a:solidFill>
+          <a:ln w="38100">
+            <a:solidFill>
+              <a:schemeClr val="bg1"/>
+            </a:solidFill>
+          </a:ln>
+        </p:spPr>
+        <p:style>
+          <a:lnRef idx="1">
+            <a:schemeClr val="accent1"/>
+          </a:lnRef>
+          <a:fillRef idx="3">
+            <a:schemeClr val="accent1"/>
+          </a:fillRef>
+          <a:effectRef idx="2">
+            <a:schemeClr val="accent1"/>
+          </a:effectRef>
+          <a:fontRef idx="minor">
+            <a:schemeClr val="lt1"/>
+          </a:fontRef>
+        </p:style>
+        <p:txBody>
+          <a:bodyPr rtlCol="0" anchor="ctr"/>
+          <a:lstStyle/>
+          <a:p>
+            <a:pPr algn="ctr"/>
+            <a:endParaRPr lang="en-US" dirty="0"/>
+          </a:p>
+        </p:txBody>
+      </p:sp>
+      <p:sp>
+        <p:nvSpPr>
+          <p:cNvPr id="14" name="Lightning Bolt 13"/>
+          <p:cNvSpPr/>
+          <p:nvPr/>
+        </p:nvSpPr>
+        <p:spPr>
+          <a:xfrm>
+            <a:off x="2105970" y="3269081"/>
+            <a:ext cx="1121790" cy="989814"/>
+          </a:xfrm>
+          <a:prstGeom prst="lightningBolt">
+            <a:avLst/>
+          </a:prstGeom>
+          <a:solidFill>
+            <a:schemeClr val="bg1"/>
+          </a:solidFill>
+          <a:ln w="38100">
+            <a:solidFill>
+              <a:schemeClr val="bg1"/>
+            </a:solidFill>
+          </a:ln>
+        </p:spPr>
+        <p:style>
+          <a:lnRef idx="1">
+            <a:schemeClr val="accent1"/>
+          </a:lnRef>
+          <a:fillRef idx="3">
+            <a:schemeClr val="accent1"/>
+          </a:fillRef>
+          <a:effectRef idx="2">
+            <a:schemeClr val="accent1"/>
+          </a:effectRef>
+          <a:fontRef idx="minor">
+            <a:schemeClr val="lt1"/>
+          </a:fontRef>
+        </p:style>
+        <p:txBody>
+          <a:bodyPr rtlCol="0" anchor="ctr"/>
+          <a:lstStyle/>
+          <a:p>
+            <a:pPr algn="ctr"/>
+            <a:endParaRPr lang="en-US" dirty="0"/>
+          </a:p>
+        </p:txBody>
+      </p:sp>
+      <p:sp>
+        <p:nvSpPr>
+          <p:cNvPr id="15" name="Freeform 741"/>
+          <p:cNvSpPr>
+            <a:spLocks/>
+          </p:cNvSpPr>
+          <p:nvPr/>
+        </p:nvSpPr>
+        <p:spPr bwMode="auto">
+          <a:xfrm>
+            <a:off x="8906457" y="3638174"/>
+            <a:ext cx="371046" cy="806232"/>
+          </a:xfrm>
+          <a:custGeom>
+            <a:avLst/>
+            <a:gdLst>
+              <a:gd name="T0" fmla="*/ 73 w 90"/>
+              <a:gd name="T1" fmla="*/ 0 h 181"/>
+              <a:gd name="T2" fmla="*/ 17 w 90"/>
+              <a:gd name="T3" fmla="*/ 0 h 181"/>
+              <a:gd name="T4" fmla="*/ 0 w 90"/>
+              <a:gd name="T5" fmla="*/ 17 h 181"/>
+              <a:gd name="T6" fmla="*/ 0 w 90"/>
+              <a:gd name="T7" fmla="*/ 93 h 181"/>
+              <a:gd name="T8" fmla="*/ 17 w 90"/>
+              <a:gd name="T9" fmla="*/ 110 h 181"/>
+              <a:gd name="T10" fmla="*/ 17 w 90"/>
+              <a:gd name="T11" fmla="*/ 110 h 181"/>
+              <a:gd name="T12" fmla="*/ 17 w 90"/>
+              <a:gd name="T13" fmla="*/ 164 h 181"/>
+              <a:gd name="T14" fmla="*/ 33 w 90"/>
+              <a:gd name="T15" fmla="*/ 181 h 181"/>
+              <a:gd name="T16" fmla="*/ 57 w 90"/>
+              <a:gd name="T17" fmla="*/ 181 h 181"/>
+              <a:gd name="T18" fmla="*/ 73 w 90"/>
+              <a:gd name="T19" fmla="*/ 164 h 181"/>
+              <a:gd name="T20" fmla="*/ 73 w 90"/>
+              <a:gd name="T21" fmla="*/ 110 h 181"/>
+              <a:gd name="T22" fmla="*/ 73 w 90"/>
+              <a:gd name="T23" fmla="*/ 110 h 181"/>
+              <a:gd name="T24" fmla="*/ 90 w 90"/>
+              <a:gd name="T25" fmla="*/ 93 h 181"/>
+              <a:gd name="T26" fmla="*/ 90 w 90"/>
+              <a:gd name="T27" fmla="*/ 17 h 181"/>
+              <a:gd name="T28" fmla="*/ 73 w 90"/>
+              <a:gd name="T29" fmla="*/ 0 h 181"/>
+              <a:gd name="connsiteX0" fmla="*/ 8111 w 10000"/>
+              <a:gd name="connsiteY0" fmla="*/ 0 h 10000"/>
+              <a:gd name="connsiteX1" fmla="*/ 1889 w 10000"/>
+              <a:gd name="connsiteY1" fmla="*/ 0 h 10000"/>
+              <a:gd name="connsiteX2" fmla="*/ 0 w 10000"/>
+              <a:gd name="connsiteY2" fmla="*/ 939 h 10000"/>
+              <a:gd name="connsiteX3" fmla="*/ 0 w 10000"/>
+              <a:gd name="connsiteY3" fmla="*/ 5138 h 10000"/>
+              <a:gd name="connsiteX4" fmla="*/ 1889 w 10000"/>
+              <a:gd name="connsiteY4" fmla="*/ 6077 h 10000"/>
+              <a:gd name="connsiteX5" fmla="*/ 1889 w 10000"/>
+              <a:gd name="connsiteY5" fmla="*/ 6077 h 10000"/>
+              <a:gd name="connsiteX6" fmla="*/ 1889 w 10000"/>
+              <a:gd name="connsiteY6" fmla="*/ 9061 h 10000"/>
+              <a:gd name="connsiteX7" fmla="*/ 3667 w 10000"/>
+              <a:gd name="connsiteY7" fmla="*/ 10000 h 10000"/>
+              <a:gd name="connsiteX8" fmla="*/ 6333 w 10000"/>
+              <a:gd name="connsiteY8" fmla="*/ 10000 h 10000"/>
+              <a:gd name="connsiteX9" fmla="*/ 8111 w 10000"/>
+              <a:gd name="connsiteY9" fmla="*/ 9061 h 10000"/>
+              <a:gd name="connsiteX10" fmla="*/ 8111 w 10000"/>
+              <a:gd name="connsiteY10" fmla="*/ 6077 h 10000"/>
+              <a:gd name="connsiteX11" fmla="*/ 8111 w 10000"/>
+              <a:gd name="connsiteY11" fmla="*/ 6077 h 10000"/>
+              <a:gd name="connsiteX12" fmla="*/ 10000 w 10000"/>
+              <a:gd name="connsiteY12" fmla="*/ 5138 h 10000"/>
+              <a:gd name="connsiteX13" fmla="*/ 8253 w 10000"/>
+              <a:gd name="connsiteY13" fmla="*/ 1991 h 10000"/>
+              <a:gd name="connsiteX14" fmla="*/ 8111 w 10000"/>
+              <a:gd name="connsiteY14" fmla="*/ 0 h 10000"/>
+              <a:gd name="connsiteX0" fmla="*/ 8111 w 8595"/>
+              <a:gd name="connsiteY0" fmla="*/ 0 h 10000"/>
+              <a:gd name="connsiteX1" fmla="*/ 1889 w 8595"/>
+              <a:gd name="connsiteY1" fmla="*/ 0 h 10000"/>
+              <a:gd name="connsiteX2" fmla="*/ 0 w 8595"/>
+              <a:gd name="connsiteY2" fmla="*/ 939 h 10000"/>
+              <a:gd name="connsiteX3" fmla="*/ 0 w 8595"/>
+              <a:gd name="connsiteY3" fmla="*/ 5138 h 10000"/>
+              <a:gd name="connsiteX4" fmla="*/ 1889 w 8595"/>
+              <a:gd name="connsiteY4" fmla="*/ 6077 h 10000"/>
+              <a:gd name="connsiteX5" fmla="*/ 1889 w 8595"/>
+              <a:gd name="connsiteY5" fmla="*/ 6077 h 10000"/>
+              <a:gd name="connsiteX6" fmla="*/ 1889 w 8595"/>
+              <a:gd name="connsiteY6" fmla="*/ 9061 h 10000"/>
+              <a:gd name="connsiteX7" fmla="*/ 3667 w 8595"/>
+              <a:gd name="connsiteY7" fmla="*/ 10000 h 10000"/>
+              <a:gd name="connsiteX8" fmla="*/ 6333 w 8595"/>
+              <a:gd name="connsiteY8" fmla="*/ 10000 h 10000"/>
+              <a:gd name="connsiteX9" fmla="*/ 8111 w 8595"/>
+              <a:gd name="connsiteY9" fmla="*/ 9061 h 10000"/>
+              <a:gd name="connsiteX10" fmla="*/ 8111 w 8595"/>
+              <a:gd name="connsiteY10" fmla="*/ 6077 h 10000"/>
+              <a:gd name="connsiteX11" fmla="*/ 8111 w 8595"/>
+              <a:gd name="connsiteY11" fmla="*/ 6077 h 10000"/>
+              <a:gd name="connsiteX12" fmla="*/ 8253 w 8595"/>
+              <a:gd name="connsiteY12" fmla="*/ 5138 h 10000"/>
+              <a:gd name="connsiteX13" fmla="*/ 8253 w 8595"/>
+              <a:gd name="connsiteY13" fmla="*/ 1991 h 10000"/>
+              <a:gd name="connsiteX14" fmla="*/ 8111 w 8595"/>
+              <a:gd name="connsiteY14" fmla="*/ 0 h 10000"/>
+            </a:gdLst>
+            <a:ahLst/>
+            <a:cxnLst>
+              <a:cxn ang="0">
+                <a:pos x="connsiteX0" y="connsiteY0"/>
+              </a:cxn>
+              <a:cxn ang="0">
+                <a:pos x="connsiteX1" y="connsiteY1"/>
+              </a:cxn>
+              <a:cxn ang="0">
+                <a:pos x="connsiteX2" y="connsiteY2"/>
+              </a:cxn>
+              <a:cxn ang="0">
+                <a:pos x="connsiteX3" y="connsiteY3"/>
+              </a:cxn>
+              <a:cxn ang="0">
+                <a:pos x="connsiteX4" y="connsiteY4"/>
+              </a:cxn>
+              <a:cxn ang="0">
+                <a:pos x="connsiteX5" y="connsiteY5"/>
+              </a:cxn>
+              <a:cxn ang="0">
+                <a:pos x="connsiteX6" y="connsiteY6"/>
+              </a:cxn>
+              <a:cxn ang="0">
+                <a:pos x="connsiteX7" y="connsiteY7"/>
+              </a:cxn>
+              <a:cxn ang="0">
+                <a:pos x="connsiteX8" y="connsiteY8"/>
+              </a:cxn>
+              <a:cxn ang="0">
+                <a:pos x="connsiteX9" y="connsiteY9"/>
+              </a:cxn>
+              <a:cxn ang="0">
+                <a:pos x="connsiteX10" y="connsiteY10"/>
+              </a:cxn>
+              <a:cxn ang="0">
+                <a:pos x="connsiteX11" y="connsiteY11"/>
+              </a:cxn>
+              <a:cxn ang="0">
+                <a:pos x="connsiteX12" y="connsiteY12"/>
+              </a:cxn>
+              <a:cxn ang="0">
+                <a:pos x="connsiteX13" y="connsiteY13"/>
+              </a:cxn>
+              <a:cxn ang="0">
+                <a:pos x="connsiteX14" y="connsiteY14"/>
+              </a:cxn>
+            </a:cxnLst>
+            <a:rect l="l" t="t" r="r" b="b"/>
+            <a:pathLst>
+              <a:path w="8595" h="10000">
+                <a:moveTo>
+                  <a:pt x="8111" y="0"/>
+                </a:moveTo>
+                <a:lnTo>
+                  <a:pt x="1889" y="0"/>
+                </a:lnTo>
+                <a:cubicBezTo>
+                  <a:pt x="889" y="0"/>
+                  <a:pt x="0" y="442"/>
+                  <a:pt x="0" y="939"/>
+                </a:cubicBezTo>
+                <a:lnTo>
+                  <a:pt x="0" y="5138"/>
+                </a:lnTo>
+                <a:cubicBezTo>
+                  <a:pt x="0" y="5635"/>
+                  <a:pt x="889" y="6077"/>
+                  <a:pt x="1889" y="6077"/>
+                </a:cubicBezTo>
+                <a:lnTo>
+                  <a:pt x="1889" y="6077"/>
+                </a:lnTo>
+                <a:lnTo>
+                  <a:pt x="1889" y="9061"/>
+                </a:lnTo>
+                <a:cubicBezTo>
+                  <a:pt x="1889" y="9558"/>
+                  <a:pt x="2667" y="10000"/>
+                  <a:pt x="3667" y="10000"/>
+                </a:cubicBezTo>
+                <a:lnTo>
+                  <a:pt x="6333" y="10000"/>
+                </a:lnTo>
+                <a:cubicBezTo>
+                  <a:pt x="7333" y="10000"/>
+                  <a:pt x="8111" y="9558"/>
+                  <a:pt x="8111" y="9061"/>
+                </a:cubicBezTo>
+                <a:lnTo>
+                  <a:pt x="8111" y="6077"/>
+                </a:lnTo>
+                <a:lnTo>
+                  <a:pt x="8111" y="6077"/>
+                </a:lnTo>
+                <a:cubicBezTo>
+                  <a:pt x="8135" y="5921"/>
+                  <a:pt x="8253" y="5635"/>
+                  <a:pt x="8253" y="5138"/>
+                </a:cubicBezTo>
+                <a:lnTo>
+                  <a:pt x="8253" y="1991"/>
+                </a:lnTo>
+                <a:cubicBezTo>
+                  <a:pt x="8253" y="1494"/>
+                  <a:pt x="9111" y="0"/>
+                  <a:pt x="8111" y="0"/>
+                </a:cubicBezTo>
+                <a:close/>
+              </a:path>
+            </a:pathLst>
+          </a:custGeom>
+          <a:solidFill>
+            <a:srgbClr val="FFFFFF"/>
+          </a:solidFill>
+          <a:ln>
+            <a:noFill/>
+          </a:ln>
+          <a:extLst>
+            <a:ext uri="{91240B29-F687-4f45-9708-019B960494DF}">
+              <a14:hiddenLine xmlns="" xmlns:a14="http://schemas.microsoft.com/office/drawing/2010/main" w="9525">
+                <a:solidFill>
+                  <a:srgbClr val="000000"/>
+                </a:solidFill>
+                <a:round/>
+                <a:headEnd/>
+                <a:tailEnd/>
+              </a14:hiddenLine>
+            </a:ext>
+          </a:extLst>
+        </p:spPr>
+        <p:txBody>
+          <a:bodyPr vert="horz" wrap="square" lIns="91440" tIns="45720" rIns="91440" bIns="45720" numCol="1" anchor="t" anchorCtr="0" compatLnSpc="1">
+            <a:prstTxWarp prst="textNoShape">
+              <a:avLst/>
+            </a:prstTxWarp>
+          </a:bodyPr>
+          <a:lstStyle/>
+          <a:p>
+            <a:pPr defTabSz="1218159">
+              <a:defRPr/>
+            </a:pPr>
+            <a:endParaRPr lang="en-US" sz="2400" kern="0" dirty="0">
+              <a:solidFill>
+                <a:srgbClr val="000000"/>
+              </a:solidFill>
+            </a:endParaRPr>
+          </a:p>
+        </p:txBody>
+      </p:sp>
+      <p:sp>
+        <p:nvSpPr>
+          <p:cNvPr id="16" name="Oval 742"/>
+          <p:cNvSpPr>
+            <a:spLocks noChangeArrowheads="1"/>
+          </p:cNvSpPr>
+          <p:nvPr/>
+        </p:nvSpPr>
+        <p:spPr bwMode="auto">
+          <a:xfrm>
+            <a:off x="8990518" y="3373836"/>
+            <a:ext cx="239358" cy="241681"/>
+          </a:xfrm>
+          <a:prstGeom prst="ellipse">
+            <a:avLst/>
+          </a:prstGeom>
+          <a:solidFill>
+            <a:srgbClr val="FFFFFF"/>
+          </a:solidFill>
+          <a:ln>
+            <a:noFill/>
+          </a:ln>
+          <a:extLst>
+            <a:ext uri="{91240B29-F687-4f45-9708-019B960494DF}">
+              <a14:hiddenLine xmlns="" xmlns:a14="http://schemas.microsoft.com/office/drawing/2010/main" w="9525">
+                <a:solidFill>
+                  <a:srgbClr val="000000"/>
+                </a:solidFill>
+                <a:round/>
+                <a:headEnd/>
+                <a:tailEnd/>
+              </a14:hiddenLine>
+            </a:ext>
+          </a:extLst>
+        </p:spPr>
+        <p:txBody>
+          <a:bodyPr vert="horz" wrap="square" lIns="91440" tIns="45720" rIns="91440" bIns="45720" numCol="1" anchor="t" anchorCtr="0" compatLnSpc="1">
+            <a:prstTxWarp prst="textNoShape">
+              <a:avLst/>
+            </a:prstTxWarp>
+          </a:bodyPr>
+          <a:lstStyle/>
+          <a:p>
+            <a:pPr defTabSz="1218159">
+              <a:defRPr/>
+            </a:pPr>
+            <a:endParaRPr lang="en-US" sz="2400" kern="0" dirty="0">
+              <a:solidFill>
+                <a:srgbClr val="000000"/>
+              </a:solidFill>
+            </a:endParaRPr>
+          </a:p>
+        </p:txBody>
+      </p:sp>
+      <p:sp>
+        <p:nvSpPr>
+          <p:cNvPr id="17" name="Diagonal Stripe 16"/>
+          <p:cNvSpPr/>
+          <p:nvPr/>
+        </p:nvSpPr>
+        <p:spPr>
+          <a:xfrm rot="5400000" flipV="1">
+            <a:off x="9256405" y="3515293"/>
+            <a:ext cx="245219" cy="267350"/>
+          </a:xfrm>
+          <a:prstGeom prst="diagStripe">
+            <a:avLst/>
+          </a:prstGeom>
+          <a:solidFill>
+            <a:schemeClr val="bg1"/>
+          </a:solidFill>
+          <a:ln>
+            <a:solidFill>
+              <a:schemeClr val="bg1"/>
+            </a:solidFill>
+          </a:ln>
+          <a:effectLst/>
+        </p:spPr>
+        <p:style>
+          <a:lnRef idx="1">
+            <a:schemeClr val="accent1"/>
+          </a:lnRef>
+          <a:fillRef idx="3">
+            <a:schemeClr val="accent1"/>
+          </a:fillRef>
+          <a:effectRef idx="2">
+            <a:schemeClr val="accent1"/>
+          </a:effectRef>
+          <a:fontRef idx="minor">
+            <a:schemeClr val="lt1"/>
+          </a:fontRef>
+        </p:style>
+        <p:txBody>
+          <a:bodyPr rtlCol="0" anchor="ctr"/>
+          <a:lstStyle/>
+          <a:p>
+            <a:pPr algn="ctr"/>
+            <a:endParaRPr lang="en-US" dirty="0">
+              <a:solidFill>
+                <a:schemeClr val="tx1"/>
+              </a:solidFill>
+            </a:endParaRPr>
+          </a:p>
+        </p:txBody>
+      </p:sp>
+      <p:sp>
+        <p:nvSpPr>
+          <p:cNvPr id="18" name="Flowchart: Predefined Process 17"/>
+          <p:cNvSpPr/>
+          <p:nvPr/>
+        </p:nvSpPr>
+        <p:spPr>
+          <a:xfrm>
+            <a:off x="9568863" y="3180750"/>
+            <a:ext cx="546173" cy="382589"/>
+          </a:xfrm>
+          <a:prstGeom prst="flowChartPredefinedProcess">
+            <a:avLst/>
+          </a:prstGeom>
+          <a:solidFill>
+            <a:schemeClr val="bg1"/>
+          </a:solidFill>
+          <a:ln>
+            <a:solidFill>
+              <a:schemeClr val="bg1"/>
+            </a:solidFill>
+          </a:ln>
+        </p:spPr>
+        <p:style>
+          <a:lnRef idx="1">
+            <a:schemeClr val="accent1"/>
+          </a:lnRef>
+          <a:fillRef idx="3">
+            <a:schemeClr val="accent1"/>
+          </a:fillRef>
+          <a:effectRef idx="2">
+            <a:schemeClr val="accent1"/>
+          </a:effectRef>
+          <a:fontRef idx="minor">
+            <a:schemeClr val="lt1"/>
+          </a:fontRef>
+        </p:style>
+        <p:txBody>
+          <a:bodyPr rtlCol="0" anchor="ctr"/>
+          <a:lstStyle/>
+          <a:p>
+            <a:pPr algn="ctr"/>
+            <a:endParaRPr lang="en-US" dirty="0">
+              <a:noFill/>
+            </a:endParaRPr>
+          </a:p>
+        </p:txBody>
+      </p:sp>
+      <p:sp>
+        <p:nvSpPr>
+          <p:cNvPr id="3" name="Title 2"/>
           <p:cNvSpPr>
             <a:spLocks noGrp="1"/>
           </p:cNvSpPr>
@@ -18747,157 +19641,32 @@
           <a:p>
             <a:r>
               <a:rPr lang="en-US" dirty="0" smtClean="0"/>
-              <a:t>Single Page Applications</a:t>
-            </a:r>
-            <a:endParaRPr lang="en-US" dirty="0"/>
-          </a:p>
-        </p:txBody>
-      </p:sp>
-      <p:sp>
-        <p:nvSpPr>
-          <p:cNvPr id="3" name="Content Placeholder 2"/>
-          <p:cNvSpPr>
-            <a:spLocks noGrp="1"/>
-          </p:cNvSpPr>
-          <p:nvPr>
-            <p:ph sz="quarter" idx="13"/>
-          </p:nvPr>
-        </p:nvSpPr>
-        <p:spPr>
-          <a:xfrm>
-            <a:off x="838200" y="1825624"/>
-            <a:ext cx="10515600" cy="4651375"/>
-          </a:xfrm>
-        </p:spPr>
-        <p:txBody>
-          <a:bodyPr>
-            <a:normAutofit fontScale="92500" lnSpcReduction="20000"/>
-          </a:bodyPr>
-          <a:lstStyle/>
-          <a:p>
-            <a:r>
-              <a:rPr lang="en-US" dirty="0" smtClean="0"/>
-              <a:t>Goal: </a:t>
-            </a:r>
-          </a:p>
-          <a:p>
-            <a:pPr lvl="1"/>
-            <a:r>
-              <a:rPr lang="en-US" dirty="0" smtClean="0"/>
-              <a:t>Provide a desktop-like rich user experience</a:t>
-            </a:r>
-          </a:p>
-          <a:p>
-            <a:r>
-              <a:rPr lang="en-US" dirty="0" smtClean="0"/>
-              <a:t>Attributes:</a:t>
-            </a:r>
-          </a:p>
-          <a:p>
-            <a:pPr lvl="1"/>
-            <a:r>
-              <a:rPr lang="en-US" dirty="0" smtClean="0"/>
-              <a:t>Entire site content loads within a single HTML page</a:t>
-            </a:r>
-          </a:p>
-          <a:p>
-            <a:pPr lvl="1"/>
-            <a:r>
-              <a:rPr lang="en-US" dirty="0" smtClean="0"/>
-              <a:t>Only areas of the site will reload based on user </a:t>
+              <a:t>"Traditional" SharePoint </a:t>
             </a:r>
             <a:r>
               <a:rPr lang="en-US" dirty="0"/>
-              <a:t>actions. No URL change except for </a:t>
-            </a:r>
-            <a:r>
-              <a:rPr lang="en-US" dirty="0" smtClean="0"/>
-              <a:t>hash (#).</a:t>
-            </a:r>
-          </a:p>
-          <a:p>
-            <a:pPr lvl="1"/>
-            <a:r>
-              <a:rPr lang="en-US" dirty="0" smtClean="0"/>
-              <a:t>State maintained on client</a:t>
-            </a:r>
-          </a:p>
-          <a:p>
-            <a:pPr lvl="1"/>
-            <a:r>
-              <a:rPr lang="en-US" dirty="0" smtClean="0"/>
-              <a:t>Presentation layer can be completely decoupled from backend layer</a:t>
-            </a:r>
-          </a:p>
-          <a:p>
-            <a:pPr lvl="1"/>
-            <a:r>
-              <a:rPr lang="en-US" dirty="0"/>
-              <a:t>Main technologies: HTML, CSS, JavaScript, AJAX, web services (e.g. REST</a:t>
-            </a:r>
-            <a:r>
-              <a:rPr lang="en-US" dirty="0" smtClean="0"/>
-              <a:t>)</a:t>
-            </a:r>
-          </a:p>
-          <a:p>
-            <a:r>
-              <a:rPr lang="en-US" dirty="0" smtClean="0"/>
-              <a:t>Benefits:</a:t>
-            </a:r>
-          </a:p>
-          <a:p>
-            <a:pPr lvl="1"/>
-            <a:r>
-              <a:rPr lang="en-US" dirty="0" smtClean="0"/>
-              <a:t>Performance</a:t>
-            </a:r>
-          </a:p>
-          <a:p>
-            <a:pPr lvl="1"/>
-            <a:r>
-              <a:rPr lang="en-US" dirty="0" smtClean="0"/>
-              <a:t>Maintainability (if you leverage a framework or you are a JavaScript Ninja Developer)</a:t>
-            </a:r>
-          </a:p>
-          <a:p>
-            <a:pPr lvl="1"/>
-            <a:r>
-              <a:rPr lang="en-US" dirty="0" smtClean="0"/>
-              <a:t>Code </a:t>
-            </a:r>
-            <a:r>
-              <a:rPr lang="en-US" dirty="0" smtClean="0"/>
-              <a:t>reuse</a:t>
-            </a:r>
-          </a:p>
-          <a:p>
-            <a:pPr lvl="1"/>
-            <a:r>
-              <a:rPr lang="en-US" dirty="0" smtClean="0"/>
-              <a:t>Quick Deployments</a:t>
-            </a:r>
-            <a:endParaRPr lang="en-US" dirty="0"/>
+              <a:t>Development Challenges</a:t>
+            </a:r>
           </a:p>
         </p:txBody>
       </p:sp>
     </p:spTree>
     <p:extLst>
       <p:ext uri="{BB962C8B-B14F-4D97-AF65-F5344CB8AC3E}">
-        <p14:creationId xmlns:p14="http://schemas.microsoft.com/office/powerpoint/2010/main" val="2121047121"/>
+        <p14:creationId xmlns:p14="http://schemas.microsoft.com/office/powerpoint/2010/main" val="2431136240"/>
       </p:ext>
     </p:extLst>
   </p:cSld>
   <p:clrMapOvr>
     <a:masterClrMapping/>
   </p:clrMapOvr>
-  <mc:AlternateContent xmlns:mc="http://schemas.openxmlformats.org/markup-compatibility/2006">
-    <mc:Choice xmlns:p14="http://schemas.microsoft.com/office/powerpoint/2010/main" Requires="p14">
+  <mc:AlternateContent xmlns:mc="http://schemas.openxmlformats.org/markup-compatibility/2006" xmlns:p14="http://schemas.microsoft.com/office/powerpoint/2010/main">
+    <mc:Choice Requires="p14">
       <p:transition spd="med" p14:dur="700">
         <p:fade/>
       </p:transition>
     </mc:Choice>
-    <mc:Fallback>
+    <mc:Fallback xmlns="">
       <p:transition spd="med">
         <p:fade/>
       </p:transition>
@@ -18906,492 +19675,9 @@
   <p:timing>
     <p:tnLst>
       <p:par>
-        <p:cTn id="1" dur="indefinite" restart="never" nodeType="tmRoot">
-          <p:childTnLst>
-            <p:seq concurrent="1" nextAc="seek">
-              <p:cTn id="2" dur="indefinite" nodeType="mainSeq">
-                <p:childTnLst>
-                  <p:par>
-                    <p:cTn id="3" fill="hold">
-                      <p:stCondLst>
-                        <p:cond delay="indefinite"/>
-                      </p:stCondLst>
-                      <p:childTnLst>
-                        <p:par>
-                          <p:cTn id="4" fill="hold">
-                            <p:stCondLst>
-                              <p:cond delay="0"/>
-                            </p:stCondLst>
-                            <p:childTnLst>
-                              <p:par>
-                                <p:cTn id="5" presetID="1" presetClass="entr" presetSubtype="0" fill="hold" grpId="0" nodeType="clickEffect">
-                                  <p:stCondLst>
-                                    <p:cond delay="0"/>
-                                  </p:stCondLst>
-                                  <p:childTnLst>
-                                    <p:set>
-                                      <p:cBhvr>
-                                        <p:cTn id="6" dur="1" fill="hold">
-                                          <p:stCondLst>
-                                            <p:cond delay="0"/>
-                                          </p:stCondLst>
-                                        </p:cTn>
-                                        <p:tgtEl>
-                                          <p:spTgt spid="3">
-                                            <p:txEl>
-                                              <p:pRg st="0" end="0"/>
-                                            </p:txEl>
-                                          </p:spTgt>
-                                        </p:tgtEl>
-                                        <p:attrNameLst>
-                                          <p:attrName>style.visibility</p:attrName>
-                                        </p:attrNameLst>
-                                      </p:cBhvr>
-                                      <p:to>
-                                        <p:strVal val="visible"/>
-                                      </p:to>
-                                    </p:set>
-                                  </p:childTnLst>
-                                </p:cTn>
-                              </p:par>
-                              <p:par>
-                                <p:cTn id="7" presetID="1" presetClass="entr" presetSubtype="0" fill="hold" grpId="0" nodeType="withEffect">
-                                  <p:stCondLst>
-                                    <p:cond delay="0"/>
-                                  </p:stCondLst>
-                                  <p:childTnLst>
-                                    <p:set>
-                                      <p:cBhvr>
-                                        <p:cTn id="8" dur="1" fill="hold">
-                                          <p:stCondLst>
-                                            <p:cond delay="0"/>
-                                          </p:stCondLst>
-                                        </p:cTn>
-                                        <p:tgtEl>
-                                          <p:spTgt spid="3">
-                                            <p:txEl>
-                                              <p:pRg st="1" end="1"/>
-                                            </p:txEl>
-                                          </p:spTgt>
-                                        </p:tgtEl>
-                                        <p:attrNameLst>
-                                          <p:attrName>style.visibility</p:attrName>
-                                        </p:attrNameLst>
-                                      </p:cBhvr>
-                                      <p:to>
-                                        <p:strVal val="visible"/>
-                                      </p:to>
-                                    </p:set>
-                                  </p:childTnLst>
-                                </p:cTn>
-                              </p:par>
-                            </p:childTnLst>
-                          </p:cTn>
-                        </p:par>
-                      </p:childTnLst>
-                    </p:cTn>
-                  </p:par>
-                  <p:par>
-                    <p:cTn id="9" fill="hold">
-                      <p:stCondLst>
-                        <p:cond delay="indefinite"/>
-                      </p:stCondLst>
-                      <p:childTnLst>
-                        <p:par>
-                          <p:cTn id="10" fill="hold">
-                            <p:stCondLst>
-                              <p:cond delay="0"/>
-                            </p:stCondLst>
-                            <p:childTnLst>
-                              <p:par>
-                                <p:cTn id="11" presetID="1" presetClass="entr" presetSubtype="0" fill="hold" grpId="0" nodeType="clickEffect">
-                                  <p:stCondLst>
-                                    <p:cond delay="0"/>
-                                  </p:stCondLst>
-                                  <p:childTnLst>
-                                    <p:set>
-                                      <p:cBhvr>
-                                        <p:cTn id="12" dur="1" fill="hold">
-                                          <p:stCondLst>
-                                            <p:cond delay="0"/>
-                                          </p:stCondLst>
-                                        </p:cTn>
-                                        <p:tgtEl>
-                                          <p:spTgt spid="3">
-                                            <p:txEl>
-                                              <p:pRg st="2" end="2"/>
-                                            </p:txEl>
-                                          </p:spTgt>
-                                        </p:tgtEl>
-                                        <p:attrNameLst>
-                                          <p:attrName>style.visibility</p:attrName>
-                                        </p:attrNameLst>
-                                      </p:cBhvr>
-                                      <p:to>
-                                        <p:strVal val="visible"/>
-                                      </p:to>
-                                    </p:set>
-                                  </p:childTnLst>
-                                </p:cTn>
-                              </p:par>
-                              <p:par>
-                                <p:cTn id="13" presetID="1" presetClass="entr" presetSubtype="0" fill="hold" grpId="0" nodeType="withEffect">
-                                  <p:stCondLst>
-                                    <p:cond delay="0"/>
-                                  </p:stCondLst>
-                                  <p:childTnLst>
-                                    <p:set>
-                                      <p:cBhvr>
-                                        <p:cTn id="14" dur="1" fill="hold">
-                                          <p:stCondLst>
-                                            <p:cond delay="0"/>
-                                          </p:stCondLst>
-                                        </p:cTn>
-                                        <p:tgtEl>
-                                          <p:spTgt spid="3">
-                                            <p:txEl>
-                                              <p:pRg st="3" end="3"/>
-                                            </p:txEl>
-                                          </p:spTgt>
-                                        </p:tgtEl>
-                                        <p:attrNameLst>
-                                          <p:attrName>style.visibility</p:attrName>
-                                        </p:attrNameLst>
-                                      </p:cBhvr>
-                                      <p:to>
-                                        <p:strVal val="visible"/>
-                                      </p:to>
-                                    </p:set>
-                                  </p:childTnLst>
-                                </p:cTn>
-                              </p:par>
-                              <p:par>
-                                <p:cTn id="15" presetID="1" presetClass="entr" presetSubtype="0" fill="hold" grpId="0" nodeType="withEffect">
-                                  <p:stCondLst>
-                                    <p:cond delay="0"/>
-                                  </p:stCondLst>
-                                  <p:childTnLst>
-                                    <p:set>
-                                      <p:cBhvr>
-                                        <p:cTn id="16" dur="1" fill="hold">
-                                          <p:stCondLst>
-                                            <p:cond delay="0"/>
-                                          </p:stCondLst>
-                                        </p:cTn>
-                                        <p:tgtEl>
-                                          <p:spTgt spid="3">
-                                            <p:txEl>
-                                              <p:pRg st="4" end="4"/>
-                                            </p:txEl>
-                                          </p:spTgt>
-                                        </p:tgtEl>
-                                        <p:attrNameLst>
-                                          <p:attrName>style.visibility</p:attrName>
-                                        </p:attrNameLst>
-                                      </p:cBhvr>
-                                      <p:to>
-                                        <p:strVal val="visible"/>
-                                      </p:to>
-                                    </p:set>
-                                  </p:childTnLst>
-                                </p:cTn>
-                              </p:par>
-                              <p:par>
-                                <p:cTn id="17" presetID="1" presetClass="entr" presetSubtype="0" fill="hold" grpId="0" nodeType="withEffect">
-                                  <p:stCondLst>
-                                    <p:cond delay="0"/>
-                                  </p:stCondLst>
-                                  <p:childTnLst>
-                                    <p:set>
-                                      <p:cBhvr>
-                                        <p:cTn id="18" dur="1" fill="hold">
-                                          <p:stCondLst>
-                                            <p:cond delay="0"/>
-                                          </p:stCondLst>
-                                        </p:cTn>
-                                        <p:tgtEl>
-                                          <p:spTgt spid="3">
-                                            <p:txEl>
-                                              <p:pRg st="5" end="5"/>
-                                            </p:txEl>
-                                          </p:spTgt>
-                                        </p:tgtEl>
-                                        <p:attrNameLst>
-                                          <p:attrName>style.visibility</p:attrName>
-                                        </p:attrNameLst>
-                                      </p:cBhvr>
-                                      <p:to>
-                                        <p:strVal val="visible"/>
-                                      </p:to>
-                                    </p:set>
-                                  </p:childTnLst>
-                                </p:cTn>
-                              </p:par>
-                              <p:par>
-                                <p:cTn id="19" presetID="1" presetClass="entr" presetSubtype="0" fill="hold" grpId="0" nodeType="withEffect">
-                                  <p:stCondLst>
-                                    <p:cond delay="0"/>
-                                  </p:stCondLst>
-                                  <p:childTnLst>
-                                    <p:set>
-                                      <p:cBhvr>
-                                        <p:cTn id="20" dur="1" fill="hold">
-                                          <p:stCondLst>
-                                            <p:cond delay="0"/>
-                                          </p:stCondLst>
-                                        </p:cTn>
-                                        <p:tgtEl>
-                                          <p:spTgt spid="3">
-                                            <p:txEl>
-                                              <p:pRg st="6" end="6"/>
-                                            </p:txEl>
-                                          </p:spTgt>
-                                        </p:tgtEl>
-                                        <p:attrNameLst>
-                                          <p:attrName>style.visibility</p:attrName>
-                                        </p:attrNameLst>
-                                      </p:cBhvr>
-                                      <p:to>
-                                        <p:strVal val="visible"/>
-                                      </p:to>
-                                    </p:set>
-                                  </p:childTnLst>
-                                </p:cTn>
-                              </p:par>
-                              <p:par>
-                                <p:cTn id="21" presetID="1" presetClass="entr" presetSubtype="0" fill="hold" grpId="0" nodeType="withEffect">
-                                  <p:stCondLst>
-                                    <p:cond delay="0"/>
-                                  </p:stCondLst>
-                                  <p:childTnLst>
-                                    <p:set>
-                                      <p:cBhvr>
-                                        <p:cTn id="22" dur="1" fill="hold">
-                                          <p:stCondLst>
-                                            <p:cond delay="0"/>
-                                          </p:stCondLst>
-                                        </p:cTn>
-                                        <p:tgtEl>
-                                          <p:spTgt spid="3">
-                                            <p:txEl>
-                                              <p:pRg st="7" end="7"/>
-                                            </p:txEl>
-                                          </p:spTgt>
-                                        </p:tgtEl>
-                                        <p:attrNameLst>
-                                          <p:attrName>style.visibility</p:attrName>
-                                        </p:attrNameLst>
-                                      </p:cBhvr>
-                                      <p:to>
-                                        <p:strVal val="visible"/>
-                                      </p:to>
-                                    </p:set>
-                                  </p:childTnLst>
-                                </p:cTn>
-                              </p:par>
-                            </p:childTnLst>
-                          </p:cTn>
-                        </p:par>
-                      </p:childTnLst>
-                    </p:cTn>
-                  </p:par>
-                  <p:par>
-                    <p:cTn id="23" fill="hold">
-                      <p:stCondLst>
-                        <p:cond delay="indefinite"/>
-                      </p:stCondLst>
-                      <p:childTnLst>
-                        <p:par>
-                          <p:cTn id="24" fill="hold">
-                            <p:stCondLst>
-                              <p:cond delay="0"/>
-                            </p:stCondLst>
-                            <p:childTnLst>
-                              <p:par>
-                                <p:cTn id="25" presetID="1" presetClass="entr" presetSubtype="0" fill="hold" grpId="0" nodeType="clickEffect">
-                                  <p:stCondLst>
-                                    <p:cond delay="0"/>
-                                  </p:stCondLst>
-                                  <p:childTnLst>
-                                    <p:set>
-                                      <p:cBhvr>
-                                        <p:cTn id="26" dur="1" fill="hold">
-                                          <p:stCondLst>
-                                            <p:cond delay="0"/>
-                                          </p:stCondLst>
-                                        </p:cTn>
-                                        <p:tgtEl>
-                                          <p:spTgt spid="3">
-                                            <p:txEl>
-                                              <p:pRg st="8" end="8"/>
-                                            </p:txEl>
-                                          </p:spTgt>
-                                        </p:tgtEl>
-                                        <p:attrNameLst>
-                                          <p:attrName>style.visibility</p:attrName>
-                                        </p:attrNameLst>
-                                      </p:cBhvr>
-                                      <p:to>
-                                        <p:strVal val="visible"/>
-                                      </p:to>
-                                    </p:set>
-                                  </p:childTnLst>
-                                </p:cTn>
-                              </p:par>
-                              <p:par>
-                                <p:cTn id="27" presetID="1" presetClass="entr" presetSubtype="0" fill="hold" grpId="0" nodeType="withEffect">
-                                  <p:stCondLst>
-                                    <p:cond delay="0"/>
-                                  </p:stCondLst>
-                                  <p:childTnLst>
-                                    <p:set>
-                                      <p:cBhvr>
-                                        <p:cTn id="28" dur="1" fill="hold">
-                                          <p:stCondLst>
-                                            <p:cond delay="0"/>
-                                          </p:stCondLst>
-                                        </p:cTn>
-                                        <p:tgtEl>
-                                          <p:spTgt spid="3">
-                                            <p:txEl>
-                                              <p:pRg st="9" end="9"/>
-                                            </p:txEl>
-                                          </p:spTgt>
-                                        </p:tgtEl>
-                                        <p:attrNameLst>
-                                          <p:attrName>style.visibility</p:attrName>
-                                        </p:attrNameLst>
-                                      </p:cBhvr>
-                                      <p:to>
-                                        <p:strVal val="visible"/>
-                                      </p:to>
-                                    </p:set>
-                                  </p:childTnLst>
-                                </p:cTn>
-                              </p:par>
-                              <p:par>
-                                <p:cTn id="29" presetID="1" presetClass="entr" presetSubtype="0" fill="hold" grpId="0" nodeType="withEffect">
-                                  <p:stCondLst>
-                                    <p:cond delay="0"/>
-                                  </p:stCondLst>
-                                  <p:childTnLst>
-                                    <p:set>
-                                      <p:cBhvr>
-                                        <p:cTn id="30" dur="1" fill="hold">
-                                          <p:stCondLst>
-                                            <p:cond delay="0"/>
-                                          </p:stCondLst>
-                                        </p:cTn>
-                                        <p:tgtEl>
-                                          <p:spTgt spid="3">
-                                            <p:txEl>
-                                              <p:pRg st="10" end="10"/>
-                                            </p:txEl>
-                                          </p:spTgt>
-                                        </p:tgtEl>
-                                        <p:attrNameLst>
-                                          <p:attrName>style.visibility</p:attrName>
-                                        </p:attrNameLst>
-                                      </p:cBhvr>
-                                      <p:to>
-                                        <p:strVal val="visible"/>
-                                      </p:to>
-                                    </p:set>
-                                  </p:childTnLst>
-                                </p:cTn>
-                              </p:par>
-                              <p:par>
-                                <p:cTn id="31" presetID="1" presetClass="entr" presetSubtype="0" fill="hold" grpId="0" nodeType="withEffect">
-                                  <p:stCondLst>
-                                    <p:cond delay="0"/>
-                                  </p:stCondLst>
-                                  <p:childTnLst>
-                                    <p:set>
-                                      <p:cBhvr>
-                                        <p:cTn id="32" dur="1" fill="hold">
-                                          <p:stCondLst>
-                                            <p:cond delay="0"/>
-                                          </p:stCondLst>
-                                        </p:cTn>
-                                        <p:tgtEl>
-                                          <p:spTgt spid="3">
-                                            <p:txEl>
-                                              <p:pRg st="11" end="11"/>
-                                            </p:txEl>
-                                          </p:spTgt>
-                                        </p:tgtEl>
-                                        <p:attrNameLst>
-                                          <p:attrName>style.visibility</p:attrName>
-                                        </p:attrNameLst>
-                                      </p:cBhvr>
-                                      <p:to>
-                                        <p:strVal val="visible"/>
-                                      </p:to>
-                                    </p:set>
-                                  </p:childTnLst>
-                                </p:cTn>
-                              </p:par>
-                              <p:par>
-                                <p:cTn id="33" presetID="1" presetClass="entr" presetSubtype="0" fill="hold" grpId="0" nodeType="withEffect">
-                                  <p:stCondLst>
-                                    <p:cond delay="0"/>
-                                  </p:stCondLst>
-                                  <p:childTnLst>
-                                    <p:set>
-                                      <p:cBhvr>
-                                        <p:cTn id="34" dur="1" fill="hold">
-                                          <p:stCondLst>
-                                            <p:cond delay="0"/>
-                                          </p:stCondLst>
-                                        </p:cTn>
-                                        <p:tgtEl>
-                                          <p:spTgt spid="3">
-                                            <p:txEl>
-                                              <p:pRg st="12" end="12"/>
-                                            </p:txEl>
-                                          </p:spTgt>
-                                        </p:tgtEl>
-                                        <p:attrNameLst>
-                                          <p:attrName>style.visibility</p:attrName>
-                                        </p:attrNameLst>
-                                      </p:cBhvr>
-                                      <p:to>
-                                        <p:strVal val="visible"/>
-                                      </p:to>
-                                    </p:set>
-                                  </p:childTnLst>
-                                </p:cTn>
-                              </p:par>
-                            </p:childTnLst>
-                          </p:cTn>
-                        </p:par>
-                      </p:childTnLst>
-                    </p:cTn>
-                  </p:par>
-                </p:childTnLst>
-              </p:cTn>
-              <p:prevCondLst>
-                <p:cond evt="onPrev" delay="0">
-                  <p:tgtEl>
-                    <p:sldTgt/>
-                  </p:tgtEl>
-                </p:cond>
-              </p:prevCondLst>
-              <p:nextCondLst>
-                <p:cond evt="onNext" delay="0">
-                  <p:tgtEl>
-                    <p:sldTgt/>
-                  </p:tgtEl>
-                </p:cond>
-              </p:nextCondLst>
-            </p:seq>
-          </p:childTnLst>
-        </p:cTn>
+        <p:cTn id="1" dur="indefinite" restart="never" nodeType="tmRoot"/>
       </p:par>
     </p:tnLst>
-    <p:bldLst>
-      <p:bldP spid="3" grpId="0" build="p"/>
-    </p:bldLst>
   </p:timing>
 </p:sld>
 </file>
@@ -19467,13 +19753,13 @@
   <p:clrMapOvr>
     <a:masterClrMapping/>
   </p:clrMapOvr>
-  <mc:AlternateContent xmlns:mc="http://schemas.openxmlformats.org/markup-compatibility/2006">
-    <mc:Choice xmlns:p14="http://schemas.microsoft.com/office/powerpoint/2010/main" Requires="p14">
+  <mc:AlternateContent xmlns:mc="http://schemas.openxmlformats.org/markup-compatibility/2006" xmlns:p14="http://schemas.microsoft.com/office/powerpoint/2010/main">
+    <mc:Choice Requires="p14">
       <p:transition spd="med" p14:dur="700">
         <p:fade/>
       </p:transition>
     </mc:Choice>
-    <mc:Fallback>
+    <mc:Fallback xmlns="">
       <p:transition spd="med">
         <p:fade/>
       </p:transition>
@@ -19720,13 +20006,13 @@
   <p:clrMapOvr>
     <a:masterClrMapping/>
   </p:clrMapOvr>
-  <mc:AlternateContent xmlns:mc="http://schemas.openxmlformats.org/markup-compatibility/2006">
-    <mc:Choice xmlns:p14="http://schemas.microsoft.com/office/powerpoint/2010/main" Requires="p14">
+  <mc:AlternateContent xmlns:mc="http://schemas.openxmlformats.org/markup-compatibility/2006" xmlns:p14="http://schemas.microsoft.com/office/powerpoint/2010/main">
+    <mc:Choice Requires="p14">
       <p:transition spd="med" p14:dur="700">
         <p:fade/>
       </p:transition>
     </mc:Choice>
-    <mc:Fallback>
+    <mc:Fallback xmlns="">
       <p:transition spd="med">
         <p:fade/>
       </p:transition>
@@ -19817,13 +20103,13 @@
   <p:clrMapOvr>
     <a:masterClrMapping/>
   </p:clrMapOvr>
-  <mc:AlternateContent xmlns:mc="http://schemas.openxmlformats.org/markup-compatibility/2006">
-    <mc:Choice xmlns:p14="http://schemas.microsoft.com/office/powerpoint/2010/main" Requires="p14">
+  <mc:AlternateContent xmlns:mc="http://schemas.openxmlformats.org/markup-compatibility/2006" xmlns:p14="http://schemas.microsoft.com/office/powerpoint/2010/main">
+    <mc:Choice Requires="p14">
       <p:transition spd="med" p14:dur="700">
         <p:fade/>
       </p:transition>
     </mc:Choice>
-    <mc:Fallback>
+    <mc:Fallback xmlns="">
       <p:transition spd="med">
         <p:fade/>
       </p:transition>
@@ -19873,932 +20159,6 @@
           <a:p>
             <a:r>
               <a:rPr lang="en-US" dirty="0" smtClean="0"/>
-              <a:t>Implementation </a:t>
-            </a:r>
-            <a:r>
-              <a:rPr lang="en-US" dirty="0" smtClean="0"/>
-              <a:t>of MV</a:t>
-            </a:r>
-            <a:r>
-              <a:rPr lang="en-US" dirty="0" smtClean="0"/>
-              <a:t>* in AngularJS</a:t>
-            </a:r>
-            <a:endParaRPr lang="en-US" dirty="0"/>
-          </a:p>
-        </p:txBody>
-      </p:sp>
-      <p:cxnSp>
-        <p:nvCxnSpPr>
-          <p:cNvPr id="10" name="Straight Arrow Connector 9"/>
-          <p:cNvCxnSpPr/>
-          <p:nvPr/>
-        </p:nvCxnSpPr>
-        <p:spPr>
-          <a:xfrm>
-            <a:off x="1572260" y="2819400"/>
-            <a:ext cx="6074410" cy="31420"/>
-          </a:xfrm>
-          <a:prstGeom prst="straightConnector1">
-            <a:avLst/>
-          </a:prstGeom>
-          <a:ln w="19050">
-            <a:solidFill>
-              <a:schemeClr val="tx1"/>
-            </a:solidFill>
-            <a:headEnd type="none" w="med" len="med"/>
-            <a:tailEnd type="arrow" w="med" len="med"/>
-          </a:ln>
-        </p:spPr>
-        <p:style>
-          <a:lnRef idx="1">
-            <a:schemeClr val="accent1"/>
-          </a:lnRef>
-          <a:fillRef idx="0">
-            <a:schemeClr val="accent1"/>
-          </a:fillRef>
-          <a:effectRef idx="0">
-            <a:schemeClr val="accent1"/>
-          </a:effectRef>
-          <a:fontRef idx="minor">
-            <a:schemeClr val="tx1"/>
-          </a:fontRef>
-        </p:style>
-      </p:cxnSp>
-      <p:cxnSp>
-        <p:nvCxnSpPr>
-          <p:cNvPr id="11" name="Straight Arrow Connector 10"/>
-          <p:cNvCxnSpPr/>
-          <p:nvPr/>
-        </p:nvCxnSpPr>
-        <p:spPr>
-          <a:xfrm>
-            <a:off x="8950840" y="2819400"/>
-            <a:ext cx="502920" cy="0"/>
-          </a:xfrm>
-          <a:prstGeom prst="straightConnector1">
-            <a:avLst/>
-          </a:prstGeom>
-          <a:ln w="19050">
-            <a:solidFill>
-              <a:schemeClr val="tx1"/>
-            </a:solidFill>
-            <a:headEnd type="none" w="med" len="med"/>
-            <a:tailEnd type="arrow" w="med" len="med"/>
-          </a:ln>
-        </p:spPr>
-        <p:style>
-          <a:lnRef idx="1">
-            <a:schemeClr val="accent1"/>
-          </a:lnRef>
-          <a:fillRef idx="0">
-            <a:schemeClr val="accent1"/>
-          </a:fillRef>
-          <a:effectRef idx="0">
-            <a:schemeClr val="accent1"/>
-          </a:effectRef>
-          <a:fontRef idx="minor">
-            <a:schemeClr val="tx1"/>
-          </a:fontRef>
-        </p:style>
-      </p:cxnSp>
-      <p:cxnSp>
-        <p:nvCxnSpPr>
-          <p:cNvPr id="13" name="Straight Arrow Connector 12"/>
-          <p:cNvCxnSpPr/>
-          <p:nvPr/>
-        </p:nvCxnSpPr>
-        <p:spPr>
-          <a:xfrm>
-            <a:off x="8950840" y="3936350"/>
-            <a:ext cx="502920" cy="0"/>
-          </a:xfrm>
-          <a:prstGeom prst="straightConnector1">
-            <a:avLst/>
-          </a:prstGeom>
-          <a:ln w="19050">
-            <a:solidFill>
-              <a:schemeClr val="tx1"/>
-            </a:solidFill>
-            <a:headEnd type="arrow" w="med" len="med"/>
-            <a:tailEnd type="none" w="med" len="med"/>
-          </a:ln>
-        </p:spPr>
-        <p:style>
-          <a:lnRef idx="1">
-            <a:schemeClr val="accent1"/>
-          </a:lnRef>
-          <a:fillRef idx="0">
-            <a:schemeClr val="accent1"/>
-          </a:fillRef>
-          <a:effectRef idx="0">
-            <a:schemeClr val="accent1"/>
-          </a:effectRef>
-          <a:fontRef idx="minor">
-            <a:schemeClr val="tx1"/>
-          </a:fontRef>
-        </p:style>
-      </p:cxnSp>
-      <p:cxnSp>
-        <p:nvCxnSpPr>
-          <p:cNvPr id="14" name="Straight Arrow Connector 13"/>
-          <p:cNvCxnSpPr/>
-          <p:nvPr/>
-        </p:nvCxnSpPr>
-        <p:spPr>
-          <a:xfrm>
-            <a:off x="7086600" y="3947160"/>
-            <a:ext cx="502920" cy="0"/>
-          </a:xfrm>
-          <a:prstGeom prst="straightConnector1">
-            <a:avLst/>
-          </a:prstGeom>
-          <a:ln w="19050">
-            <a:solidFill>
-              <a:schemeClr val="tx1"/>
-            </a:solidFill>
-            <a:headEnd type="arrow" w="med" len="med"/>
-            <a:tailEnd type="none" w="med" len="med"/>
-          </a:ln>
-        </p:spPr>
-        <p:style>
-          <a:lnRef idx="1">
-            <a:schemeClr val="accent1"/>
-          </a:lnRef>
-          <a:fillRef idx="0">
-            <a:schemeClr val="accent1"/>
-          </a:fillRef>
-          <a:effectRef idx="0">
-            <a:schemeClr val="accent1"/>
-          </a:effectRef>
-          <a:fontRef idx="minor">
-            <a:schemeClr val="tx1"/>
-          </a:fontRef>
-        </p:style>
-      </p:cxnSp>
-      <p:cxnSp>
-        <p:nvCxnSpPr>
-          <p:cNvPr id="15" name="Straight Arrow Connector 14"/>
-          <p:cNvCxnSpPr/>
-          <p:nvPr/>
-        </p:nvCxnSpPr>
-        <p:spPr>
-          <a:xfrm>
-            <a:off x="3388360" y="3947160"/>
-            <a:ext cx="502920" cy="0"/>
-          </a:xfrm>
-          <a:prstGeom prst="straightConnector1">
-            <a:avLst/>
-          </a:prstGeom>
-          <a:ln w="19050">
-            <a:solidFill>
-              <a:schemeClr val="tx1"/>
-            </a:solidFill>
-            <a:headEnd type="arrow" w="med" len="med"/>
-            <a:tailEnd type="none" w="med" len="med"/>
-          </a:ln>
-        </p:spPr>
-        <p:style>
-          <a:lnRef idx="1">
-            <a:schemeClr val="accent1"/>
-          </a:lnRef>
-          <a:fillRef idx="0">
-            <a:schemeClr val="accent1"/>
-          </a:fillRef>
-          <a:effectRef idx="0">
-            <a:schemeClr val="accent1"/>
-          </a:effectRef>
-          <a:fontRef idx="minor">
-            <a:schemeClr val="tx1"/>
-          </a:fontRef>
-        </p:style>
-      </p:cxnSp>
-      <p:cxnSp>
-        <p:nvCxnSpPr>
-          <p:cNvPr id="16" name="Straight Arrow Connector 15"/>
-          <p:cNvCxnSpPr/>
-          <p:nvPr/>
-        </p:nvCxnSpPr>
-        <p:spPr>
-          <a:xfrm>
-            <a:off x="1572260" y="3936350"/>
-            <a:ext cx="502920" cy="0"/>
-          </a:xfrm>
-          <a:prstGeom prst="straightConnector1">
-            <a:avLst/>
-          </a:prstGeom>
-          <a:ln w="19050">
-            <a:solidFill>
-              <a:schemeClr val="tx1"/>
-            </a:solidFill>
-            <a:headEnd type="arrow" w="med" len="med"/>
-            <a:tailEnd type="none" w="med" len="med"/>
-          </a:ln>
-        </p:spPr>
-        <p:style>
-          <a:lnRef idx="1">
-            <a:schemeClr val="accent1"/>
-          </a:lnRef>
-          <a:fillRef idx="0">
-            <a:schemeClr val="accent1"/>
-          </a:fillRef>
-          <a:effectRef idx="0">
-            <a:schemeClr val="accent1"/>
-          </a:effectRef>
-          <a:fontRef idx="minor">
-            <a:schemeClr val="tx1"/>
-          </a:fontRef>
-        </p:style>
-      </p:cxnSp>
-      <p:sp>
-        <p:nvSpPr>
-          <p:cNvPr id="4" name="Rectangle 3"/>
-          <p:cNvSpPr/>
-          <p:nvPr/>
-        </p:nvSpPr>
-        <p:spPr>
-          <a:xfrm>
-            <a:off x="7646670" y="2613660"/>
-            <a:ext cx="1313180" cy="1981200"/>
-          </a:xfrm>
-          <a:prstGeom prst="rect">
-            <a:avLst/>
-          </a:prstGeom>
-          <a:solidFill>
-            <a:schemeClr val="bg1">
-              <a:lumMod val="50000"/>
-            </a:schemeClr>
-          </a:solidFill>
-          <a:ln>
-            <a:solidFill>
-              <a:schemeClr val="bg1">
-                <a:lumMod val="50000"/>
-              </a:schemeClr>
-            </a:solidFill>
-          </a:ln>
-        </p:spPr>
-        <p:style>
-          <a:lnRef idx="2">
-            <a:schemeClr val="accent1">
-              <a:shade val="50000"/>
-            </a:schemeClr>
-          </a:lnRef>
-          <a:fillRef idx="1">
-            <a:schemeClr val="accent1"/>
-          </a:fillRef>
-          <a:effectRef idx="0">
-            <a:schemeClr val="accent1"/>
-          </a:effectRef>
-          <a:fontRef idx="minor">
-            <a:schemeClr val="lt1"/>
-          </a:fontRef>
-        </p:style>
-        <p:txBody>
-          <a:bodyPr rtlCol="0" anchor="ctr"/>
-          <a:lstStyle/>
-          <a:p>
-            <a:pPr algn="ctr"/>
-            <a:r>
-              <a:rPr lang="en-US" sz="1600" dirty="0" smtClean="0">
-                <a:solidFill>
-                  <a:schemeClr val="bg1"/>
-                </a:solidFill>
-              </a:rPr>
-              <a:t>Controller</a:t>
-            </a:r>
-          </a:p>
-          <a:p>
-            <a:pPr algn="ctr"/>
-            <a:r>
-              <a:rPr lang="en-US" sz="1600" dirty="0" smtClean="0">
-                <a:solidFill>
-                  <a:schemeClr val="bg1"/>
-                </a:solidFill>
-              </a:rPr>
-              <a:t>(Logic/ Behaviors)</a:t>
-            </a:r>
-            <a:endParaRPr lang="en-US" sz="1600" dirty="0">
-              <a:solidFill>
-                <a:schemeClr val="bg1"/>
-              </a:solidFill>
-            </a:endParaRPr>
-          </a:p>
-        </p:txBody>
-      </p:sp>
-      <p:sp>
-        <p:nvSpPr>
-          <p:cNvPr id="5" name="Rectangle 4"/>
-          <p:cNvSpPr/>
-          <p:nvPr/>
-        </p:nvSpPr>
-        <p:spPr>
-          <a:xfrm>
-            <a:off x="3943350" y="3299460"/>
-            <a:ext cx="1313180" cy="1295400"/>
-          </a:xfrm>
-          <a:prstGeom prst="rect">
-            <a:avLst/>
-          </a:prstGeom>
-          <a:solidFill>
-            <a:schemeClr val="bg1">
-              <a:lumMod val="50000"/>
-            </a:schemeClr>
-          </a:solidFill>
-          <a:ln>
-            <a:solidFill>
-              <a:schemeClr val="bg1">
-                <a:lumMod val="50000"/>
-              </a:schemeClr>
-            </a:solidFill>
-          </a:ln>
-        </p:spPr>
-        <p:style>
-          <a:lnRef idx="2">
-            <a:schemeClr val="accent1">
-              <a:shade val="50000"/>
-            </a:schemeClr>
-          </a:lnRef>
-          <a:fillRef idx="1">
-            <a:schemeClr val="accent1"/>
-          </a:fillRef>
-          <a:effectRef idx="0">
-            <a:schemeClr val="accent1"/>
-          </a:effectRef>
-          <a:fontRef idx="minor">
-            <a:schemeClr val="lt1"/>
-          </a:fontRef>
-        </p:style>
-        <p:txBody>
-          <a:bodyPr rtlCol="0" anchor="ctr"/>
-          <a:lstStyle/>
-          <a:p>
-            <a:pPr algn="ctr"/>
-            <a:r>
-              <a:rPr lang="en-US" sz="1600" dirty="0" smtClean="0">
-                <a:solidFill>
-                  <a:schemeClr val="bg1"/>
-                </a:solidFill>
-              </a:rPr>
-              <a:t>View</a:t>
-            </a:r>
-          </a:p>
-          <a:p>
-            <a:pPr algn="ctr"/>
-            <a:r>
-              <a:rPr lang="en-US" sz="1600" dirty="0" smtClean="0">
-                <a:solidFill>
-                  <a:schemeClr val="bg1"/>
-                </a:solidFill>
-              </a:rPr>
-              <a:t>(UI)</a:t>
-            </a:r>
-            <a:endParaRPr lang="en-US" sz="1600" dirty="0">
-              <a:solidFill>
-                <a:schemeClr val="bg1"/>
-              </a:solidFill>
-            </a:endParaRPr>
-          </a:p>
-        </p:txBody>
-      </p:sp>
-      <p:sp>
-        <p:nvSpPr>
-          <p:cNvPr id="6" name="Rectangle 5"/>
-          <p:cNvSpPr/>
-          <p:nvPr/>
-        </p:nvSpPr>
-        <p:spPr>
-          <a:xfrm>
-            <a:off x="2075180" y="3299460"/>
-            <a:ext cx="1313180" cy="1295400"/>
-          </a:xfrm>
-          <a:prstGeom prst="rect">
-            <a:avLst/>
-          </a:prstGeom>
-          <a:solidFill>
-            <a:schemeClr val="bg1">
-              <a:lumMod val="50000"/>
-            </a:schemeClr>
-          </a:solidFill>
-          <a:ln>
-            <a:solidFill>
-              <a:schemeClr val="bg1">
-                <a:lumMod val="50000"/>
-              </a:schemeClr>
-            </a:solidFill>
-          </a:ln>
-        </p:spPr>
-        <p:style>
-          <a:lnRef idx="2">
-            <a:schemeClr val="accent1">
-              <a:shade val="50000"/>
-            </a:schemeClr>
-          </a:lnRef>
-          <a:fillRef idx="1">
-            <a:schemeClr val="accent1"/>
-          </a:fillRef>
-          <a:effectRef idx="0">
-            <a:schemeClr val="accent1"/>
-          </a:effectRef>
-          <a:fontRef idx="minor">
-            <a:schemeClr val="lt1"/>
-          </a:fontRef>
-        </p:style>
-        <p:txBody>
-          <a:bodyPr rtlCol="0" anchor="ctr"/>
-          <a:lstStyle/>
-          <a:p>
-            <a:pPr algn="ctr"/>
-            <a:r>
-              <a:rPr lang="en-US" sz="1600" dirty="0" smtClean="0">
-                <a:solidFill>
-                  <a:schemeClr val="bg1"/>
-                </a:solidFill>
-              </a:rPr>
-              <a:t>DOM</a:t>
-            </a:r>
-            <a:endParaRPr lang="en-US" sz="1600" dirty="0">
-              <a:solidFill>
-                <a:schemeClr val="bg1"/>
-              </a:solidFill>
-            </a:endParaRPr>
-          </a:p>
-        </p:txBody>
-      </p:sp>
-      <p:sp>
-        <p:nvSpPr>
-          <p:cNvPr id="8" name="Rectangle 7"/>
-          <p:cNvSpPr/>
-          <p:nvPr/>
-        </p:nvSpPr>
-        <p:spPr>
-          <a:xfrm>
-            <a:off x="259080" y="2595880"/>
-            <a:ext cx="1313180" cy="1981200"/>
-          </a:xfrm>
-          <a:prstGeom prst="rect">
-            <a:avLst/>
-          </a:prstGeom>
-          <a:solidFill>
-            <a:schemeClr val="bg1">
-              <a:lumMod val="50000"/>
-            </a:schemeClr>
-          </a:solidFill>
-          <a:ln>
-            <a:solidFill>
-              <a:schemeClr val="bg1">
-                <a:lumMod val="50000"/>
-              </a:schemeClr>
-            </a:solidFill>
-          </a:ln>
-        </p:spPr>
-        <p:style>
-          <a:lnRef idx="2">
-            <a:schemeClr val="accent1">
-              <a:shade val="50000"/>
-            </a:schemeClr>
-          </a:lnRef>
-          <a:fillRef idx="1">
-            <a:schemeClr val="accent1"/>
-          </a:fillRef>
-          <a:effectRef idx="0">
-            <a:schemeClr val="accent1"/>
-          </a:effectRef>
-          <a:fontRef idx="minor">
-            <a:schemeClr val="lt1"/>
-          </a:fontRef>
-        </p:style>
-        <p:txBody>
-          <a:bodyPr rtlCol="0" anchor="ctr"/>
-          <a:lstStyle/>
-          <a:p>
-            <a:pPr algn="ctr"/>
-            <a:r>
-              <a:rPr lang="en-US" sz="1600" dirty="0" smtClean="0">
-                <a:solidFill>
-                  <a:schemeClr val="bg1"/>
-                </a:solidFill>
-              </a:rPr>
-              <a:t>Browser</a:t>
-            </a:r>
-            <a:endParaRPr lang="en-US" sz="1600" dirty="0">
-              <a:solidFill>
-                <a:schemeClr val="bg1"/>
-              </a:solidFill>
-            </a:endParaRPr>
-          </a:p>
-        </p:txBody>
-      </p:sp>
-      <p:cxnSp>
-        <p:nvCxnSpPr>
-          <p:cNvPr id="18" name="Straight Arrow Connector 17"/>
-          <p:cNvCxnSpPr/>
-          <p:nvPr/>
-        </p:nvCxnSpPr>
-        <p:spPr>
-          <a:xfrm>
-            <a:off x="10708640" y="2895600"/>
-            <a:ext cx="502920" cy="0"/>
-          </a:xfrm>
-          <a:prstGeom prst="straightConnector1">
-            <a:avLst/>
-          </a:prstGeom>
-          <a:ln w="19050">
-            <a:solidFill>
-              <a:schemeClr val="tx1"/>
-            </a:solidFill>
-            <a:prstDash val="sysDot"/>
-            <a:headEnd type="none" w="med" len="med"/>
-            <a:tailEnd type="arrow" w="med" len="med"/>
-          </a:ln>
-        </p:spPr>
-        <p:style>
-          <a:lnRef idx="1">
-            <a:schemeClr val="accent1"/>
-          </a:lnRef>
-          <a:fillRef idx="0">
-            <a:schemeClr val="accent1"/>
-          </a:fillRef>
-          <a:effectRef idx="0">
-            <a:schemeClr val="accent1"/>
-          </a:effectRef>
-          <a:fontRef idx="minor">
-            <a:schemeClr val="tx1"/>
-          </a:fontRef>
-        </p:style>
-      </p:cxnSp>
-      <p:cxnSp>
-        <p:nvCxnSpPr>
-          <p:cNvPr id="19" name="Straight Arrow Connector 18"/>
-          <p:cNvCxnSpPr/>
-          <p:nvPr/>
-        </p:nvCxnSpPr>
-        <p:spPr>
-          <a:xfrm>
-            <a:off x="10825480" y="3919220"/>
-            <a:ext cx="502920" cy="0"/>
-          </a:xfrm>
-          <a:prstGeom prst="straightConnector1">
-            <a:avLst/>
-          </a:prstGeom>
-          <a:ln w="19050">
-            <a:solidFill>
-              <a:schemeClr val="tx1"/>
-            </a:solidFill>
-            <a:prstDash val="sysDot"/>
-            <a:headEnd type="arrow" w="med" len="med"/>
-            <a:tailEnd type="none" w="med" len="med"/>
-          </a:ln>
-        </p:spPr>
-        <p:style>
-          <a:lnRef idx="1">
-            <a:schemeClr val="accent1"/>
-          </a:lnRef>
-          <a:fillRef idx="0">
-            <a:schemeClr val="accent1"/>
-          </a:fillRef>
-          <a:effectRef idx="0">
-            <a:schemeClr val="accent1"/>
-          </a:effectRef>
-          <a:fontRef idx="minor">
-            <a:schemeClr val="tx1"/>
-          </a:fontRef>
-        </p:style>
-      </p:cxnSp>
-      <p:sp>
-        <p:nvSpPr>
-          <p:cNvPr id="17" name="Can 16"/>
-          <p:cNvSpPr/>
-          <p:nvPr/>
-        </p:nvSpPr>
-        <p:spPr>
-          <a:xfrm>
-            <a:off x="11211560" y="2590800"/>
-            <a:ext cx="838200" cy="1981200"/>
-          </a:xfrm>
-          <a:prstGeom prst="can">
-            <a:avLst/>
-          </a:prstGeom>
-          <a:solidFill>
-            <a:schemeClr val="bg1">
-              <a:lumMod val="50000"/>
-            </a:schemeClr>
-          </a:solidFill>
-          <a:ln>
-            <a:solidFill>
-              <a:schemeClr val="bg1">
-                <a:lumMod val="50000"/>
-              </a:schemeClr>
-            </a:solidFill>
-          </a:ln>
-        </p:spPr>
-        <p:style>
-          <a:lnRef idx="2">
-            <a:schemeClr val="accent1">
-              <a:shade val="50000"/>
-            </a:schemeClr>
-          </a:lnRef>
-          <a:fillRef idx="1">
-            <a:schemeClr val="accent1"/>
-          </a:fillRef>
-          <a:effectRef idx="0">
-            <a:schemeClr val="accent1"/>
-          </a:effectRef>
-          <a:fontRef idx="minor">
-            <a:schemeClr val="lt1"/>
-          </a:fontRef>
-        </p:style>
-        <p:txBody>
-          <a:bodyPr rtlCol="0" anchor="ctr"/>
-          <a:lstStyle/>
-          <a:p>
-            <a:pPr algn="ctr"/>
-            <a:r>
-              <a:rPr lang="en-US" sz="1200" dirty="0" smtClean="0">
-                <a:solidFill>
-                  <a:schemeClr val="bg1"/>
-                </a:solidFill>
-              </a:rPr>
-              <a:t>RESTful Web Service</a:t>
-            </a:r>
-            <a:endParaRPr lang="en-US" dirty="0">
-              <a:solidFill>
-                <a:schemeClr val="bg1"/>
-              </a:solidFill>
-            </a:endParaRPr>
-          </a:p>
-        </p:txBody>
-      </p:sp>
-      <p:sp>
-        <p:nvSpPr>
-          <p:cNvPr id="3" name="Rectangle 2"/>
-          <p:cNvSpPr/>
-          <p:nvPr/>
-        </p:nvSpPr>
-        <p:spPr>
-          <a:xfrm>
-            <a:off x="9486900" y="2590800"/>
-            <a:ext cx="1313180" cy="1981200"/>
-          </a:xfrm>
-          <a:prstGeom prst="rect">
-            <a:avLst/>
-          </a:prstGeom>
-          <a:solidFill>
-            <a:schemeClr val="bg1">
-              <a:lumMod val="50000"/>
-            </a:schemeClr>
-          </a:solidFill>
-          <a:ln>
-            <a:solidFill>
-              <a:schemeClr val="bg1">
-                <a:lumMod val="50000"/>
-              </a:schemeClr>
-            </a:solidFill>
-          </a:ln>
-        </p:spPr>
-        <p:style>
-          <a:lnRef idx="2">
-            <a:schemeClr val="accent1">
-              <a:shade val="50000"/>
-            </a:schemeClr>
-          </a:lnRef>
-          <a:fillRef idx="1">
-            <a:schemeClr val="accent1"/>
-          </a:fillRef>
-          <a:effectRef idx="0">
-            <a:schemeClr val="accent1"/>
-          </a:effectRef>
-          <a:fontRef idx="minor">
-            <a:schemeClr val="lt1"/>
-          </a:fontRef>
-        </p:style>
-        <p:txBody>
-          <a:bodyPr rtlCol="0" anchor="ctr"/>
-          <a:lstStyle/>
-          <a:p>
-            <a:pPr algn="ctr"/>
-            <a:r>
-              <a:rPr lang="en-US" sz="1600" dirty="0" smtClean="0">
-                <a:solidFill>
-                  <a:schemeClr val="bg1"/>
-                </a:solidFill>
-              </a:rPr>
-              <a:t>Model</a:t>
-            </a:r>
-          </a:p>
-          <a:p>
-            <a:pPr algn="ctr"/>
-            <a:r>
-              <a:rPr lang="en-US" sz="1600" dirty="0" smtClean="0">
-                <a:solidFill>
-                  <a:schemeClr val="bg1"/>
-                </a:solidFill>
-              </a:rPr>
-              <a:t>(Provider)</a:t>
-            </a:r>
-            <a:endParaRPr lang="en-US" sz="1600" dirty="0">
-              <a:solidFill>
-                <a:schemeClr val="bg1"/>
-              </a:solidFill>
-            </a:endParaRPr>
-          </a:p>
-        </p:txBody>
-      </p:sp>
-      <p:sp>
-        <p:nvSpPr>
-          <p:cNvPr id="20" name="TextBox 19"/>
-          <p:cNvSpPr txBox="1"/>
-          <p:nvPr/>
-        </p:nvSpPr>
-        <p:spPr>
-          <a:xfrm>
-            <a:off x="3048000" y="2517895"/>
-            <a:ext cx="3657600" cy="307777"/>
-          </a:xfrm>
-          <a:prstGeom prst="rect">
-            <a:avLst/>
-          </a:prstGeom>
-          <a:noFill/>
-        </p:spPr>
-        <p:txBody>
-          <a:bodyPr wrap="square" rtlCol="0">
-            <a:spAutoFit/>
-          </a:bodyPr>
-          <a:lstStyle/>
-          <a:p>
-            <a:r>
-              <a:rPr lang="en-US" sz="1400" dirty="0" smtClean="0"/>
-              <a:t>User Interaction (Routes &amp; Behaviors)</a:t>
-            </a:r>
-            <a:endParaRPr lang="en-US" sz="1400" dirty="0"/>
-          </a:p>
-        </p:txBody>
-      </p:sp>
-      <p:sp>
-        <p:nvSpPr>
-          <p:cNvPr id="22" name="Rectangle 21"/>
-          <p:cNvSpPr/>
-          <p:nvPr/>
-        </p:nvSpPr>
-        <p:spPr>
-          <a:xfrm>
-            <a:off x="5762197" y="3271520"/>
-            <a:ext cx="1313180" cy="1295400"/>
-          </a:xfrm>
-          <a:prstGeom prst="rect">
-            <a:avLst/>
-          </a:prstGeom>
-          <a:solidFill>
-            <a:schemeClr val="bg1">
-              <a:lumMod val="50000"/>
-            </a:schemeClr>
-          </a:solidFill>
-          <a:ln>
-            <a:solidFill>
-              <a:schemeClr val="bg1">
-                <a:lumMod val="50000"/>
-              </a:schemeClr>
-            </a:solidFill>
-          </a:ln>
-        </p:spPr>
-        <p:style>
-          <a:lnRef idx="2">
-            <a:schemeClr val="accent1">
-              <a:shade val="50000"/>
-            </a:schemeClr>
-          </a:lnRef>
-          <a:fillRef idx="1">
-            <a:schemeClr val="accent1"/>
-          </a:fillRef>
-          <a:effectRef idx="0">
-            <a:schemeClr val="accent1"/>
-          </a:effectRef>
-          <a:fontRef idx="minor">
-            <a:schemeClr val="lt1"/>
-          </a:fontRef>
-        </p:style>
-        <p:txBody>
-          <a:bodyPr rtlCol="0" anchor="ctr"/>
-          <a:lstStyle/>
-          <a:p>
-            <a:pPr algn="ctr"/>
-            <a:r>
-              <a:rPr lang="en-US" sz="1600" dirty="0" smtClean="0">
-                <a:solidFill>
-                  <a:schemeClr val="bg1"/>
-                </a:solidFill>
-              </a:rPr>
-              <a:t>$scope</a:t>
-            </a:r>
-            <a:endParaRPr lang="en-US" sz="1600" dirty="0">
-              <a:solidFill>
-                <a:schemeClr val="bg1"/>
-              </a:solidFill>
-            </a:endParaRPr>
-          </a:p>
-        </p:txBody>
-      </p:sp>
-      <p:cxnSp>
-        <p:nvCxnSpPr>
-          <p:cNvPr id="24" name="Straight Arrow Connector 23"/>
-          <p:cNvCxnSpPr/>
-          <p:nvPr/>
-        </p:nvCxnSpPr>
-        <p:spPr>
-          <a:xfrm>
-            <a:off x="5259277" y="3947160"/>
-            <a:ext cx="502920" cy="0"/>
-          </a:xfrm>
-          <a:prstGeom prst="straightConnector1">
-            <a:avLst/>
-          </a:prstGeom>
-          <a:ln w="19050">
-            <a:solidFill>
-              <a:schemeClr val="tx1"/>
-            </a:solidFill>
-            <a:headEnd type="arrow" w="med" len="med"/>
-            <a:tailEnd type="none" w="med" len="med"/>
-          </a:ln>
-        </p:spPr>
-        <p:style>
-          <a:lnRef idx="1">
-            <a:schemeClr val="accent1"/>
-          </a:lnRef>
-          <a:fillRef idx="0">
-            <a:schemeClr val="accent1"/>
-          </a:fillRef>
-          <a:effectRef idx="0">
-            <a:schemeClr val="accent1"/>
-          </a:effectRef>
-          <a:fontRef idx="minor">
-            <a:schemeClr val="tx1"/>
-          </a:fontRef>
-        </p:style>
-      </p:cxnSp>
-    </p:spTree>
-    <p:extLst>
-      <p:ext uri="{BB962C8B-B14F-4D97-AF65-F5344CB8AC3E}">
-        <p14:creationId xmlns:p14="http://schemas.microsoft.com/office/powerpoint/2010/main" val="4182954014"/>
-      </p:ext>
-    </p:extLst>
-  </p:cSld>
-  <p:clrMapOvr>
-    <a:masterClrMapping/>
-  </p:clrMapOvr>
-  <mc:AlternateContent xmlns:mc="http://schemas.openxmlformats.org/markup-compatibility/2006">
-    <mc:Choice xmlns:p14="http://schemas.microsoft.com/office/powerpoint/2010/main" Requires="p14">
-      <p:transition spd="med" p14:dur="700">
-        <p:fade/>
-      </p:transition>
-    </mc:Choice>
-    <mc:Fallback>
-      <p:transition spd="med">
-        <p:fade/>
-      </p:transition>
-    </mc:Fallback>
-  </mc:AlternateContent>
-  <p:timing>
-    <p:tnLst>
-      <p:par>
-        <p:cTn id="1" dur="indefinite" restart="never" nodeType="tmRoot"/>
-      </p:par>
-    </p:tnLst>
-  </p:timing>
-</p:sld>
-</file>
-
-<file path=ppt/slides/slide15.xml><?xml version="1.0" encoding="utf-8"?>
-<p:sld xmlns:a="http://schemas.openxmlformats.org/drawingml/2006/main" xmlns:r="http://schemas.openxmlformats.org/officeDocument/2006/relationships" xmlns:p="http://schemas.openxmlformats.org/presentationml/2006/main">
-  <p:cSld>
-    <p:spTree>
-      <p:nvGrpSpPr>
-        <p:cNvPr id="1" name=""/>
-        <p:cNvGrpSpPr/>
-        <p:nvPr/>
-      </p:nvGrpSpPr>
-      <p:grpSpPr>
-        <a:xfrm>
-          <a:off x="0" y="0"/>
-          <a:ext cx="0" cy="0"/>
-          <a:chOff x="0" y="0"/>
-          <a:chExt cx="0" cy="0"/>
-        </a:xfrm>
-      </p:grpSpPr>
-      <p:sp>
-        <p:nvSpPr>
-          <p:cNvPr id="2" name="Title 1"/>
-          <p:cNvSpPr>
-            <a:spLocks noGrp="1"/>
-          </p:cNvSpPr>
-          <p:nvPr>
-            <p:ph type="title"/>
-          </p:nvPr>
-        </p:nvSpPr>
-        <p:spPr/>
-        <p:txBody>
-          <a:bodyPr/>
-          <a:lstStyle/>
-          <a:p>
-            <a:r>
-              <a:rPr lang="en-US" dirty="0" smtClean="0"/>
               <a:t>AngularJS Filters</a:t>
             </a:r>
             <a:endParaRPr lang="en-US" dirty="0"/>
@@ -21221,13 +20581,13 @@
   <p:clrMapOvr>
     <a:masterClrMapping/>
   </p:clrMapOvr>
-  <mc:AlternateContent xmlns:mc="http://schemas.openxmlformats.org/markup-compatibility/2006">
-    <mc:Choice xmlns:p14="http://schemas.microsoft.com/office/powerpoint/2010/main" Requires="p14">
+  <mc:AlternateContent xmlns:mc="http://schemas.openxmlformats.org/markup-compatibility/2006" xmlns:p14="http://schemas.microsoft.com/office/powerpoint/2010/main">
+    <mc:Choice Requires="p14">
       <p:transition spd="med" p14:dur="700">
         <p:fade/>
       </p:transition>
     </mc:Choice>
-    <mc:Fallback>
+    <mc:Fallback xmlns="">
       <p:transition spd="med">
         <p:fade/>
       </p:transition>
@@ -21679,6 +21039,179 @@
 </p:sld>
 </file>
 
+<file path=ppt/slides/slide15.xml><?xml version="1.0" encoding="utf-8"?>
+<p:sld xmlns:a="http://schemas.openxmlformats.org/drawingml/2006/main" xmlns:r="http://schemas.openxmlformats.org/officeDocument/2006/relationships" xmlns:p="http://schemas.openxmlformats.org/presentationml/2006/main">
+  <p:cSld>
+    <p:spTree>
+      <p:nvGrpSpPr>
+        <p:cNvPr id="1" name=""/>
+        <p:cNvGrpSpPr/>
+        <p:nvPr/>
+      </p:nvGrpSpPr>
+      <p:grpSpPr>
+        <a:xfrm>
+          <a:off x="0" y="0"/>
+          <a:ext cx="0" cy="0"/>
+          <a:chOff x="0" y="0"/>
+          <a:chExt cx="0" cy="0"/>
+        </a:xfrm>
+      </p:grpSpPr>
+      <p:sp>
+        <p:nvSpPr>
+          <p:cNvPr id="2" name="Title 1"/>
+          <p:cNvSpPr>
+            <a:spLocks noGrp="1"/>
+          </p:cNvSpPr>
+          <p:nvPr>
+            <p:ph type="title"/>
+          </p:nvPr>
+        </p:nvSpPr>
+        <p:spPr/>
+        <p:txBody>
+          <a:bodyPr/>
+          <a:lstStyle/>
+          <a:p>
+            <a:r>
+              <a:rPr lang="en-US" dirty="0" smtClean="0"/>
+              <a:t>AngularJS Providers</a:t>
+            </a:r>
+            <a:endParaRPr lang="en-US" dirty="0"/>
+          </a:p>
+        </p:txBody>
+      </p:sp>
+      <p:sp>
+        <p:nvSpPr>
+          <p:cNvPr id="3" name="Content Placeholder 2"/>
+          <p:cNvSpPr>
+            <a:spLocks noGrp="1"/>
+          </p:cNvSpPr>
+          <p:nvPr>
+            <p:ph sz="quarter" idx="13"/>
+          </p:nvPr>
+        </p:nvSpPr>
+        <p:spPr/>
+        <p:txBody>
+          <a:bodyPr/>
+          <a:lstStyle/>
+          <a:p>
+            <a:r>
+              <a:rPr lang="en-US" dirty="0"/>
+              <a:t>Singleton objects</a:t>
+            </a:r>
+          </a:p>
+          <a:p>
+            <a:r>
+              <a:rPr lang="en-US" dirty="0" smtClean="0"/>
+              <a:t>Keep </a:t>
+            </a:r>
+            <a:r>
+              <a:rPr lang="en-US" dirty="0"/>
+              <a:t>data around for lifetime of </a:t>
+            </a:r>
+            <a:r>
+              <a:rPr lang="en-US" dirty="0" smtClean="0"/>
+              <a:t>application</a:t>
+            </a:r>
+          </a:p>
+          <a:p>
+            <a:r>
+              <a:rPr lang="en-US" dirty="0" smtClean="0"/>
+              <a:t>Separation </a:t>
+            </a:r>
+            <a:r>
+              <a:rPr lang="en-US" dirty="0"/>
+              <a:t>of concerns</a:t>
+            </a:r>
+          </a:p>
+          <a:p>
+            <a:r>
+              <a:rPr lang="en-US" dirty="0" smtClean="0"/>
+              <a:t>Logical </a:t>
+            </a:r>
+            <a:r>
+              <a:rPr lang="en-US" dirty="0"/>
+              <a:t>place to access external data ($http or $resource</a:t>
+            </a:r>
+            <a:r>
+              <a:rPr lang="en-US" dirty="0" smtClean="0"/>
+              <a:t>)</a:t>
+            </a:r>
+          </a:p>
+          <a:p>
+            <a:r>
+              <a:rPr lang="en-US" dirty="0" smtClean="0"/>
+              <a:t>Preferred method to communicate between controllers</a:t>
+            </a:r>
+          </a:p>
+          <a:p>
+            <a:r>
+              <a:rPr lang="en-US" dirty="0" smtClean="0"/>
+              <a:t>Yes, there is a "Provider" Provider</a:t>
+            </a:r>
+            <a:endParaRPr lang="en-US" dirty="0"/>
+          </a:p>
+          <a:p>
+            <a:pPr marL="0" indent="0">
+              <a:buNone/>
+            </a:pPr>
+            <a:endParaRPr lang="en-US" dirty="0"/>
+          </a:p>
+        </p:txBody>
+      </p:sp>
+      <p:graphicFrame>
+        <p:nvGraphicFramePr>
+          <p:cNvPr id="7" name="Diagram 6"/>
+          <p:cNvGraphicFramePr/>
+          <p:nvPr>
+            <p:extLst>
+              <p:ext uri="{D42A27DB-BD31-4B8C-83A1-F6EECF244321}">
+                <p14:modId xmlns:p14="http://schemas.microsoft.com/office/powerpoint/2010/main" val="1457093039"/>
+              </p:ext>
+            </p:extLst>
+          </p:nvPr>
+        </p:nvGraphicFramePr>
+        <p:xfrm>
+          <a:off x="1524000" y="5257800"/>
+          <a:ext cx="9448800" cy="1513281"/>
+        </p:xfrm>
+        <a:graphic>
+          <a:graphicData uri="http://schemas.openxmlformats.org/drawingml/2006/diagram">
+            <dgm:relIds xmlns:dgm="http://schemas.openxmlformats.org/drawingml/2006/diagram" xmlns:r="http://schemas.openxmlformats.org/officeDocument/2006/relationships" r:dm="rId3" r:lo="rId4" r:qs="rId5" r:cs="rId6"/>
+          </a:graphicData>
+        </a:graphic>
+      </p:graphicFrame>
+    </p:spTree>
+    <p:extLst>
+      <p:ext uri="{BB962C8B-B14F-4D97-AF65-F5344CB8AC3E}">
+        <p14:creationId xmlns:p14="http://schemas.microsoft.com/office/powerpoint/2010/main" val="4184553801"/>
+      </p:ext>
+    </p:extLst>
+  </p:cSld>
+  <p:clrMapOvr>
+    <a:masterClrMapping/>
+  </p:clrMapOvr>
+  <mc:AlternateContent xmlns:mc="http://schemas.openxmlformats.org/markup-compatibility/2006" xmlns:p14="http://schemas.microsoft.com/office/powerpoint/2010/main">
+    <mc:Choice Requires="p14">
+      <p:transition spd="med" p14:dur="700">
+        <p:fade/>
+      </p:transition>
+    </mc:Choice>
+    <mc:Fallback xmlns="">
+      <p:transition spd="med">
+        <p:fade/>
+      </p:transition>
+    </mc:Fallback>
+  </mc:AlternateContent>
+  <p:timing>
+    <p:tnLst>
+      <p:par>
+        <p:cTn id="1" dur="indefinite" restart="never" nodeType="tmRoot"/>
+      </p:par>
+    </p:tnLst>
+  </p:timing>
+</p:sld>
+</file>
+
 <file path=ppt/slides/slide16.xml><?xml version="1.0" encoding="utf-8"?>
 <p:sld xmlns:a="http://schemas.openxmlformats.org/drawingml/2006/main" xmlns:r="http://schemas.openxmlformats.org/officeDocument/2006/relationships" xmlns:p="http://schemas.openxmlformats.org/presentationml/2006/main">
   <p:cSld>
@@ -21708,99 +21241,880 @@
         </p:nvSpPr>
         <p:spPr/>
         <p:txBody>
-          <a:bodyPr>
-            <a:normAutofit/>
-          </a:bodyPr>
+          <a:bodyPr/>
           <a:lstStyle/>
           <a:p>
             <a:r>
-              <a:rPr lang="en-US" dirty="0" smtClean="0">
+              <a:rPr lang="en-US" dirty="0" smtClean="0"/>
+              <a:t>Implementation of MV* in AngularJS</a:t>
+            </a:r>
+            <a:endParaRPr lang="en-US" dirty="0"/>
+          </a:p>
+        </p:txBody>
+      </p:sp>
+      <p:cxnSp>
+        <p:nvCxnSpPr>
+          <p:cNvPr id="10" name="Straight Arrow Connector 9"/>
+          <p:cNvCxnSpPr/>
+          <p:nvPr/>
+        </p:nvCxnSpPr>
+        <p:spPr>
+          <a:xfrm>
+            <a:off x="1572260" y="2819400"/>
+            <a:ext cx="6074410" cy="31420"/>
+          </a:xfrm>
+          <a:prstGeom prst="straightConnector1">
+            <a:avLst/>
+          </a:prstGeom>
+          <a:ln w="19050">
+            <a:solidFill>
+              <a:schemeClr val="tx1"/>
+            </a:solidFill>
+            <a:headEnd type="none" w="med" len="med"/>
+            <a:tailEnd type="arrow" w="med" len="med"/>
+          </a:ln>
+        </p:spPr>
+        <p:style>
+          <a:lnRef idx="1">
+            <a:schemeClr val="accent1"/>
+          </a:lnRef>
+          <a:fillRef idx="0">
+            <a:schemeClr val="accent1"/>
+          </a:fillRef>
+          <a:effectRef idx="0">
+            <a:schemeClr val="accent1"/>
+          </a:effectRef>
+          <a:fontRef idx="minor">
+            <a:schemeClr val="tx1"/>
+          </a:fontRef>
+        </p:style>
+      </p:cxnSp>
+      <p:cxnSp>
+        <p:nvCxnSpPr>
+          <p:cNvPr id="11" name="Straight Arrow Connector 10"/>
+          <p:cNvCxnSpPr/>
+          <p:nvPr/>
+        </p:nvCxnSpPr>
+        <p:spPr>
+          <a:xfrm>
+            <a:off x="8950840" y="2819400"/>
+            <a:ext cx="502920" cy="0"/>
+          </a:xfrm>
+          <a:prstGeom prst="straightConnector1">
+            <a:avLst/>
+          </a:prstGeom>
+          <a:ln w="19050">
+            <a:solidFill>
+              <a:schemeClr val="tx1"/>
+            </a:solidFill>
+            <a:headEnd type="none" w="med" len="med"/>
+            <a:tailEnd type="arrow" w="med" len="med"/>
+          </a:ln>
+        </p:spPr>
+        <p:style>
+          <a:lnRef idx="1">
+            <a:schemeClr val="accent1"/>
+          </a:lnRef>
+          <a:fillRef idx="0">
+            <a:schemeClr val="accent1"/>
+          </a:fillRef>
+          <a:effectRef idx="0">
+            <a:schemeClr val="accent1"/>
+          </a:effectRef>
+          <a:fontRef idx="minor">
+            <a:schemeClr val="tx1"/>
+          </a:fontRef>
+        </p:style>
+      </p:cxnSp>
+      <p:cxnSp>
+        <p:nvCxnSpPr>
+          <p:cNvPr id="13" name="Straight Arrow Connector 12"/>
+          <p:cNvCxnSpPr/>
+          <p:nvPr/>
+        </p:nvCxnSpPr>
+        <p:spPr>
+          <a:xfrm>
+            <a:off x="8950840" y="3936350"/>
+            <a:ext cx="502920" cy="0"/>
+          </a:xfrm>
+          <a:prstGeom prst="straightConnector1">
+            <a:avLst/>
+          </a:prstGeom>
+          <a:ln w="19050">
+            <a:solidFill>
+              <a:schemeClr val="tx1"/>
+            </a:solidFill>
+            <a:headEnd type="arrow" w="med" len="med"/>
+            <a:tailEnd type="none" w="med" len="med"/>
+          </a:ln>
+        </p:spPr>
+        <p:style>
+          <a:lnRef idx="1">
+            <a:schemeClr val="accent1"/>
+          </a:lnRef>
+          <a:fillRef idx="0">
+            <a:schemeClr val="accent1"/>
+          </a:fillRef>
+          <a:effectRef idx="0">
+            <a:schemeClr val="accent1"/>
+          </a:effectRef>
+          <a:fontRef idx="minor">
+            <a:schemeClr val="tx1"/>
+          </a:fontRef>
+        </p:style>
+      </p:cxnSp>
+      <p:cxnSp>
+        <p:nvCxnSpPr>
+          <p:cNvPr id="14" name="Straight Arrow Connector 13"/>
+          <p:cNvCxnSpPr/>
+          <p:nvPr/>
+        </p:nvCxnSpPr>
+        <p:spPr>
+          <a:xfrm>
+            <a:off x="7086600" y="3947160"/>
+            <a:ext cx="502920" cy="0"/>
+          </a:xfrm>
+          <a:prstGeom prst="straightConnector1">
+            <a:avLst/>
+          </a:prstGeom>
+          <a:ln w="19050">
+            <a:solidFill>
+              <a:schemeClr val="tx1"/>
+            </a:solidFill>
+            <a:headEnd type="arrow" w="med" len="med"/>
+            <a:tailEnd type="none" w="med" len="med"/>
+          </a:ln>
+        </p:spPr>
+        <p:style>
+          <a:lnRef idx="1">
+            <a:schemeClr val="accent1"/>
+          </a:lnRef>
+          <a:fillRef idx="0">
+            <a:schemeClr val="accent1"/>
+          </a:fillRef>
+          <a:effectRef idx="0">
+            <a:schemeClr val="accent1"/>
+          </a:effectRef>
+          <a:fontRef idx="minor">
+            <a:schemeClr val="tx1"/>
+          </a:fontRef>
+        </p:style>
+      </p:cxnSp>
+      <p:cxnSp>
+        <p:nvCxnSpPr>
+          <p:cNvPr id="15" name="Straight Arrow Connector 14"/>
+          <p:cNvCxnSpPr/>
+          <p:nvPr/>
+        </p:nvCxnSpPr>
+        <p:spPr>
+          <a:xfrm>
+            <a:off x="3388360" y="3947160"/>
+            <a:ext cx="502920" cy="0"/>
+          </a:xfrm>
+          <a:prstGeom prst="straightConnector1">
+            <a:avLst/>
+          </a:prstGeom>
+          <a:ln w="19050">
+            <a:solidFill>
+              <a:schemeClr val="tx1"/>
+            </a:solidFill>
+            <a:headEnd type="arrow" w="med" len="med"/>
+            <a:tailEnd type="none" w="med" len="med"/>
+          </a:ln>
+        </p:spPr>
+        <p:style>
+          <a:lnRef idx="1">
+            <a:schemeClr val="accent1"/>
+          </a:lnRef>
+          <a:fillRef idx="0">
+            <a:schemeClr val="accent1"/>
+          </a:fillRef>
+          <a:effectRef idx="0">
+            <a:schemeClr val="accent1"/>
+          </a:effectRef>
+          <a:fontRef idx="minor">
+            <a:schemeClr val="tx1"/>
+          </a:fontRef>
+        </p:style>
+      </p:cxnSp>
+      <p:cxnSp>
+        <p:nvCxnSpPr>
+          <p:cNvPr id="16" name="Straight Arrow Connector 15"/>
+          <p:cNvCxnSpPr/>
+          <p:nvPr/>
+        </p:nvCxnSpPr>
+        <p:spPr>
+          <a:xfrm>
+            <a:off x="1572260" y="3936350"/>
+            <a:ext cx="502920" cy="0"/>
+          </a:xfrm>
+          <a:prstGeom prst="straightConnector1">
+            <a:avLst/>
+          </a:prstGeom>
+          <a:ln w="19050">
+            <a:solidFill>
+              <a:schemeClr val="tx1"/>
+            </a:solidFill>
+            <a:headEnd type="arrow" w="med" len="med"/>
+            <a:tailEnd type="none" w="med" len="med"/>
+          </a:ln>
+        </p:spPr>
+        <p:style>
+          <a:lnRef idx="1">
+            <a:schemeClr val="accent1"/>
+          </a:lnRef>
+          <a:fillRef idx="0">
+            <a:schemeClr val="accent1"/>
+          </a:fillRef>
+          <a:effectRef idx="0">
+            <a:schemeClr val="accent1"/>
+          </a:effectRef>
+          <a:fontRef idx="minor">
+            <a:schemeClr val="tx1"/>
+          </a:fontRef>
+        </p:style>
+      </p:cxnSp>
+      <p:sp>
+        <p:nvSpPr>
+          <p:cNvPr id="4" name="Rectangle 3"/>
+          <p:cNvSpPr/>
+          <p:nvPr/>
+        </p:nvSpPr>
+        <p:spPr>
+          <a:xfrm>
+            <a:off x="7646670" y="2613660"/>
+            <a:ext cx="1313180" cy="1981200"/>
+          </a:xfrm>
+          <a:prstGeom prst="rect">
+            <a:avLst/>
+          </a:prstGeom>
+          <a:solidFill>
+            <a:schemeClr val="bg1">
+              <a:lumMod val="50000"/>
+            </a:schemeClr>
+          </a:solidFill>
+          <a:ln>
+            <a:solidFill>
+              <a:schemeClr val="bg1">
+                <a:lumMod val="50000"/>
+              </a:schemeClr>
+            </a:solidFill>
+          </a:ln>
+        </p:spPr>
+        <p:style>
+          <a:lnRef idx="2">
+            <a:schemeClr val="accent1">
+              <a:shade val="50000"/>
+            </a:schemeClr>
+          </a:lnRef>
+          <a:fillRef idx="1">
+            <a:schemeClr val="accent1"/>
+          </a:fillRef>
+          <a:effectRef idx="0">
+            <a:schemeClr val="accent1"/>
+          </a:effectRef>
+          <a:fontRef idx="minor">
+            <a:schemeClr val="lt1"/>
+          </a:fontRef>
+        </p:style>
+        <p:txBody>
+          <a:bodyPr rtlCol="0" anchor="ctr"/>
+          <a:lstStyle/>
+          <a:p>
+            <a:pPr algn="ctr"/>
+            <a:r>
+              <a:rPr lang="en-US" sz="1600" dirty="0" smtClean="0">
                 <a:solidFill>
-                  <a:schemeClr val="tx1"/>
+                  <a:schemeClr val="bg1"/>
                 </a:solidFill>
               </a:rPr>
-              <a:t>AngularJS Demo</a:t>
-            </a:r>
-            <a:br>
-              <a:rPr lang="en-US" dirty="0" smtClean="0">
+              <a:t>Controller</a:t>
+            </a:r>
+          </a:p>
+          <a:p>
+            <a:pPr algn="ctr"/>
+            <a:r>
+              <a:rPr lang="en-US" sz="1600" dirty="0" smtClean="0">
                 <a:solidFill>
-                  <a:schemeClr val="tx1"/>
+                  <a:schemeClr val="bg1"/>
                 </a:solidFill>
               </a:rPr>
-            </a:br>
-            <a:r>
-              <a:rPr lang="en-US" dirty="0" smtClean="0">
-                <a:solidFill>
-                  <a:schemeClr val="tx1"/>
-                </a:solidFill>
-              </a:rPr>
-              <a:t/>
-            </a:r>
-            <a:br>
-              <a:rPr lang="en-US" dirty="0" smtClean="0">
-                <a:solidFill>
-                  <a:schemeClr val="tx1"/>
-                </a:solidFill>
-              </a:rPr>
-            </a:br>
-            <a:r>
-              <a:rPr lang="en-US" sz="2800" dirty="0" smtClean="0">
-                <a:hlinkClick r:id="rId3"/>
-              </a:rPr>
-              <a:t>https</a:t>
-            </a:r>
-            <a:r>
-              <a:rPr lang="en-US" sz="2800" dirty="0">
-                <a:hlinkClick r:id="rId3"/>
-              </a:rPr>
-              <a:t>://</a:t>
-            </a:r>
-            <a:r>
-              <a:rPr lang="en-US" sz="2800" dirty="0" smtClean="0">
-                <a:hlinkClick r:id="rId3"/>
-              </a:rPr>
-              <a:t>jsfiddle.net/spietrek/04y3zwo8/3/</a:t>
-            </a:r>
-            <a:endParaRPr lang="en-US" dirty="0"/>
+              <a:t>(Logic/ Behaviors)</a:t>
+            </a:r>
+            <a:endParaRPr lang="en-US" sz="1600" dirty="0">
+              <a:solidFill>
+                <a:schemeClr val="bg1"/>
+              </a:solidFill>
+            </a:endParaRPr>
           </a:p>
         </p:txBody>
       </p:sp>
       <p:sp>
         <p:nvSpPr>
-          <p:cNvPr id="3" name="Text Placeholder 2"/>
-          <p:cNvSpPr>
-            <a:spLocks noGrp="1"/>
-          </p:cNvSpPr>
-          <p:nvPr>
-            <p:ph type="body" idx="1"/>
-          </p:nvPr>
+          <p:cNvPr id="5" name="Rectangle 4"/>
+          <p:cNvSpPr/>
+          <p:nvPr/>
         </p:nvSpPr>
-        <p:spPr/>
+        <p:spPr>
+          <a:xfrm>
+            <a:off x="3943350" y="3299460"/>
+            <a:ext cx="1313180" cy="1295400"/>
+          </a:xfrm>
+          <a:prstGeom prst="rect">
+            <a:avLst/>
+          </a:prstGeom>
+          <a:solidFill>
+            <a:schemeClr val="bg1">
+              <a:lumMod val="50000"/>
+            </a:schemeClr>
+          </a:solidFill>
+          <a:ln>
+            <a:solidFill>
+              <a:schemeClr val="bg1">
+                <a:lumMod val="50000"/>
+              </a:schemeClr>
+            </a:solidFill>
+          </a:ln>
+        </p:spPr>
+        <p:style>
+          <a:lnRef idx="2">
+            <a:schemeClr val="accent1">
+              <a:shade val="50000"/>
+            </a:schemeClr>
+          </a:lnRef>
+          <a:fillRef idx="1">
+            <a:schemeClr val="accent1"/>
+          </a:fillRef>
+          <a:effectRef idx="0">
+            <a:schemeClr val="accent1"/>
+          </a:effectRef>
+          <a:fontRef idx="minor">
+            <a:schemeClr val="lt1"/>
+          </a:fontRef>
+        </p:style>
         <p:txBody>
-          <a:bodyPr/>
+          <a:bodyPr rtlCol="0" anchor="ctr"/>
           <a:lstStyle/>
           <a:p>
-            <a:endParaRPr lang="en-US"/>
+            <a:pPr algn="ctr"/>
+            <a:r>
+              <a:rPr lang="en-US" sz="1600" dirty="0" smtClean="0">
+                <a:solidFill>
+                  <a:schemeClr val="bg1"/>
+                </a:solidFill>
+              </a:rPr>
+              <a:t>View</a:t>
+            </a:r>
+          </a:p>
+          <a:p>
+            <a:pPr algn="ctr"/>
+            <a:r>
+              <a:rPr lang="en-US" sz="1600" dirty="0" smtClean="0">
+                <a:solidFill>
+                  <a:schemeClr val="bg1"/>
+                </a:solidFill>
+              </a:rPr>
+              <a:t>(UI)</a:t>
+            </a:r>
+            <a:endParaRPr lang="en-US" sz="1600" dirty="0">
+              <a:solidFill>
+                <a:schemeClr val="bg1"/>
+              </a:solidFill>
+            </a:endParaRPr>
           </a:p>
         </p:txBody>
       </p:sp>
+      <p:sp>
+        <p:nvSpPr>
+          <p:cNvPr id="6" name="Rectangle 5"/>
+          <p:cNvSpPr/>
+          <p:nvPr/>
+        </p:nvSpPr>
+        <p:spPr>
+          <a:xfrm>
+            <a:off x="2075180" y="3299460"/>
+            <a:ext cx="1313180" cy="1295400"/>
+          </a:xfrm>
+          <a:prstGeom prst="rect">
+            <a:avLst/>
+          </a:prstGeom>
+          <a:solidFill>
+            <a:schemeClr val="bg1">
+              <a:lumMod val="50000"/>
+            </a:schemeClr>
+          </a:solidFill>
+          <a:ln>
+            <a:solidFill>
+              <a:schemeClr val="bg1">
+                <a:lumMod val="50000"/>
+              </a:schemeClr>
+            </a:solidFill>
+          </a:ln>
+        </p:spPr>
+        <p:style>
+          <a:lnRef idx="2">
+            <a:schemeClr val="accent1">
+              <a:shade val="50000"/>
+            </a:schemeClr>
+          </a:lnRef>
+          <a:fillRef idx="1">
+            <a:schemeClr val="accent1"/>
+          </a:fillRef>
+          <a:effectRef idx="0">
+            <a:schemeClr val="accent1"/>
+          </a:effectRef>
+          <a:fontRef idx="minor">
+            <a:schemeClr val="lt1"/>
+          </a:fontRef>
+        </p:style>
+        <p:txBody>
+          <a:bodyPr rtlCol="0" anchor="ctr"/>
+          <a:lstStyle/>
+          <a:p>
+            <a:pPr algn="ctr"/>
+            <a:r>
+              <a:rPr lang="en-US" sz="1600" dirty="0" smtClean="0">
+                <a:solidFill>
+                  <a:schemeClr val="bg1"/>
+                </a:solidFill>
+              </a:rPr>
+              <a:t>DOM</a:t>
+            </a:r>
+            <a:endParaRPr lang="en-US" sz="1600" dirty="0">
+              <a:solidFill>
+                <a:schemeClr val="bg1"/>
+              </a:solidFill>
+            </a:endParaRPr>
+          </a:p>
+        </p:txBody>
+      </p:sp>
+      <p:sp>
+        <p:nvSpPr>
+          <p:cNvPr id="8" name="Rectangle 7"/>
+          <p:cNvSpPr/>
+          <p:nvPr/>
+        </p:nvSpPr>
+        <p:spPr>
+          <a:xfrm>
+            <a:off x="259080" y="2595880"/>
+            <a:ext cx="1313180" cy="1981200"/>
+          </a:xfrm>
+          <a:prstGeom prst="rect">
+            <a:avLst/>
+          </a:prstGeom>
+          <a:solidFill>
+            <a:schemeClr val="bg1">
+              <a:lumMod val="50000"/>
+            </a:schemeClr>
+          </a:solidFill>
+          <a:ln>
+            <a:solidFill>
+              <a:schemeClr val="bg1">
+                <a:lumMod val="50000"/>
+              </a:schemeClr>
+            </a:solidFill>
+          </a:ln>
+        </p:spPr>
+        <p:style>
+          <a:lnRef idx="2">
+            <a:schemeClr val="accent1">
+              <a:shade val="50000"/>
+            </a:schemeClr>
+          </a:lnRef>
+          <a:fillRef idx="1">
+            <a:schemeClr val="accent1"/>
+          </a:fillRef>
+          <a:effectRef idx="0">
+            <a:schemeClr val="accent1"/>
+          </a:effectRef>
+          <a:fontRef idx="minor">
+            <a:schemeClr val="lt1"/>
+          </a:fontRef>
+        </p:style>
+        <p:txBody>
+          <a:bodyPr rtlCol="0" anchor="ctr"/>
+          <a:lstStyle/>
+          <a:p>
+            <a:pPr algn="ctr"/>
+            <a:r>
+              <a:rPr lang="en-US" sz="1600" dirty="0" smtClean="0">
+                <a:solidFill>
+                  <a:schemeClr val="bg1"/>
+                </a:solidFill>
+              </a:rPr>
+              <a:t>Browser</a:t>
+            </a:r>
+            <a:endParaRPr lang="en-US" sz="1600" dirty="0">
+              <a:solidFill>
+                <a:schemeClr val="bg1"/>
+              </a:solidFill>
+            </a:endParaRPr>
+          </a:p>
+        </p:txBody>
+      </p:sp>
+      <p:cxnSp>
+        <p:nvCxnSpPr>
+          <p:cNvPr id="18" name="Straight Arrow Connector 17"/>
+          <p:cNvCxnSpPr/>
+          <p:nvPr/>
+        </p:nvCxnSpPr>
+        <p:spPr>
+          <a:xfrm>
+            <a:off x="10708640" y="2895600"/>
+            <a:ext cx="502920" cy="0"/>
+          </a:xfrm>
+          <a:prstGeom prst="straightConnector1">
+            <a:avLst/>
+          </a:prstGeom>
+          <a:ln w="19050">
+            <a:solidFill>
+              <a:schemeClr val="tx1"/>
+            </a:solidFill>
+            <a:prstDash val="sysDot"/>
+            <a:headEnd type="none" w="med" len="med"/>
+            <a:tailEnd type="arrow" w="med" len="med"/>
+          </a:ln>
+        </p:spPr>
+        <p:style>
+          <a:lnRef idx="1">
+            <a:schemeClr val="accent1"/>
+          </a:lnRef>
+          <a:fillRef idx="0">
+            <a:schemeClr val="accent1"/>
+          </a:fillRef>
+          <a:effectRef idx="0">
+            <a:schemeClr val="accent1"/>
+          </a:effectRef>
+          <a:fontRef idx="minor">
+            <a:schemeClr val="tx1"/>
+          </a:fontRef>
+        </p:style>
+      </p:cxnSp>
+      <p:cxnSp>
+        <p:nvCxnSpPr>
+          <p:cNvPr id="19" name="Straight Arrow Connector 18"/>
+          <p:cNvCxnSpPr/>
+          <p:nvPr/>
+        </p:nvCxnSpPr>
+        <p:spPr>
+          <a:xfrm>
+            <a:off x="10825480" y="3919220"/>
+            <a:ext cx="502920" cy="0"/>
+          </a:xfrm>
+          <a:prstGeom prst="straightConnector1">
+            <a:avLst/>
+          </a:prstGeom>
+          <a:ln w="19050">
+            <a:solidFill>
+              <a:schemeClr val="tx1"/>
+            </a:solidFill>
+            <a:prstDash val="sysDot"/>
+            <a:headEnd type="arrow" w="med" len="med"/>
+            <a:tailEnd type="none" w="med" len="med"/>
+          </a:ln>
+        </p:spPr>
+        <p:style>
+          <a:lnRef idx="1">
+            <a:schemeClr val="accent1"/>
+          </a:lnRef>
+          <a:fillRef idx="0">
+            <a:schemeClr val="accent1"/>
+          </a:fillRef>
+          <a:effectRef idx="0">
+            <a:schemeClr val="accent1"/>
+          </a:effectRef>
+          <a:fontRef idx="minor">
+            <a:schemeClr val="tx1"/>
+          </a:fontRef>
+        </p:style>
+      </p:cxnSp>
+      <p:sp>
+        <p:nvSpPr>
+          <p:cNvPr id="17" name="Can 16"/>
+          <p:cNvSpPr/>
+          <p:nvPr/>
+        </p:nvSpPr>
+        <p:spPr>
+          <a:xfrm>
+            <a:off x="11211560" y="2590800"/>
+            <a:ext cx="838200" cy="1981200"/>
+          </a:xfrm>
+          <a:prstGeom prst="can">
+            <a:avLst/>
+          </a:prstGeom>
+          <a:solidFill>
+            <a:schemeClr val="bg1">
+              <a:lumMod val="50000"/>
+            </a:schemeClr>
+          </a:solidFill>
+          <a:ln>
+            <a:solidFill>
+              <a:schemeClr val="bg1">
+                <a:lumMod val="50000"/>
+              </a:schemeClr>
+            </a:solidFill>
+          </a:ln>
+        </p:spPr>
+        <p:style>
+          <a:lnRef idx="2">
+            <a:schemeClr val="accent1">
+              <a:shade val="50000"/>
+            </a:schemeClr>
+          </a:lnRef>
+          <a:fillRef idx="1">
+            <a:schemeClr val="accent1"/>
+          </a:fillRef>
+          <a:effectRef idx="0">
+            <a:schemeClr val="accent1"/>
+          </a:effectRef>
+          <a:fontRef idx="minor">
+            <a:schemeClr val="lt1"/>
+          </a:fontRef>
+        </p:style>
+        <p:txBody>
+          <a:bodyPr rtlCol="0" anchor="ctr"/>
+          <a:lstStyle/>
+          <a:p>
+            <a:pPr algn="ctr"/>
+            <a:r>
+              <a:rPr lang="en-US" sz="1200" dirty="0" smtClean="0">
+                <a:solidFill>
+                  <a:schemeClr val="bg1"/>
+                </a:solidFill>
+              </a:rPr>
+              <a:t>RESTful Web Service</a:t>
+            </a:r>
+            <a:endParaRPr lang="en-US" dirty="0">
+              <a:solidFill>
+                <a:schemeClr val="bg1"/>
+              </a:solidFill>
+            </a:endParaRPr>
+          </a:p>
+        </p:txBody>
+      </p:sp>
+      <p:sp>
+        <p:nvSpPr>
+          <p:cNvPr id="3" name="Rectangle 2"/>
+          <p:cNvSpPr/>
+          <p:nvPr/>
+        </p:nvSpPr>
+        <p:spPr>
+          <a:xfrm>
+            <a:off x="9486900" y="2590800"/>
+            <a:ext cx="1313180" cy="1981200"/>
+          </a:xfrm>
+          <a:prstGeom prst="rect">
+            <a:avLst/>
+          </a:prstGeom>
+          <a:solidFill>
+            <a:schemeClr val="bg1">
+              <a:lumMod val="50000"/>
+            </a:schemeClr>
+          </a:solidFill>
+          <a:ln>
+            <a:solidFill>
+              <a:schemeClr val="bg1">
+                <a:lumMod val="50000"/>
+              </a:schemeClr>
+            </a:solidFill>
+          </a:ln>
+        </p:spPr>
+        <p:style>
+          <a:lnRef idx="2">
+            <a:schemeClr val="accent1">
+              <a:shade val="50000"/>
+            </a:schemeClr>
+          </a:lnRef>
+          <a:fillRef idx="1">
+            <a:schemeClr val="accent1"/>
+          </a:fillRef>
+          <a:effectRef idx="0">
+            <a:schemeClr val="accent1"/>
+          </a:effectRef>
+          <a:fontRef idx="minor">
+            <a:schemeClr val="lt1"/>
+          </a:fontRef>
+        </p:style>
+        <p:txBody>
+          <a:bodyPr rtlCol="0" anchor="ctr"/>
+          <a:lstStyle/>
+          <a:p>
+            <a:pPr algn="ctr"/>
+            <a:r>
+              <a:rPr lang="en-US" sz="1600" dirty="0" smtClean="0">
+                <a:solidFill>
+                  <a:schemeClr val="bg1"/>
+                </a:solidFill>
+              </a:rPr>
+              <a:t>Model</a:t>
+            </a:r>
+          </a:p>
+          <a:p>
+            <a:pPr algn="ctr"/>
+            <a:r>
+              <a:rPr lang="en-US" sz="1600" dirty="0" smtClean="0">
+                <a:solidFill>
+                  <a:schemeClr val="bg1"/>
+                </a:solidFill>
+              </a:rPr>
+              <a:t>(Provider)</a:t>
+            </a:r>
+            <a:endParaRPr lang="en-US" sz="1600" dirty="0">
+              <a:solidFill>
+                <a:schemeClr val="bg1"/>
+              </a:solidFill>
+            </a:endParaRPr>
+          </a:p>
+        </p:txBody>
+      </p:sp>
+      <p:sp>
+        <p:nvSpPr>
+          <p:cNvPr id="20" name="TextBox 19"/>
+          <p:cNvSpPr txBox="1"/>
+          <p:nvPr/>
+        </p:nvSpPr>
+        <p:spPr>
+          <a:xfrm>
+            <a:off x="3048000" y="2517895"/>
+            <a:ext cx="3657600" cy="307777"/>
+          </a:xfrm>
+          <a:prstGeom prst="rect">
+            <a:avLst/>
+          </a:prstGeom>
+          <a:noFill/>
+        </p:spPr>
+        <p:txBody>
+          <a:bodyPr wrap="square" rtlCol="0">
+            <a:spAutoFit/>
+          </a:bodyPr>
+          <a:lstStyle/>
+          <a:p>
+            <a:r>
+              <a:rPr lang="en-US" sz="1400" dirty="0" smtClean="0"/>
+              <a:t>User Interaction (Routes &amp; Behaviors)</a:t>
+            </a:r>
+            <a:endParaRPr lang="en-US" sz="1400" dirty="0"/>
+          </a:p>
+        </p:txBody>
+      </p:sp>
+      <p:sp>
+        <p:nvSpPr>
+          <p:cNvPr id="22" name="Rectangle 21"/>
+          <p:cNvSpPr/>
+          <p:nvPr/>
+        </p:nvSpPr>
+        <p:spPr>
+          <a:xfrm>
+            <a:off x="5762197" y="3271520"/>
+            <a:ext cx="1313180" cy="1295400"/>
+          </a:xfrm>
+          <a:prstGeom prst="rect">
+            <a:avLst/>
+          </a:prstGeom>
+          <a:solidFill>
+            <a:schemeClr val="bg1">
+              <a:lumMod val="50000"/>
+            </a:schemeClr>
+          </a:solidFill>
+          <a:ln>
+            <a:solidFill>
+              <a:schemeClr val="bg1">
+                <a:lumMod val="50000"/>
+              </a:schemeClr>
+            </a:solidFill>
+          </a:ln>
+        </p:spPr>
+        <p:style>
+          <a:lnRef idx="2">
+            <a:schemeClr val="accent1">
+              <a:shade val="50000"/>
+            </a:schemeClr>
+          </a:lnRef>
+          <a:fillRef idx="1">
+            <a:schemeClr val="accent1"/>
+          </a:fillRef>
+          <a:effectRef idx="0">
+            <a:schemeClr val="accent1"/>
+          </a:effectRef>
+          <a:fontRef idx="minor">
+            <a:schemeClr val="lt1"/>
+          </a:fontRef>
+        </p:style>
+        <p:txBody>
+          <a:bodyPr rtlCol="0" anchor="ctr"/>
+          <a:lstStyle/>
+          <a:p>
+            <a:pPr algn="ctr"/>
+            <a:r>
+              <a:rPr lang="en-US" sz="1600" dirty="0" smtClean="0">
+                <a:solidFill>
+                  <a:schemeClr val="bg1"/>
+                </a:solidFill>
+              </a:rPr>
+              <a:t>$scope</a:t>
+            </a:r>
+            <a:endParaRPr lang="en-US" sz="1600" dirty="0">
+              <a:solidFill>
+                <a:schemeClr val="bg1"/>
+              </a:solidFill>
+            </a:endParaRPr>
+          </a:p>
+        </p:txBody>
+      </p:sp>
+      <p:cxnSp>
+        <p:nvCxnSpPr>
+          <p:cNvPr id="24" name="Straight Arrow Connector 23"/>
+          <p:cNvCxnSpPr/>
+          <p:nvPr/>
+        </p:nvCxnSpPr>
+        <p:spPr>
+          <a:xfrm>
+            <a:off x="5259277" y="3947160"/>
+            <a:ext cx="502920" cy="0"/>
+          </a:xfrm>
+          <a:prstGeom prst="straightConnector1">
+            <a:avLst/>
+          </a:prstGeom>
+          <a:ln w="19050">
+            <a:solidFill>
+              <a:schemeClr val="tx1"/>
+            </a:solidFill>
+            <a:headEnd type="arrow" w="med" len="med"/>
+            <a:tailEnd type="none" w="med" len="med"/>
+          </a:ln>
+        </p:spPr>
+        <p:style>
+          <a:lnRef idx="1">
+            <a:schemeClr val="accent1"/>
+          </a:lnRef>
+          <a:fillRef idx="0">
+            <a:schemeClr val="accent1"/>
+          </a:fillRef>
+          <a:effectRef idx="0">
+            <a:schemeClr val="accent1"/>
+          </a:effectRef>
+          <a:fontRef idx="minor">
+            <a:schemeClr val="tx1"/>
+          </a:fontRef>
+        </p:style>
+      </p:cxnSp>
     </p:spTree>
     <p:extLst>
       <p:ext uri="{BB962C8B-B14F-4D97-AF65-F5344CB8AC3E}">
-        <p14:creationId xmlns:p14="http://schemas.microsoft.com/office/powerpoint/2010/main" val="1327771312"/>
+        <p14:creationId xmlns:p14="http://schemas.microsoft.com/office/powerpoint/2010/main" val="4182954014"/>
       </p:ext>
     </p:extLst>
   </p:cSld>
   <p:clrMapOvr>
     <a:masterClrMapping/>
   </p:clrMapOvr>
-  <mc:AlternateContent xmlns:mc="http://schemas.openxmlformats.org/markup-compatibility/2006">
-    <mc:Choice xmlns:p14="http://schemas.microsoft.com/office/powerpoint/2010/main" Requires="p14">
+  <mc:AlternateContent xmlns:mc="http://schemas.openxmlformats.org/markup-compatibility/2006" xmlns:p14="http://schemas.microsoft.com/office/powerpoint/2010/main">
+    <mc:Choice Requires="p14">
       <p:transition spd="med" p14:dur="700">
         <p:fade/>
       </p:transition>
     </mc:Choice>
-    <mc:Fallback>
+    <mc:Fallback xmlns="">
       <p:transition spd="med">
         <p:fade/>
       </p:transition>
@@ -21845,12 +22159,58 @@
         </p:nvSpPr>
         <p:spPr/>
         <p:txBody>
-          <a:bodyPr/>
+          <a:bodyPr>
+            <a:normAutofit/>
+          </a:bodyPr>
           <a:lstStyle/>
           <a:p>
             <a:r>
-              <a:rPr lang="en-US" dirty="0" smtClean="0"/>
-              <a:t>AngularJS Providers</a:t>
+              <a:rPr lang="en-US" dirty="0" smtClean="0">
+                <a:solidFill>
+                  <a:schemeClr val="tx1"/>
+                </a:solidFill>
+              </a:rPr>
+              <a:t>AngularJS Demo</a:t>
+            </a:r>
+            <a:br>
+              <a:rPr lang="en-US" dirty="0" smtClean="0">
+                <a:solidFill>
+                  <a:schemeClr val="tx1"/>
+                </a:solidFill>
+              </a:rPr>
+            </a:br>
+            <a:r>
+              <a:rPr lang="en-US" dirty="0" smtClean="0">
+                <a:solidFill>
+                  <a:schemeClr val="tx1"/>
+                </a:solidFill>
+              </a:rPr>
+              <a:t/>
+            </a:r>
+            <a:br>
+              <a:rPr lang="en-US" dirty="0" smtClean="0">
+                <a:solidFill>
+                  <a:schemeClr val="tx1"/>
+                </a:solidFill>
+              </a:rPr>
+            </a:br>
+            <a:r>
+              <a:rPr lang="en-US" sz="2800" dirty="0" smtClean="0">
+                <a:hlinkClick r:id="rId3"/>
+              </a:rPr>
+              <a:t>https</a:t>
+            </a:r>
+            <a:r>
+              <a:rPr lang="en-US" sz="2800" dirty="0">
+                <a:hlinkClick r:id="rId3"/>
+              </a:rPr>
+              <a:t>://</a:t>
+            </a:r>
+            <a:r>
+              <a:rPr lang="en-US" sz="2800" dirty="0" smtClean="0">
+                <a:hlinkClick r:id="rId3"/>
+              </a:rPr>
+              <a:t>jsfiddle.net/spietrek/04y3zwo8/3/</a:t>
             </a:r>
             <a:endParaRPr lang="en-US" dirty="0"/>
           </a:p>
@@ -21858,12 +22218,12 @@
       </p:sp>
       <p:sp>
         <p:nvSpPr>
-          <p:cNvPr id="3" name="Content Placeholder 2"/>
+          <p:cNvPr id="3" name="Text Placeholder 2"/>
           <p:cNvSpPr>
             <a:spLocks noGrp="1"/>
           </p:cNvSpPr>
           <p:nvPr>
-            <p:ph sz="quarter" idx="13"/>
+            <p:ph type="body" idx="1"/>
           </p:nvPr>
         </p:nvSpPr>
         <p:spPr/>
@@ -21871,109 +22231,27 @@
           <a:bodyPr/>
           <a:lstStyle/>
           <a:p>
-            <a:r>
-              <a:rPr lang="en-US" dirty="0"/>
-              <a:t>Singleton objects</a:t>
-            </a:r>
-          </a:p>
-          <a:p>
-            <a:r>
-              <a:rPr lang="en-US" dirty="0" smtClean="0"/>
-              <a:t>Keep </a:t>
-            </a:r>
-            <a:r>
-              <a:rPr lang="en-US" dirty="0"/>
-              <a:t>data around for lifetime of </a:t>
-            </a:r>
-            <a:r>
-              <a:rPr lang="en-US" dirty="0" smtClean="0"/>
-              <a:t>application</a:t>
-            </a:r>
-          </a:p>
-          <a:p>
-            <a:r>
-              <a:rPr lang="en-US" dirty="0" smtClean="0"/>
-              <a:t>Separation </a:t>
-            </a:r>
-            <a:r>
-              <a:rPr lang="en-US" dirty="0"/>
-              <a:t>of concerns</a:t>
-            </a:r>
-          </a:p>
-          <a:p>
-            <a:r>
-              <a:rPr lang="en-US" dirty="0" smtClean="0"/>
-              <a:t>Logical </a:t>
-            </a:r>
-            <a:r>
-              <a:rPr lang="en-US" dirty="0"/>
-              <a:t>place to access external data ($http or $resource</a:t>
-            </a:r>
-            <a:r>
-              <a:rPr lang="en-US" dirty="0" smtClean="0"/>
-              <a:t>)</a:t>
-            </a:r>
-          </a:p>
-          <a:p>
-            <a:r>
-              <a:rPr lang="en-US" dirty="0" smtClean="0"/>
-              <a:t>Preferred method to communicate between controllers</a:t>
-            </a:r>
-          </a:p>
-          <a:p>
-            <a:r>
-              <a:rPr lang="en-US" dirty="0" smtClean="0"/>
-              <a:t>Yes, there is a "Provider" Provider</a:t>
-            </a:r>
-            <a:endParaRPr lang="en-US" dirty="0"/>
-          </a:p>
-          <a:p>
-            <a:pPr marL="0" indent="0">
-              <a:buNone/>
-            </a:pPr>
-            <a:endParaRPr lang="en-US" dirty="0"/>
+            <a:endParaRPr lang="en-US"/>
           </a:p>
         </p:txBody>
       </p:sp>
-      <p:graphicFrame>
-        <p:nvGraphicFramePr>
-          <p:cNvPr id="7" name="Diagram 6"/>
-          <p:cNvGraphicFramePr/>
-          <p:nvPr>
-            <p:extLst>
-              <p:ext uri="{D42A27DB-BD31-4B8C-83A1-F6EECF244321}">
-                <p14:modId xmlns:p14="http://schemas.microsoft.com/office/powerpoint/2010/main" val="1457093039"/>
-              </p:ext>
-            </p:extLst>
-          </p:nvPr>
-        </p:nvGraphicFramePr>
-        <p:xfrm>
-          <a:off x="1524000" y="5257800"/>
-          <a:ext cx="9448800" cy="1513281"/>
-        </p:xfrm>
-        <a:graphic>
-          <a:graphicData uri="http://schemas.openxmlformats.org/drawingml/2006/diagram">
-            <dgm:relIds xmlns:dgm="http://schemas.openxmlformats.org/drawingml/2006/diagram" xmlns:r="http://schemas.openxmlformats.org/officeDocument/2006/relationships" r:dm="rId3" r:lo="rId4" r:qs="rId5" r:cs="rId6"/>
-          </a:graphicData>
-        </a:graphic>
-      </p:graphicFrame>
     </p:spTree>
     <p:extLst>
       <p:ext uri="{BB962C8B-B14F-4D97-AF65-F5344CB8AC3E}">
-        <p14:creationId xmlns:p14="http://schemas.microsoft.com/office/powerpoint/2010/main" val="4184553801"/>
+        <p14:creationId xmlns:p14="http://schemas.microsoft.com/office/powerpoint/2010/main" val="1327771312"/>
       </p:ext>
     </p:extLst>
   </p:cSld>
   <p:clrMapOvr>
     <a:masterClrMapping/>
   </p:clrMapOvr>
-  <mc:AlternateContent xmlns:mc="http://schemas.openxmlformats.org/markup-compatibility/2006">
-    <mc:Choice xmlns:p14="http://schemas.microsoft.com/office/powerpoint/2010/main" Requires="p14">
+  <mc:AlternateContent xmlns:mc="http://schemas.openxmlformats.org/markup-compatibility/2006" xmlns:p14="http://schemas.microsoft.com/office/powerpoint/2010/main">
+    <mc:Choice Requires="p14">
       <p:transition spd="med" p14:dur="700">
         <p:fade/>
       </p:transition>
     </mc:Choice>
-    <mc:Fallback>
+    <mc:Fallback xmlns="">
       <p:transition spd="med">
         <p:fade/>
       </p:transition>
@@ -22135,13 +22413,13 @@
   <p:clrMapOvr>
     <a:masterClrMapping/>
   </p:clrMapOvr>
-  <mc:AlternateContent xmlns:mc="http://schemas.openxmlformats.org/markup-compatibility/2006">
-    <mc:Choice xmlns:p14="http://schemas.microsoft.com/office/powerpoint/2010/main" Requires="p14">
+  <mc:AlternateContent xmlns:mc="http://schemas.openxmlformats.org/markup-compatibility/2006" xmlns:p14="http://schemas.microsoft.com/office/powerpoint/2010/main">
+    <mc:Choice Requires="p14">
       <p:transition spd="med" p14:dur="700">
         <p:fade/>
       </p:transition>
     </mc:Choice>
-    <mc:Fallback>
+    <mc:Fallback xmlns="">
       <p:transition spd="med">
         <p:fade/>
       </p:transition>
@@ -22265,13 +22543,13 @@
   <p:clrMapOvr>
     <a:masterClrMapping/>
   </p:clrMapOvr>
-  <mc:AlternateContent xmlns:mc="http://schemas.openxmlformats.org/markup-compatibility/2006">
-    <mc:Choice xmlns:p14="http://schemas.microsoft.com/office/powerpoint/2010/main" Requires="p14">
+  <mc:AlternateContent xmlns:mc="http://schemas.openxmlformats.org/markup-compatibility/2006" xmlns:p14="http://schemas.microsoft.com/office/powerpoint/2010/main">
+    <mc:Choice Requires="p14">
       <p:transition spd="med" p14:dur="700">
         <p:fade/>
       </p:transition>
     </mc:Choice>
-    <mc:Fallback>
+    <mc:Fallback xmlns="">
       <p:transition spd="med">
         <p:fade/>
       </p:transition>
@@ -22431,8 +22709,31 @@
                 <a:latin typeface="Effra Light"/>
                 <a:cs typeface="Effra Light"/>
               </a:rPr>
-              <a:t>Cardinal Solutions</a:t>
-            </a:r>
+              <a:t>Cardinal </a:t>
+            </a:r>
+            <a:r>
+              <a:rPr lang="en-US" sz="1700" b="1" dirty="0" smtClean="0">
+                <a:solidFill>
+                  <a:schemeClr val="accent5">
+                    <a:lumMod val="60000"/>
+                    <a:lumOff val="40000"/>
+                  </a:schemeClr>
+                </a:solidFill>
+                <a:latin typeface="Effra Light"/>
+                <a:cs typeface="Effra Light"/>
+              </a:rPr>
+              <a:t>Solutions Group</a:t>
+            </a:r>
+            <a:endParaRPr lang="en-US" sz="1700" b="1" dirty="0">
+              <a:solidFill>
+                <a:schemeClr val="accent5">
+                  <a:lumMod val="60000"/>
+                  <a:lumOff val="40000"/>
+                </a:schemeClr>
+              </a:solidFill>
+              <a:latin typeface="Effra Light"/>
+              <a:cs typeface="Effra Light"/>
+            </a:endParaRPr>
           </a:p>
           <a:p>
             <a:endParaRPr lang="en-US" sz="1700" b="1" dirty="0">
@@ -22720,13 +23021,13 @@
   <p:clrMapOvr>
     <a:masterClrMapping/>
   </p:clrMapOvr>
-  <mc:AlternateContent xmlns:mc="http://schemas.openxmlformats.org/markup-compatibility/2006">
-    <mc:Choice xmlns:p14="http://schemas.microsoft.com/office/powerpoint/2010/main" Requires="p14">
+  <mc:AlternateContent xmlns:mc="http://schemas.openxmlformats.org/markup-compatibility/2006" xmlns:p14="http://schemas.microsoft.com/office/powerpoint/2010/main">
+    <mc:Choice Requires="p14">
       <p:transition spd="med" p14:dur="700">
         <p:fade/>
       </p:transition>
     </mc:Choice>
-    <mc:Fallback>
+    <mc:Fallback xmlns="">
       <p:transition spd="med">
         <p:fade/>
       </p:transition>
@@ -22804,13 +23105,13 @@
   <p:clrMapOvr>
     <a:masterClrMapping/>
   </p:clrMapOvr>
-  <mc:AlternateContent xmlns:mc="http://schemas.openxmlformats.org/markup-compatibility/2006">
-    <mc:Choice xmlns:p14="http://schemas.microsoft.com/office/powerpoint/2010/main" Requires="p14">
+  <mc:AlternateContent xmlns:mc="http://schemas.openxmlformats.org/markup-compatibility/2006" xmlns:p14="http://schemas.microsoft.com/office/powerpoint/2010/main">
+    <mc:Choice Requires="p14">
       <p:transition spd="med" p14:dur="700">
         <p:fade/>
       </p:transition>
     </mc:Choice>
-    <mc:Fallback>
+    <mc:Fallback xmlns="">
       <p:transition spd="med">
         <p:fade/>
       </p:transition>
@@ -22888,13 +23189,13 @@
   <p:clrMapOvr>
     <a:masterClrMapping/>
   </p:clrMapOvr>
-  <mc:AlternateContent xmlns:mc="http://schemas.openxmlformats.org/markup-compatibility/2006">
-    <mc:Choice xmlns:p14="http://schemas.microsoft.com/office/powerpoint/2010/main" Requires="p14">
+  <mc:AlternateContent xmlns:mc="http://schemas.openxmlformats.org/markup-compatibility/2006" xmlns:p14="http://schemas.microsoft.com/office/powerpoint/2010/main">
+    <mc:Choice Requires="p14">
       <p:transition spd="med" p14:dur="700">
         <p:fade/>
       </p:transition>
     </mc:Choice>
-    <mc:Fallback>
+    <mc:Fallback xmlns="">
       <p:transition spd="med">
         <p:fade/>
       </p:transition>
@@ -23064,13 +23365,13 @@
   <p:clrMapOvr>
     <a:masterClrMapping/>
   </p:clrMapOvr>
-  <mc:AlternateContent xmlns:mc="http://schemas.openxmlformats.org/markup-compatibility/2006">
-    <mc:Choice xmlns:p14="http://schemas.microsoft.com/office/powerpoint/2010/main" Requires="p14">
+  <mc:AlternateContent xmlns:mc="http://schemas.openxmlformats.org/markup-compatibility/2006" xmlns:p14="http://schemas.microsoft.com/office/powerpoint/2010/main">
+    <mc:Choice Requires="p14">
       <p:transition spd="med" p14:dur="700">
         <p:fade/>
       </p:transition>
     </mc:Choice>
-    <mc:Fallback>
+    <mc:Fallback xmlns="">
       <p:transition spd="med">
         <p:fade/>
       </p:transition>
@@ -23254,13 +23555,13 @@
   <p:clrMapOvr>
     <a:masterClrMapping/>
   </p:clrMapOvr>
-  <mc:AlternateContent xmlns:mc="http://schemas.openxmlformats.org/markup-compatibility/2006">
-    <mc:Choice xmlns:p14="http://schemas.microsoft.com/office/powerpoint/2010/main" Requires="p14">
+  <mc:AlternateContent xmlns:mc="http://schemas.openxmlformats.org/markup-compatibility/2006" xmlns:p14="http://schemas.microsoft.com/office/powerpoint/2010/main">
+    <mc:Choice Requires="p14">
       <p:transition spd="med" p14:dur="700">
         <p:fade/>
       </p:transition>
     </mc:Choice>
-    <mc:Fallback>
+    <mc:Fallback xmlns="">
       <p:transition spd="med">
         <p:fade/>
       </p:transition>
@@ -23378,15 +23679,7 @@
           <a:p>
             <a:r>
               <a:rPr lang="en-US" dirty="0" smtClean="0"/>
-              <a:t>Source control: Git, </a:t>
-            </a:r>
-            <a:r>
-              <a:rPr lang="en-US" dirty="0" smtClean="0"/>
-              <a:t>GitHub, Bitbucket, Visual </a:t>
-            </a:r>
-            <a:r>
-              <a:rPr lang="en-US" dirty="0" smtClean="0"/>
-              <a:t>Studio Online</a:t>
+              <a:t>Source control: Git, GitHub, Bitbucket, Visual Studio Online</a:t>
             </a:r>
           </a:p>
           <a:p>
@@ -23408,13 +23701,13 @@
   <p:clrMapOvr>
     <a:masterClrMapping/>
   </p:clrMapOvr>
-  <mc:AlternateContent xmlns:mc="http://schemas.openxmlformats.org/markup-compatibility/2006">
-    <mc:Choice xmlns:p14="http://schemas.microsoft.com/office/powerpoint/2010/main" Requires="p14">
+  <mc:AlternateContent xmlns:mc="http://schemas.openxmlformats.org/markup-compatibility/2006" xmlns:p14="http://schemas.microsoft.com/office/powerpoint/2010/main">
+    <mc:Choice Requires="p14">
       <p:transition spd="med" p14:dur="700">
         <p:fade/>
       </p:transition>
     </mc:Choice>
-    <mc:Fallback>
+    <mc:Fallback xmlns="">
       <p:transition spd="med">
         <p:fade/>
       </p:transition>
@@ -23624,13 +23917,13 @@
   <p:clrMapOvr>
     <a:masterClrMapping/>
   </p:clrMapOvr>
-  <mc:AlternateContent xmlns:mc="http://schemas.openxmlformats.org/markup-compatibility/2006">
-    <mc:Choice xmlns:p14="http://schemas.microsoft.com/office/powerpoint/2010/main" Requires="p14">
+  <mc:AlternateContent xmlns:mc="http://schemas.openxmlformats.org/markup-compatibility/2006" xmlns:p14="http://schemas.microsoft.com/office/powerpoint/2010/main">
+    <mc:Choice Requires="p14">
       <p:transition spd="med" p14:dur="700">
         <p:fade/>
       </p:transition>
     </mc:Choice>
-    <mc:Fallback>
+    <mc:Fallback xmlns="">
       <p:transition spd="med">
         <p:fade/>
       </p:transition>
@@ -23715,13 +24008,13 @@
   <p:clrMapOvr>
     <a:masterClrMapping/>
   </p:clrMapOvr>
-  <mc:AlternateContent xmlns:mc="http://schemas.openxmlformats.org/markup-compatibility/2006">
-    <mc:Choice xmlns:p14="http://schemas.microsoft.com/office/powerpoint/2010/main" Requires="p14">
+  <mc:AlternateContent xmlns:mc="http://schemas.openxmlformats.org/markup-compatibility/2006" xmlns:p14="http://schemas.microsoft.com/office/powerpoint/2010/main">
+    <mc:Choice Requires="p14">
       <p:transition spd="med" p14:dur="700">
         <p:fade/>
       </p:transition>
     </mc:Choice>
-    <mc:Fallback>
+    <mc:Fallback xmlns="">
       <p:transition spd="med">
         <p:fade/>
       </p:transition>
@@ -23806,13 +24099,13 @@
   <p:clrMapOvr>
     <a:masterClrMapping/>
   </p:clrMapOvr>
-  <mc:AlternateContent xmlns:mc="http://schemas.openxmlformats.org/markup-compatibility/2006">
-    <mc:Choice xmlns:p14="http://schemas.microsoft.com/office/powerpoint/2010/main" Requires="p14">
+  <mc:AlternateContent xmlns:mc="http://schemas.openxmlformats.org/markup-compatibility/2006" xmlns:p14="http://schemas.microsoft.com/office/powerpoint/2010/main">
+    <mc:Choice Requires="p14">
       <p:transition spd="med" p14:dur="700">
         <p:fade/>
       </p:transition>
     </mc:Choice>
-    <mc:Fallback>
+    <mc:Fallback xmlns="">
       <p:transition spd="med">
         <p:fade/>
       </p:transition>
@@ -23878,7 +24171,7 @@
             <p:ph sz="quarter" idx="13"/>
             <p:extLst>
               <p:ext uri="{D42A27DB-BD31-4B8C-83A1-F6EECF244321}">
-                <p14:modId xmlns:p14="http://schemas.microsoft.com/office/powerpoint/2010/main" val="877841777"/>
+                <p14:modId xmlns:p14="http://schemas.microsoft.com/office/powerpoint/2010/main" val="2367700780"/>
               </p:ext>
             </p:extLst>
           </p:nvPr>
@@ -23903,13 +24196,13 @@
   <p:clrMapOvr>
     <a:masterClrMapping/>
   </p:clrMapOvr>
-  <mc:AlternateContent xmlns:mc="http://schemas.openxmlformats.org/markup-compatibility/2006">
-    <mc:Choice xmlns:p14="http://schemas.microsoft.com/office/powerpoint/2010/main" Requires="p14">
+  <mc:AlternateContent xmlns:mc="http://schemas.openxmlformats.org/markup-compatibility/2006" xmlns:p14="http://schemas.microsoft.com/office/powerpoint/2010/main">
+    <mc:Choice Requires="p14">
       <p:transition spd="med" p14:dur="700">
         <p:fade/>
       </p:transition>
     </mc:Choice>
-    <mc:Fallback>
+    <mc:Fallback xmlns="">
       <p:transition spd="med">
         <p:fade/>
       </p:transition>
@@ -23994,13 +24287,13 @@
   <p:clrMapOvr>
     <a:masterClrMapping/>
   </p:clrMapOvr>
-  <mc:AlternateContent xmlns:mc="http://schemas.openxmlformats.org/markup-compatibility/2006">
-    <mc:Choice xmlns:p14="http://schemas.microsoft.com/office/powerpoint/2010/main" Requires="p14">
+  <mc:AlternateContent xmlns:mc="http://schemas.openxmlformats.org/markup-compatibility/2006" xmlns:p14="http://schemas.microsoft.com/office/powerpoint/2010/main">
+    <mc:Choice Requires="p14">
       <p:transition spd="med" p14:dur="700">
         <p:fade/>
       </p:transition>
     </mc:Choice>
-    <mc:Fallback>
+    <mc:Fallback xmlns="">
       <p:transition spd="med">
         <p:fade/>
       </p:transition>
@@ -24589,13 +24882,13 @@
   <p:clrMapOvr>
     <a:masterClrMapping/>
   </p:clrMapOvr>
-  <mc:AlternateContent xmlns:mc="http://schemas.openxmlformats.org/markup-compatibility/2006">
-    <mc:Choice xmlns:p14="http://schemas.microsoft.com/office/powerpoint/2010/main" Requires="p14">
+  <mc:AlternateContent xmlns:mc="http://schemas.openxmlformats.org/markup-compatibility/2006" xmlns:p14="http://schemas.microsoft.com/office/powerpoint/2010/main">
+    <mc:Choice Requires="p14">
       <p:transition spd="med" p14:dur="700">
         <p:fade/>
       </p:transition>
     </mc:Choice>
-    <mc:Fallback>
+    <mc:Fallback xmlns="">
       <p:transition spd="med">
         <p:fade/>
       </p:transition>
@@ -24741,12 +25034,19 @@
           <a:p>
             <a:r>
               <a:rPr lang="en-US" dirty="0" smtClean="0"/>
-              <a:t>Build </a:t>
+              <a:t>Build and deploy often</a:t>
             </a:r>
             <a:r>
               <a:rPr lang="en-US" dirty="0" smtClean="0"/>
-              <a:t>and deploy often!!!</a:t>
-            </a:r>
+              <a:t>!!!</a:t>
+            </a:r>
+          </a:p>
+          <a:p>
+            <a:r>
+              <a:rPr lang="en-US" dirty="0" smtClean="0"/>
+              <a:t>Learn Git</a:t>
+            </a:r>
+            <a:endParaRPr lang="en-US" dirty="0" smtClean="0"/>
           </a:p>
           <a:p>
             <a:r>
@@ -24773,13 +25073,13 @@
   <p:clrMapOvr>
     <a:masterClrMapping/>
   </p:clrMapOvr>
-  <mc:AlternateContent xmlns:mc="http://schemas.openxmlformats.org/markup-compatibility/2006">
-    <mc:Choice xmlns:p14="http://schemas.microsoft.com/office/powerpoint/2010/main" Requires="p14">
+  <mc:AlternateContent xmlns:mc="http://schemas.openxmlformats.org/markup-compatibility/2006" xmlns:p14="http://schemas.microsoft.com/office/powerpoint/2010/main">
+    <mc:Choice Requires="p14">
       <p:transition spd="med" p14:dur="700">
         <p:fade/>
       </p:transition>
     </mc:Choice>
-    <mc:Fallback>
+    <mc:Fallback xmlns="">
       <p:transition spd="med">
         <p:fade/>
       </p:transition>
@@ -24853,7 +25153,7 @@
             <p:ph sz="quarter" idx="13"/>
             <p:extLst>
               <p:ext uri="{D42A27DB-BD31-4B8C-83A1-F6EECF244321}">
-                <p14:modId xmlns:p14="http://schemas.microsoft.com/office/powerpoint/2010/main" val="93552972"/>
+                <p14:modId xmlns:p14="http://schemas.microsoft.com/office/powerpoint/2010/main" val="2808078137"/>
               </p:ext>
             </p:extLst>
           </p:nvPr>
@@ -25304,7 +25604,11 @@
                       </a:r>
                       <a:r>
                         <a:rPr lang="en-US" sz="1600" baseline="0" dirty="0" smtClean="0"/>
-                        <a:t> upgrading tools.</a:t>
+                        <a:t> upgrading </a:t>
+                      </a:r>
+                      <a:r>
+                        <a:rPr lang="en-US" sz="1600" baseline="0" dirty="0" smtClean="0"/>
+                        <a:t>tools (npm &amp; bower).</a:t>
                       </a:r>
                       <a:endParaRPr lang="en-US" sz="1600" dirty="0"/>
                     </a:p>
@@ -25380,13 +25684,13 @@
   <p:clrMapOvr>
     <a:masterClrMapping/>
   </p:clrMapOvr>
-  <mc:AlternateContent xmlns:mc="http://schemas.openxmlformats.org/markup-compatibility/2006">
-    <mc:Choice xmlns:p14="http://schemas.microsoft.com/office/powerpoint/2010/main" Requires="p14">
+  <mc:AlternateContent xmlns:mc="http://schemas.openxmlformats.org/markup-compatibility/2006" xmlns:p14="http://schemas.microsoft.com/office/powerpoint/2010/main">
+    <mc:Choice Requires="p14">
       <p:transition spd="med" p14:dur="700">
         <p:fade/>
       </p:transition>
     </mc:Choice>
-    <mc:Fallback>
+    <mc:Fallback xmlns="">
       <p:transition spd="med">
         <p:fade/>
       </p:transition>
@@ -25794,13 +26098,13 @@
   <p:clrMapOvr>
     <a:masterClrMapping/>
   </p:clrMapOvr>
-  <mc:AlternateContent xmlns:mc="http://schemas.openxmlformats.org/markup-compatibility/2006">
-    <mc:Choice xmlns:p14="http://schemas.microsoft.com/office/powerpoint/2010/main" Requires="p14">
+  <mc:AlternateContent xmlns:mc="http://schemas.openxmlformats.org/markup-compatibility/2006" xmlns:p14="http://schemas.microsoft.com/office/powerpoint/2010/main">
+    <mc:Choice Requires="p14">
       <p:transition spd="med" p14:dur="700">
         <p:fade/>
       </p:transition>
     </mc:Choice>
-    <mc:Fallback>
+    <mc:Fallback xmlns="">
       <p:transition spd="med">
         <p:fade/>
       </p:transition>
@@ -25903,7 +26207,7 @@
         </p:blipFill>
         <p:spPr>
           <a:xfrm>
-            <a:off x="4304987" y="3276600"/>
+            <a:off x="4304987" y="2895600"/>
             <a:ext cx="3581400" cy="3581400"/>
           </a:xfrm>
           <a:prstGeom prst="rect">
@@ -25921,13 +26225,13 @@
   <p:clrMapOvr>
     <a:masterClrMapping/>
   </p:clrMapOvr>
-  <mc:AlternateContent xmlns:mc="http://schemas.openxmlformats.org/markup-compatibility/2006">
-    <mc:Choice xmlns:p14="http://schemas.microsoft.com/office/powerpoint/2010/main" Requires="p14">
+  <mc:AlternateContent xmlns:mc="http://schemas.openxmlformats.org/markup-compatibility/2006" xmlns:p14="http://schemas.microsoft.com/office/powerpoint/2010/main">
+    <mc:Choice Requires="p14">
       <p:transition spd="med" p14:dur="700">
         <p:fade/>
       </p:transition>
     </mc:Choice>
-    <mc:Fallback>
+    <mc:Fallback xmlns="">
       <p:transition spd="med">
         <p:fade/>
       </p:transition>
@@ -26051,7 +26355,7 @@
         </p:blipFill>
         <p:spPr>
           <a:xfrm>
-            <a:off x="4465429" y="3429000"/>
+            <a:off x="4465429" y="3200400"/>
             <a:ext cx="3260516" cy="3260516"/>
           </a:xfrm>
           <a:prstGeom prst="rect">
@@ -26069,13 +26373,13 @@
   <p:clrMapOvr>
     <a:masterClrMapping/>
   </p:clrMapOvr>
-  <mc:AlternateContent xmlns:mc="http://schemas.openxmlformats.org/markup-compatibility/2006">
-    <mc:Choice xmlns:p14="http://schemas.microsoft.com/office/powerpoint/2010/main" Requires="p14">
+  <mc:AlternateContent xmlns:mc="http://schemas.openxmlformats.org/markup-compatibility/2006" xmlns:p14="http://schemas.microsoft.com/office/powerpoint/2010/main">
+    <mc:Choice Requires="p14">
       <p:transition spd="med" p14:dur="700">
         <p:fade/>
       </p:transition>
     </mc:Choice>
-    <mc:Fallback>
+    <mc:Fallback xmlns="">
       <p:transition spd="med">
         <p:fade/>
       </p:transition>
@@ -26483,13 +26787,13 @@
   <p:clrMapOvr>
     <a:masterClrMapping/>
   </p:clrMapOvr>
-  <mc:AlternateContent xmlns:mc="http://schemas.openxmlformats.org/markup-compatibility/2006">
-    <mc:Choice xmlns:p14="http://schemas.microsoft.com/office/powerpoint/2010/main" Requires="p14">
+  <mc:AlternateContent xmlns:mc="http://schemas.openxmlformats.org/markup-compatibility/2006" xmlns:p14="http://schemas.microsoft.com/office/powerpoint/2010/main">
+    <mc:Choice Requires="p14">
       <p:transition spd="med" p14:dur="700">
         <p:fade/>
       </p:transition>
     </mc:Choice>
-    <mc:Fallback>
+    <mc:Fallback xmlns="">
       <p:transition spd="med">
         <p:fade/>
       </p:transition>
@@ -26609,13 +26913,13 @@
   <p:clrMapOvr>
     <a:masterClrMapping/>
   </p:clrMapOvr>
-  <mc:AlternateContent xmlns:mc="http://schemas.openxmlformats.org/markup-compatibility/2006">
-    <mc:Choice xmlns:p14="http://schemas.microsoft.com/office/powerpoint/2010/main" Requires="p14">
+  <mc:AlternateContent xmlns:mc="http://schemas.openxmlformats.org/markup-compatibility/2006" xmlns:p14="http://schemas.microsoft.com/office/powerpoint/2010/main">
+    <mc:Choice Requires="p14">
       <p:transition spd="med" p14:dur="700">
         <p:fade/>
       </p:transition>
     </mc:Choice>
-    <mc:Fallback>
+    <mc:Fallback xmlns="">
       <p:transition spd="med">
         <p:fade/>
       </p:transition>
@@ -26702,13 +27006,13 @@
   <p:clrMapOvr>
     <a:masterClrMapping/>
   </p:clrMapOvr>
-  <mc:AlternateContent xmlns:mc="http://schemas.openxmlformats.org/markup-compatibility/2006">
-    <mc:Choice xmlns:p14="http://schemas.microsoft.com/office/powerpoint/2010/main" Requires="p14">
+  <mc:AlternateContent xmlns:mc="http://schemas.openxmlformats.org/markup-compatibility/2006" xmlns:p14="http://schemas.microsoft.com/office/powerpoint/2010/main">
+    <mc:Choice Requires="p14">
       <p:transition spd="med" p14:dur="700">
         <p:fade/>
       </p:transition>
     </mc:Choice>
-    <mc:Fallback>
+    <mc:Fallback xmlns="">
       <p:transition spd="med">
         <p:fade/>
       </p:transition>
@@ -26743,835 +27047,7 @@
       </p:grpSpPr>
       <p:sp>
         <p:nvSpPr>
-          <p:cNvPr id="10" name="Rectangle 9"/>
-          <p:cNvSpPr/>
-          <p:nvPr/>
-        </p:nvSpPr>
-        <p:spPr bwMode="auto">
-          <a:xfrm>
-            <a:off x="6215747" y="2919839"/>
-            <a:ext cx="1937657" cy="2453127"/>
-          </a:xfrm>
-          <a:prstGeom prst="rect">
-            <a:avLst/>
-          </a:prstGeom>
-          <a:solidFill>
-            <a:schemeClr val="tx1">
-              <a:lumMod val="65000"/>
-              <a:lumOff val="35000"/>
-            </a:schemeClr>
-          </a:solidFill>
-          <a:ln>
-            <a:solidFill>
-              <a:schemeClr val="bg1"/>
-            </a:solidFill>
-            <a:headEnd type="none" w="med" len="med"/>
-            <a:tailEnd type="none" w="med" len="med"/>
-          </a:ln>
-          <a:effectLst/>
-        </p:spPr>
-        <p:style>
-          <a:lnRef idx="1">
-            <a:schemeClr val="accent2"/>
-          </a:lnRef>
-          <a:fillRef idx="3">
-            <a:schemeClr val="accent2"/>
-          </a:fillRef>
-          <a:effectRef idx="2">
-            <a:schemeClr val="accent2"/>
-          </a:effectRef>
-          <a:fontRef idx="minor">
-            <a:schemeClr val="lt1"/>
-          </a:fontRef>
-        </p:style>
-        <p:txBody>
-          <a:bodyPr rot="0" spcFirstLastPara="0" vertOverflow="overflow" horzOverflow="overflow" vert="horz" wrap="square" lIns="45720" tIns="45720" rIns="45720" bIns="45720" numCol="1" spcCol="0" rtlCol="0" fromWordArt="0" anchor="b" anchorCtr="0" forceAA="0" compatLnSpc="1">
-            <a:prstTxWarp prst="textNoShape">
-              <a:avLst/>
-            </a:prstTxWarp>
-            <a:noAutofit/>
-          </a:bodyPr>
-          <a:lstStyle/>
-          <a:p>
-            <a:pPr marL="120650" defTabSz="914099" fontAlgn="base">
-              <a:spcBef>
-                <a:spcPct val="0"/>
-              </a:spcBef>
-              <a:spcAft>
-                <a:spcPct val="0"/>
-              </a:spcAft>
-            </a:pPr>
-            <a:r>
-              <a:rPr lang="en-US" sz="2000" dirty="0">
-                <a:solidFill>
-                  <a:schemeClr val="bg1"/>
-                </a:solidFill>
-                <a:latin typeface="Effra" panose="020B0506080202020204" pitchFamily="34" charset="0"/>
-                <a:ea typeface="Segoe UI" pitchFamily="34" charset="0"/>
-                <a:cs typeface="Segoe Pro Light"/>
-              </a:rPr>
-              <a:t>Not Cloud Ready</a:t>
-            </a:r>
-          </a:p>
-        </p:txBody>
-      </p:sp>
-      <p:sp>
-        <p:nvSpPr>
-          <p:cNvPr id="8" name="Rectangle 7"/>
-          <p:cNvSpPr/>
-          <p:nvPr/>
-        </p:nvSpPr>
-        <p:spPr bwMode="auto">
-          <a:xfrm>
-            <a:off x="1781633" y="2919841"/>
-            <a:ext cx="1937657" cy="2453127"/>
-          </a:xfrm>
-          <a:prstGeom prst="rect">
-            <a:avLst/>
-          </a:prstGeom>
-          <a:solidFill>
-            <a:schemeClr val="tx1">
-              <a:lumMod val="65000"/>
-              <a:lumOff val="35000"/>
-            </a:schemeClr>
-          </a:solidFill>
-          <a:ln>
-            <a:solidFill>
-              <a:srgbClr val="172952"/>
-            </a:solidFill>
-            <a:headEnd type="none" w="med" len="med"/>
-            <a:tailEnd type="none" w="med" len="med"/>
-          </a:ln>
-          <a:effectLst/>
-        </p:spPr>
-        <p:style>
-          <a:lnRef idx="1">
-            <a:schemeClr val="accent2"/>
-          </a:lnRef>
-          <a:fillRef idx="3">
-            <a:schemeClr val="accent2"/>
-          </a:fillRef>
-          <a:effectRef idx="2">
-            <a:schemeClr val="accent2"/>
-          </a:effectRef>
-          <a:fontRef idx="minor">
-            <a:schemeClr val="lt1"/>
-          </a:fontRef>
-        </p:style>
-        <p:txBody>
-          <a:bodyPr rot="0" spcFirstLastPara="0" vertOverflow="overflow" horzOverflow="overflow" vert="horz" wrap="square" lIns="45720" tIns="45720" rIns="45720" bIns="45720" numCol="1" spcCol="0" rtlCol="0" fromWordArt="0" anchor="b" anchorCtr="0" forceAA="0" compatLnSpc="1">
-            <a:prstTxWarp prst="textNoShape">
-              <a:avLst/>
-            </a:prstTxWarp>
-            <a:noAutofit/>
-          </a:bodyPr>
-          <a:lstStyle/>
-          <a:p>
-            <a:pPr marL="120650" defTabSz="914099" fontAlgn="base">
-              <a:spcBef>
-                <a:spcPct val="0"/>
-              </a:spcBef>
-              <a:spcAft>
-                <a:spcPct val="0"/>
-              </a:spcAft>
-            </a:pPr>
-            <a:r>
-              <a:rPr lang="en-US" sz="2000" dirty="0">
-                <a:solidFill>
-                  <a:schemeClr val="bg1"/>
-                </a:solidFill>
-                <a:latin typeface="Effra" panose="020B0506080202020204" pitchFamily="34" charset="0"/>
-                <a:ea typeface="Segoe UI" pitchFamily="34" charset="0"/>
-                <a:cs typeface="Segoe Pro Light"/>
-              </a:rPr>
-              <a:t>Performance and Stability</a:t>
-            </a:r>
-          </a:p>
-        </p:txBody>
-      </p:sp>
-      <p:sp>
-        <p:nvSpPr>
-          <p:cNvPr id="9" name="Rectangle 8"/>
-          <p:cNvSpPr/>
-          <p:nvPr/>
-        </p:nvSpPr>
-        <p:spPr bwMode="auto">
-          <a:xfrm>
-            <a:off x="3998690" y="2919840"/>
-            <a:ext cx="1937657" cy="2453127"/>
-          </a:xfrm>
-          <a:prstGeom prst="rect">
-            <a:avLst/>
-          </a:prstGeom>
-          <a:solidFill>
-            <a:schemeClr val="tx1">
-              <a:lumMod val="65000"/>
-              <a:lumOff val="35000"/>
-            </a:schemeClr>
-          </a:solidFill>
-          <a:ln>
-            <a:solidFill>
-              <a:srgbClr val="172952"/>
-            </a:solidFill>
-            <a:headEnd type="none" w="med" len="med"/>
-            <a:tailEnd type="none" w="med" len="med"/>
-          </a:ln>
-          <a:effectLst/>
-        </p:spPr>
-        <p:style>
-          <a:lnRef idx="1">
-            <a:schemeClr val="accent2"/>
-          </a:lnRef>
-          <a:fillRef idx="3">
-            <a:schemeClr val="accent2"/>
-          </a:fillRef>
-          <a:effectRef idx="2">
-            <a:schemeClr val="accent2"/>
-          </a:effectRef>
-          <a:fontRef idx="minor">
-            <a:schemeClr val="lt1"/>
-          </a:fontRef>
-        </p:style>
-        <p:txBody>
-          <a:bodyPr rot="0" spcFirstLastPara="0" vertOverflow="overflow" horzOverflow="overflow" vert="horz" wrap="square" lIns="45720" tIns="45720" rIns="45720" bIns="45720" numCol="1" spcCol="0" rtlCol="0" fromWordArt="0" anchor="b" anchorCtr="0" forceAA="0" compatLnSpc="1">
-            <a:prstTxWarp prst="textNoShape">
-              <a:avLst/>
-            </a:prstTxWarp>
-            <a:noAutofit/>
-          </a:bodyPr>
-          <a:lstStyle/>
-          <a:p>
-            <a:pPr marL="120650" defTabSz="914099" fontAlgn="base">
-              <a:spcBef>
-                <a:spcPct val="0"/>
-              </a:spcBef>
-              <a:spcAft>
-                <a:spcPct val="0"/>
-              </a:spcAft>
-            </a:pPr>
-            <a:r>
-              <a:rPr lang="en-US" sz="2000" dirty="0">
-                <a:solidFill>
-                  <a:schemeClr val="bg1"/>
-                </a:solidFill>
-                <a:latin typeface="Effra" panose="020B0506080202020204" pitchFamily="34" charset="0"/>
-                <a:ea typeface="Segoe UI" pitchFamily="34" charset="0"/>
-                <a:cs typeface="Segoe Pro Light"/>
-              </a:rPr>
-              <a:t>Lifecycle Management</a:t>
-            </a:r>
-          </a:p>
-        </p:txBody>
-      </p:sp>
-      <p:sp>
-        <p:nvSpPr>
-          <p:cNvPr id="11" name="Rectangle 10"/>
-          <p:cNvSpPr/>
-          <p:nvPr/>
-        </p:nvSpPr>
-        <p:spPr bwMode="auto">
-          <a:xfrm>
-            <a:off x="8432804" y="2919838"/>
-            <a:ext cx="1937657" cy="2453127"/>
-          </a:xfrm>
-          <a:prstGeom prst="rect">
-            <a:avLst/>
-          </a:prstGeom>
-          <a:solidFill>
-            <a:schemeClr val="tx1">
-              <a:lumMod val="65000"/>
-              <a:lumOff val="35000"/>
-            </a:schemeClr>
-          </a:solidFill>
-          <a:ln>
-            <a:solidFill>
-              <a:srgbClr val="172952"/>
-            </a:solidFill>
-            <a:headEnd type="none" w="med" len="med"/>
-            <a:tailEnd type="none" w="med" len="med"/>
-          </a:ln>
-          <a:effectLst/>
-        </p:spPr>
-        <p:style>
-          <a:lnRef idx="1">
-            <a:schemeClr val="accent2"/>
-          </a:lnRef>
-          <a:fillRef idx="3">
-            <a:schemeClr val="accent2"/>
-          </a:fillRef>
-          <a:effectRef idx="2">
-            <a:schemeClr val="accent2"/>
-          </a:effectRef>
-          <a:fontRef idx="minor">
-            <a:schemeClr val="lt1"/>
-          </a:fontRef>
-        </p:style>
-        <p:txBody>
-          <a:bodyPr rot="0" spcFirstLastPara="0" vertOverflow="overflow" horzOverflow="overflow" vert="horz" wrap="square" lIns="45720" tIns="45720" rIns="45720" bIns="45720" numCol="1" spcCol="0" rtlCol="0" fromWordArt="0" anchor="b" anchorCtr="0" forceAA="0" compatLnSpc="1">
-            <a:prstTxWarp prst="textNoShape">
-              <a:avLst/>
-            </a:prstTxWarp>
-            <a:noAutofit/>
-          </a:bodyPr>
-          <a:lstStyle/>
-          <a:p>
-            <a:pPr marL="120650" defTabSz="914099" fontAlgn="base">
-              <a:spcBef>
-                <a:spcPct val="0"/>
-              </a:spcBef>
-              <a:spcAft>
-                <a:spcPct val="0"/>
-              </a:spcAft>
-            </a:pPr>
-            <a:r>
-              <a:rPr lang="en-US" sz="2000" dirty="0">
-                <a:solidFill>
-                  <a:schemeClr val="bg1"/>
-                </a:solidFill>
-                <a:latin typeface="Effra" panose="020B0506080202020204" pitchFamily="34" charset="0"/>
-                <a:ea typeface="Segoe UI" pitchFamily="34" charset="0"/>
-                <a:cs typeface="Segoe Pro Light"/>
-              </a:rPr>
-              <a:t>Resources</a:t>
-            </a:r>
-          </a:p>
-        </p:txBody>
-      </p:sp>
-      <p:pic>
-        <p:nvPicPr>
-          <p:cNvPr id="12" name="Picture 4" descr="\\MAGNUM\Projects\Microsoft\Cloud Power FY12\Design\ICONS_PNG\IIS-MULTI-TENANCY.png"/>
-          <p:cNvPicPr>
-            <a:picLocks noChangeAspect="1" noChangeArrowheads="1"/>
-          </p:cNvPicPr>
-          <p:nvPr/>
-        </p:nvPicPr>
-        <p:blipFill>
-          <a:blip r:embed="rId3" cstate="print">
-            <a:biLevel thresh="25000"/>
-          </a:blip>
-          <a:stretch>
-            <a:fillRect/>
-          </a:stretch>
-        </p:blipFill>
-        <p:spPr bwMode="auto">
-          <a:xfrm>
-            <a:off x="4122455" y="2917015"/>
-            <a:ext cx="1673223" cy="1673223"/>
-          </a:xfrm>
-          <a:prstGeom prst="rect">
-            <a:avLst/>
-          </a:prstGeom>
-          <a:noFill/>
-          <a:ln>
-            <a:noFill/>
-          </a:ln>
-        </p:spPr>
-      </p:pic>
-      <p:sp>
-        <p:nvSpPr>
-          <p:cNvPr id="13" name="Cloud 12"/>
-          <p:cNvSpPr/>
-          <p:nvPr/>
-        </p:nvSpPr>
-        <p:spPr>
-          <a:xfrm>
-            <a:off x="6482277" y="3269082"/>
-            <a:ext cx="1404594" cy="1140643"/>
-          </a:xfrm>
-          <a:prstGeom prst="cloud">
-            <a:avLst/>
-          </a:prstGeom>
-          <a:solidFill>
-            <a:schemeClr val="bg1"/>
-          </a:solidFill>
-          <a:ln w="38100">
-            <a:solidFill>
-              <a:schemeClr val="bg1"/>
-            </a:solidFill>
-          </a:ln>
-        </p:spPr>
-        <p:style>
-          <a:lnRef idx="1">
-            <a:schemeClr val="accent1"/>
-          </a:lnRef>
-          <a:fillRef idx="3">
-            <a:schemeClr val="accent1"/>
-          </a:fillRef>
-          <a:effectRef idx="2">
-            <a:schemeClr val="accent1"/>
-          </a:effectRef>
-          <a:fontRef idx="minor">
-            <a:schemeClr val="lt1"/>
-          </a:fontRef>
-        </p:style>
-        <p:txBody>
-          <a:bodyPr rtlCol="0" anchor="ctr"/>
-          <a:lstStyle/>
-          <a:p>
-            <a:pPr algn="ctr"/>
-            <a:endParaRPr lang="en-US" dirty="0"/>
-          </a:p>
-        </p:txBody>
-      </p:sp>
-      <p:sp>
-        <p:nvSpPr>
-          <p:cNvPr id="14" name="Lightning Bolt 13"/>
-          <p:cNvSpPr/>
-          <p:nvPr/>
-        </p:nvSpPr>
-        <p:spPr>
-          <a:xfrm>
-            <a:off x="2105970" y="3269081"/>
-            <a:ext cx="1121790" cy="989814"/>
-          </a:xfrm>
-          <a:prstGeom prst="lightningBolt">
-            <a:avLst/>
-          </a:prstGeom>
-          <a:solidFill>
-            <a:schemeClr val="bg1"/>
-          </a:solidFill>
-          <a:ln w="38100">
-            <a:solidFill>
-              <a:schemeClr val="bg1"/>
-            </a:solidFill>
-          </a:ln>
-        </p:spPr>
-        <p:style>
-          <a:lnRef idx="1">
-            <a:schemeClr val="accent1"/>
-          </a:lnRef>
-          <a:fillRef idx="3">
-            <a:schemeClr val="accent1"/>
-          </a:fillRef>
-          <a:effectRef idx="2">
-            <a:schemeClr val="accent1"/>
-          </a:effectRef>
-          <a:fontRef idx="minor">
-            <a:schemeClr val="lt1"/>
-          </a:fontRef>
-        </p:style>
-        <p:txBody>
-          <a:bodyPr rtlCol="0" anchor="ctr"/>
-          <a:lstStyle/>
-          <a:p>
-            <a:pPr algn="ctr"/>
-            <a:endParaRPr lang="en-US" dirty="0"/>
-          </a:p>
-        </p:txBody>
-      </p:sp>
-      <p:sp>
-        <p:nvSpPr>
-          <p:cNvPr id="15" name="Freeform 741"/>
-          <p:cNvSpPr>
-            <a:spLocks/>
-          </p:cNvSpPr>
-          <p:nvPr/>
-        </p:nvSpPr>
-        <p:spPr bwMode="auto">
-          <a:xfrm>
-            <a:off x="8906457" y="3638174"/>
-            <a:ext cx="371046" cy="806232"/>
-          </a:xfrm>
-          <a:custGeom>
-            <a:avLst/>
-            <a:gdLst>
-              <a:gd name="T0" fmla="*/ 73 w 90"/>
-              <a:gd name="T1" fmla="*/ 0 h 181"/>
-              <a:gd name="T2" fmla="*/ 17 w 90"/>
-              <a:gd name="T3" fmla="*/ 0 h 181"/>
-              <a:gd name="T4" fmla="*/ 0 w 90"/>
-              <a:gd name="T5" fmla="*/ 17 h 181"/>
-              <a:gd name="T6" fmla="*/ 0 w 90"/>
-              <a:gd name="T7" fmla="*/ 93 h 181"/>
-              <a:gd name="T8" fmla="*/ 17 w 90"/>
-              <a:gd name="T9" fmla="*/ 110 h 181"/>
-              <a:gd name="T10" fmla="*/ 17 w 90"/>
-              <a:gd name="T11" fmla="*/ 110 h 181"/>
-              <a:gd name="T12" fmla="*/ 17 w 90"/>
-              <a:gd name="T13" fmla="*/ 164 h 181"/>
-              <a:gd name="T14" fmla="*/ 33 w 90"/>
-              <a:gd name="T15" fmla="*/ 181 h 181"/>
-              <a:gd name="T16" fmla="*/ 57 w 90"/>
-              <a:gd name="T17" fmla="*/ 181 h 181"/>
-              <a:gd name="T18" fmla="*/ 73 w 90"/>
-              <a:gd name="T19" fmla="*/ 164 h 181"/>
-              <a:gd name="T20" fmla="*/ 73 w 90"/>
-              <a:gd name="T21" fmla="*/ 110 h 181"/>
-              <a:gd name="T22" fmla="*/ 73 w 90"/>
-              <a:gd name="T23" fmla="*/ 110 h 181"/>
-              <a:gd name="T24" fmla="*/ 90 w 90"/>
-              <a:gd name="T25" fmla="*/ 93 h 181"/>
-              <a:gd name="T26" fmla="*/ 90 w 90"/>
-              <a:gd name="T27" fmla="*/ 17 h 181"/>
-              <a:gd name="T28" fmla="*/ 73 w 90"/>
-              <a:gd name="T29" fmla="*/ 0 h 181"/>
-              <a:gd name="connsiteX0" fmla="*/ 8111 w 10000"/>
-              <a:gd name="connsiteY0" fmla="*/ 0 h 10000"/>
-              <a:gd name="connsiteX1" fmla="*/ 1889 w 10000"/>
-              <a:gd name="connsiteY1" fmla="*/ 0 h 10000"/>
-              <a:gd name="connsiteX2" fmla="*/ 0 w 10000"/>
-              <a:gd name="connsiteY2" fmla="*/ 939 h 10000"/>
-              <a:gd name="connsiteX3" fmla="*/ 0 w 10000"/>
-              <a:gd name="connsiteY3" fmla="*/ 5138 h 10000"/>
-              <a:gd name="connsiteX4" fmla="*/ 1889 w 10000"/>
-              <a:gd name="connsiteY4" fmla="*/ 6077 h 10000"/>
-              <a:gd name="connsiteX5" fmla="*/ 1889 w 10000"/>
-              <a:gd name="connsiteY5" fmla="*/ 6077 h 10000"/>
-              <a:gd name="connsiteX6" fmla="*/ 1889 w 10000"/>
-              <a:gd name="connsiteY6" fmla="*/ 9061 h 10000"/>
-              <a:gd name="connsiteX7" fmla="*/ 3667 w 10000"/>
-              <a:gd name="connsiteY7" fmla="*/ 10000 h 10000"/>
-              <a:gd name="connsiteX8" fmla="*/ 6333 w 10000"/>
-              <a:gd name="connsiteY8" fmla="*/ 10000 h 10000"/>
-              <a:gd name="connsiteX9" fmla="*/ 8111 w 10000"/>
-              <a:gd name="connsiteY9" fmla="*/ 9061 h 10000"/>
-              <a:gd name="connsiteX10" fmla="*/ 8111 w 10000"/>
-              <a:gd name="connsiteY10" fmla="*/ 6077 h 10000"/>
-              <a:gd name="connsiteX11" fmla="*/ 8111 w 10000"/>
-              <a:gd name="connsiteY11" fmla="*/ 6077 h 10000"/>
-              <a:gd name="connsiteX12" fmla="*/ 10000 w 10000"/>
-              <a:gd name="connsiteY12" fmla="*/ 5138 h 10000"/>
-              <a:gd name="connsiteX13" fmla="*/ 8253 w 10000"/>
-              <a:gd name="connsiteY13" fmla="*/ 1991 h 10000"/>
-              <a:gd name="connsiteX14" fmla="*/ 8111 w 10000"/>
-              <a:gd name="connsiteY14" fmla="*/ 0 h 10000"/>
-              <a:gd name="connsiteX0" fmla="*/ 8111 w 8595"/>
-              <a:gd name="connsiteY0" fmla="*/ 0 h 10000"/>
-              <a:gd name="connsiteX1" fmla="*/ 1889 w 8595"/>
-              <a:gd name="connsiteY1" fmla="*/ 0 h 10000"/>
-              <a:gd name="connsiteX2" fmla="*/ 0 w 8595"/>
-              <a:gd name="connsiteY2" fmla="*/ 939 h 10000"/>
-              <a:gd name="connsiteX3" fmla="*/ 0 w 8595"/>
-              <a:gd name="connsiteY3" fmla="*/ 5138 h 10000"/>
-              <a:gd name="connsiteX4" fmla="*/ 1889 w 8595"/>
-              <a:gd name="connsiteY4" fmla="*/ 6077 h 10000"/>
-              <a:gd name="connsiteX5" fmla="*/ 1889 w 8595"/>
-              <a:gd name="connsiteY5" fmla="*/ 6077 h 10000"/>
-              <a:gd name="connsiteX6" fmla="*/ 1889 w 8595"/>
-              <a:gd name="connsiteY6" fmla="*/ 9061 h 10000"/>
-              <a:gd name="connsiteX7" fmla="*/ 3667 w 8595"/>
-              <a:gd name="connsiteY7" fmla="*/ 10000 h 10000"/>
-              <a:gd name="connsiteX8" fmla="*/ 6333 w 8595"/>
-              <a:gd name="connsiteY8" fmla="*/ 10000 h 10000"/>
-              <a:gd name="connsiteX9" fmla="*/ 8111 w 8595"/>
-              <a:gd name="connsiteY9" fmla="*/ 9061 h 10000"/>
-              <a:gd name="connsiteX10" fmla="*/ 8111 w 8595"/>
-              <a:gd name="connsiteY10" fmla="*/ 6077 h 10000"/>
-              <a:gd name="connsiteX11" fmla="*/ 8111 w 8595"/>
-              <a:gd name="connsiteY11" fmla="*/ 6077 h 10000"/>
-              <a:gd name="connsiteX12" fmla="*/ 8253 w 8595"/>
-              <a:gd name="connsiteY12" fmla="*/ 5138 h 10000"/>
-              <a:gd name="connsiteX13" fmla="*/ 8253 w 8595"/>
-              <a:gd name="connsiteY13" fmla="*/ 1991 h 10000"/>
-              <a:gd name="connsiteX14" fmla="*/ 8111 w 8595"/>
-              <a:gd name="connsiteY14" fmla="*/ 0 h 10000"/>
-            </a:gdLst>
-            <a:ahLst/>
-            <a:cxnLst>
-              <a:cxn ang="0">
-                <a:pos x="connsiteX0" y="connsiteY0"/>
-              </a:cxn>
-              <a:cxn ang="0">
-                <a:pos x="connsiteX1" y="connsiteY1"/>
-              </a:cxn>
-              <a:cxn ang="0">
-                <a:pos x="connsiteX2" y="connsiteY2"/>
-              </a:cxn>
-              <a:cxn ang="0">
-                <a:pos x="connsiteX3" y="connsiteY3"/>
-              </a:cxn>
-              <a:cxn ang="0">
-                <a:pos x="connsiteX4" y="connsiteY4"/>
-              </a:cxn>
-              <a:cxn ang="0">
-                <a:pos x="connsiteX5" y="connsiteY5"/>
-              </a:cxn>
-              <a:cxn ang="0">
-                <a:pos x="connsiteX6" y="connsiteY6"/>
-              </a:cxn>
-              <a:cxn ang="0">
-                <a:pos x="connsiteX7" y="connsiteY7"/>
-              </a:cxn>
-              <a:cxn ang="0">
-                <a:pos x="connsiteX8" y="connsiteY8"/>
-              </a:cxn>
-              <a:cxn ang="0">
-                <a:pos x="connsiteX9" y="connsiteY9"/>
-              </a:cxn>
-              <a:cxn ang="0">
-                <a:pos x="connsiteX10" y="connsiteY10"/>
-              </a:cxn>
-              <a:cxn ang="0">
-                <a:pos x="connsiteX11" y="connsiteY11"/>
-              </a:cxn>
-              <a:cxn ang="0">
-                <a:pos x="connsiteX12" y="connsiteY12"/>
-              </a:cxn>
-              <a:cxn ang="0">
-                <a:pos x="connsiteX13" y="connsiteY13"/>
-              </a:cxn>
-              <a:cxn ang="0">
-                <a:pos x="connsiteX14" y="connsiteY14"/>
-              </a:cxn>
-            </a:cxnLst>
-            <a:rect l="l" t="t" r="r" b="b"/>
-            <a:pathLst>
-              <a:path w="8595" h="10000">
-                <a:moveTo>
-                  <a:pt x="8111" y="0"/>
-                </a:moveTo>
-                <a:lnTo>
-                  <a:pt x="1889" y="0"/>
-                </a:lnTo>
-                <a:cubicBezTo>
-                  <a:pt x="889" y="0"/>
-                  <a:pt x="0" y="442"/>
-                  <a:pt x="0" y="939"/>
-                </a:cubicBezTo>
-                <a:lnTo>
-                  <a:pt x="0" y="5138"/>
-                </a:lnTo>
-                <a:cubicBezTo>
-                  <a:pt x="0" y="5635"/>
-                  <a:pt x="889" y="6077"/>
-                  <a:pt x="1889" y="6077"/>
-                </a:cubicBezTo>
-                <a:lnTo>
-                  <a:pt x="1889" y="6077"/>
-                </a:lnTo>
-                <a:lnTo>
-                  <a:pt x="1889" y="9061"/>
-                </a:lnTo>
-                <a:cubicBezTo>
-                  <a:pt x="1889" y="9558"/>
-                  <a:pt x="2667" y="10000"/>
-                  <a:pt x="3667" y="10000"/>
-                </a:cubicBezTo>
-                <a:lnTo>
-                  <a:pt x="6333" y="10000"/>
-                </a:lnTo>
-                <a:cubicBezTo>
-                  <a:pt x="7333" y="10000"/>
-                  <a:pt x="8111" y="9558"/>
-                  <a:pt x="8111" y="9061"/>
-                </a:cubicBezTo>
-                <a:lnTo>
-                  <a:pt x="8111" y="6077"/>
-                </a:lnTo>
-                <a:lnTo>
-                  <a:pt x="8111" y="6077"/>
-                </a:lnTo>
-                <a:cubicBezTo>
-                  <a:pt x="8135" y="5921"/>
-                  <a:pt x="8253" y="5635"/>
-                  <a:pt x="8253" y="5138"/>
-                </a:cubicBezTo>
-                <a:lnTo>
-                  <a:pt x="8253" y="1991"/>
-                </a:lnTo>
-                <a:cubicBezTo>
-                  <a:pt x="8253" y="1494"/>
-                  <a:pt x="9111" y="0"/>
-                  <a:pt x="8111" y="0"/>
-                </a:cubicBezTo>
-                <a:close/>
-              </a:path>
-            </a:pathLst>
-          </a:custGeom>
-          <a:solidFill>
-            <a:srgbClr val="FFFFFF"/>
-          </a:solidFill>
-          <a:ln>
-            <a:noFill/>
-          </a:ln>
-          <a:extLst>
-            <a:ext uri="{91240B29-F687-4f45-9708-019B960494DF}">
-              <a14:hiddenLine xmlns:a14="http://schemas.microsoft.com/office/drawing/2010/main" xmlns="" w="9525">
-                <a:solidFill>
-                  <a:srgbClr val="000000"/>
-                </a:solidFill>
-                <a:round/>
-                <a:headEnd/>
-                <a:tailEnd/>
-              </a14:hiddenLine>
-            </a:ext>
-          </a:extLst>
-        </p:spPr>
-        <p:txBody>
-          <a:bodyPr vert="horz" wrap="square" lIns="91440" tIns="45720" rIns="91440" bIns="45720" numCol="1" anchor="t" anchorCtr="0" compatLnSpc="1">
-            <a:prstTxWarp prst="textNoShape">
-              <a:avLst/>
-            </a:prstTxWarp>
-          </a:bodyPr>
-          <a:lstStyle/>
-          <a:p>
-            <a:pPr defTabSz="1218159">
-              <a:defRPr/>
-            </a:pPr>
-            <a:endParaRPr lang="en-US" sz="2400" kern="0" dirty="0">
-              <a:solidFill>
-                <a:srgbClr val="000000"/>
-              </a:solidFill>
-            </a:endParaRPr>
-          </a:p>
-        </p:txBody>
-      </p:sp>
-      <p:sp>
-        <p:nvSpPr>
-          <p:cNvPr id="16" name="Oval 742"/>
-          <p:cNvSpPr>
-            <a:spLocks noChangeArrowheads="1"/>
-          </p:cNvSpPr>
-          <p:nvPr/>
-        </p:nvSpPr>
-        <p:spPr bwMode="auto">
-          <a:xfrm>
-            <a:off x="8990518" y="3373836"/>
-            <a:ext cx="239358" cy="241681"/>
-          </a:xfrm>
-          <a:prstGeom prst="ellipse">
-            <a:avLst/>
-          </a:prstGeom>
-          <a:solidFill>
-            <a:srgbClr val="FFFFFF"/>
-          </a:solidFill>
-          <a:ln>
-            <a:noFill/>
-          </a:ln>
-          <a:extLst>
-            <a:ext uri="{91240B29-F687-4f45-9708-019B960494DF}">
-              <a14:hiddenLine xmlns:a14="http://schemas.microsoft.com/office/drawing/2010/main" xmlns="" w="9525">
-                <a:solidFill>
-                  <a:srgbClr val="000000"/>
-                </a:solidFill>
-                <a:round/>
-                <a:headEnd/>
-                <a:tailEnd/>
-              </a14:hiddenLine>
-            </a:ext>
-          </a:extLst>
-        </p:spPr>
-        <p:txBody>
-          <a:bodyPr vert="horz" wrap="square" lIns="91440" tIns="45720" rIns="91440" bIns="45720" numCol="1" anchor="t" anchorCtr="0" compatLnSpc="1">
-            <a:prstTxWarp prst="textNoShape">
-              <a:avLst/>
-            </a:prstTxWarp>
-          </a:bodyPr>
-          <a:lstStyle/>
-          <a:p>
-            <a:pPr defTabSz="1218159">
-              <a:defRPr/>
-            </a:pPr>
-            <a:endParaRPr lang="en-US" sz="2400" kern="0" dirty="0">
-              <a:solidFill>
-                <a:srgbClr val="000000"/>
-              </a:solidFill>
-            </a:endParaRPr>
-          </a:p>
-        </p:txBody>
-      </p:sp>
-      <p:sp>
-        <p:nvSpPr>
-          <p:cNvPr id="17" name="Diagonal Stripe 16"/>
-          <p:cNvSpPr/>
-          <p:nvPr/>
-        </p:nvSpPr>
-        <p:spPr>
-          <a:xfrm rot="5400000" flipV="1">
-            <a:off x="9256405" y="3515293"/>
-            <a:ext cx="245219" cy="267350"/>
-          </a:xfrm>
-          <a:prstGeom prst="diagStripe">
-            <a:avLst/>
-          </a:prstGeom>
-          <a:solidFill>
-            <a:schemeClr val="bg1"/>
-          </a:solidFill>
-          <a:ln>
-            <a:solidFill>
-              <a:schemeClr val="bg1"/>
-            </a:solidFill>
-          </a:ln>
-          <a:effectLst/>
-        </p:spPr>
-        <p:style>
-          <a:lnRef idx="1">
-            <a:schemeClr val="accent1"/>
-          </a:lnRef>
-          <a:fillRef idx="3">
-            <a:schemeClr val="accent1"/>
-          </a:fillRef>
-          <a:effectRef idx="2">
-            <a:schemeClr val="accent1"/>
-          </a:effectRef>
-          <a:fontRef idx="minor">
-            <a:schemeClr val="lt1"/>
-          </a:fontRef>
-        </p:style>
-        <p:txBody>
-          <a:bodyPr rtlCol="0" anchor="ctr"/>
-          <a:lstStyle/>
-          <a:p>
-            <a:pPr algn="ctr"/>
-            <a:endParaRPr lang="en-US" dirty="0">
-              <a:solidFill>
-                <a:schemeClr val="tx1"/>
-              </a:solidFill>
-            </a:endParaRPr>
-          </a:p>
-        </p:txBody>
-      </p:sp>
-      <p:sp>
-        <p:nvSpPr>
-          <p:cNvPr id="18" name="Flowchart: Predefined Process 17"/>
-          <p:cNvSpPr/>
-          <p:nvPr/>
-        </p:nvSpPr>
-        <p:spPr>
-          <a:xfrm>
-            <a:off x="9568863" y="3180750"/>
-            <a:ext cx="546173" cy="382589"/>
-          </a:xfrm>
-          <a:prstGeom prst="flowChartPredefinedProcess">
-            <a:avLst/>
-          </a:prstGeom>
-          <a:solidFill>
-            <a:schemeClr val="bg1"/>
-          </a:solidFill>
-          <a:ln>
-            <a:solidFill>
-              <a:schemeClr val="bg1"/>
-            </a:solidFill>
-          </a:ln>
-        </p:spPr>
-        <p:style>
-          <a:lnRef idx="1">
-            <a:schemeClr val="accent1"/>
-          </a:lnRef>
-          <a:fillRef idx="3">
-            <a:schemeClr val="accent1"/>
-          </a:fillRef>
-          <a:effectRef idx="2">
-            <a:schemeClr val="accent1"/>
-          </a:effectRef>
-          <a:fontRef idx="minor">
-            <a:schemeClr val="lt1"/>
-          </a:fontRef>
-        </p:style>
-        <p:txBody>
-          <a:bodyPr rtlCol="0" anchor="ctr"/>
-          <a:lstStyle/>
-          <a:p>
-            <a:pPr algn="ctr"/>
-            <a:endParaRPr lang="en-US" dirty="0">
-              <a:noFill/>
-            </a:endParaRPr>
-          </a:p>
-        </p:txBody>
-      </p:sp>
-      <p:sp>
-        <p:nvSpPr>
-          <p:cNvPr id="3" name="Title 2"/>
+          <p:cNvPr id="2" name="Title 1"/>
           <p:cNvSpPr>
             <a:spLocks noGrp="1"/>
           </p:cNvSpPr>
@@ -27586,32 +27062,169 @@
           <a:p>
             <a:r>
               <a:rPr lang="en-US" dirty="0" smtClean="0"/>
-              <a:t>"Traditional" SharePoint </a:t>
+              <a:t>Single Page Applications</a:t>
+            </a:r>
+            <a:endParaRPr lang="en-US" dirty="0"/>
+          </a:p>
+        </p:txBody>
+      </p:sp>
+      <p:sp>
+        <p:nvSpPr>
+          <p:cNvPr id="3" name="Content Placeholder 2"/>
+          <p:cNvSpPr>
+            <a:spLocks noGrp="1"/>
+          </p:cNvSpPr>
+          <p:nvPr>
+            <p:ph sz="quarter" idx="13"/>
+          </p:nvPr>
+        </p:nvSpPr>
+        <p:spPr>
+          <a:xfrm>
+            <a:off x="838200" y="1825624"/>
+            <a:ext cx="10515600" cy="4651375"/>
+          </a:xfrm>
+        </p:spPr>
+        <p:txBody>
+          <a:bodyPr>
+            <a:normAutofit fontScale="92500" lnSpcReduction="20000"/>
+          </a:bodyPr>
+          <a:lstStyle/>
+          <a:p>
+            <a:r>
+              <a:rPr lang="en-US" dirty="0" smtClean="0"/>
+              <a:t>Goal: </a:t>
+            </a:r>
+          </a:p>
+          <a:p>
+            <a:pPr lvl="1"/>
+            <a:r>
+              <a:rPr lang="en-US" dirty="0" smtClean="0"/>
+              <a:t>Provide a desktop-like rich user experience</a:t>
+            </a:r>
+          </a:p>
+          <a:p>
+            <a:r>
+              <a:rPr lang="en-US" dirty="0" smtClean="0"/>
+              <a:t>Attributes:</a:t>
+            </a:r>
+          </a:p>
+          <a:p>
+            <a:pPr lvl="1"/>
+            <a:r>
+              <a:rPr lang="en-US" dirty="0" smtClean="0"/>
+              <a:t>Entire site content loads within a single HTML page</a:t>
+            </a:r>
+          </a:p>
+          <a:p>
+            <a:pPr lvl="1"/>
+            <a:r>
+              <a:rPr lang="en-US" dirty="0" smtClean="0"/>
+              <a:t>Only areas of the site will reload based on user </a:t>
             </a:r>
             <a:r>
               <a:rPr lang="en-US" dirty="0"/>
-              <a:t>Development Challenges</a:t>
-            </a:r>
+              <a:t>actions. No URL change except for </a:t>
+            </a:r>
+            <a:r>
+              <a:rPr lang="en-US" dirty="0" smtClean="0"/>
+              <a:t>hash (#).</a:t>
+            </a:r>
+          </a:p>
+          <a:p>
+            <a:pPr lvl="1"/>
+            <a:r>
+              <a:rPr lang="en-US" dirty="0" smtClean="0"/>
+              <a:t>State maintained on client</a:t>
+            </a:r>
+          </a:p>
+          <a:p>
+            <a:pPr lvl="1"/>
+            <a:r>
+              <a:rPr lang="en-US" dirty="0" smtClean="0"/>
+              <a:t>Presentation layer can be completely decoupled from backend layer</a:t>
+            </a:r>
+          </a:p>
+          <a:p>
+            <a:pPr lvl="1"/>
+            <a:r>
+              <a:rPr lang="en-US" dirty="0"/>
+              <a:t>Main technologies: HTML, CSS, JavaScript, AJAX, web services (e.g. REST</a:t>
+            </a:r>
+            <a:r>
+              <a:rPr lang="en-US" dirty="0" smtClean="0"/>
+              <a:t>)</a:t>
+            </a:r>
+          </a:p>
+          <a:p>
+            <a:r>
+              <a:rPr lang="en-US" dirty="0" smtClean="0"/>
+              <a:t>Benefits:</a:t>
+            </a:r>
+          </a:p>
+          <a:p>
+            <a:pPr lvl="1"/>
+            <a:r>
+              <a:rPr lang="en-US" dirty="0" smtClean="0"/>
+              <a:t>Performance</a:t>
+            </a:r>
+          </a:p>
+          <a:p>
+            <a:pPr lvl="1"/>
+            <a:r>
+              <a:rPr lang="en-US" dirty="0" smtClean="0"/>
+              <a:t>Maintainability (if you leverage a framework or you are a JavaScript </a:t>
+            </a:r>
+            <a:r>
+              <a:rPr lang="en-US" dirty="0" smtClean="0"/>
+              <a:t>ninja </a:t>
+            </a:r>
+            <a:r>
+              <a:rPr lang="en-US" dirty="0"/>
+              <a:t>d</a:t>
+            </a:r>
+            <a:r>
+              <a:rPr lang="en-US" dirty="0" smtClean="0"/>
+              <a:t>eveloper</a:t>
+            </a:r>
+            <a:r>
+              <a:rPr lang="en-US" dirty="0" smtClean="0"/>
+              <a:t>)</a:t>
+            </a:r>
+          </a:p>
+          <a:p>
+            <a:pPr lvl="1"/>
+            <a:r>
+              <a:rPr lang="en-US" dirty="0" smtClean="0"/>
+              <a:t>Code reuse</a:t>
+            </a:r>
+          </a:p>
+          <a:p>
+            <a:pPr lvl="1"/>
+            <a:r>
+              <a:rPr lang="en-US" dirty="0" smtClean="0"/>
+              <a:t>Quick Deployments</a:t>
+            </a:r>
+            <a:endParaRPr lang="en-US" dirty="0"/>
           </a:p>
         </p:txBody>
       </p:sp>
     </p:spTree>
     <p:extLst>
       <p:ext uri="{BB962C8B-B14F-4D97-AF65-F5344CB8AC3E}">
-        <p14:creationId xmlns:p14="http://schemas.microsoft.com/office/powerpoint/2010/main" val="2431136240"/>
+        <p14:creationId xmlns:p14="http://schemas.microsoft.com/office/powerpoint/2010/main" val="2121047121"/>
       </p:ext>
     </p:extLst>
   </p:cSld>
   <p:clrMapOvr>
     <a:masterClrMapping/>
   </p:clrMapOvr>
-  <mc:AlternateContent xmlns:mc="http://schemas.openxmlformats.org/markup-compatibility/2006">
-    <mc:Choice xmlns:p14="http://schemas.microsoft.com/office/powerpoint/2010/main" Requires="p14">
+  <mc:AlternateContent xmlns:mc="http://schemas.openxmlformats.org/markup-compatibility/2006" xmlns:p14="http://schemas.microsoft.com/office/powerpoint/2010/main">
+    <mc:Choice Requires="p14">
       <p:transition spd="med" p14:dur="700">
         <p:fade/>
       </p:transition>
     </mc:Choice>
-    <mc:Fallback>
+    <mc:Fallback xmlns="">
       <p:transition spd="med">
         <p:fade/>
       </p:transition>
@@ -27620,9 +27233,492 @@
   <p:timing>
     <p:tnLst>
       <p:par>
-        <p:cTn id="1" dur="indefinite" restart="never" nodeType="tmRoot"/>
+        <p:cTn id="1" dur="indefinite" restart="never" nodeType="tmRoot">
+          <p:childTnLst>
+            <p:seq concurrent="1" nextAc="seek">
+              <p:cTn id="2" dur="indefinite" nodeType="mainSeq">
+                <p:childTnLst>
+                  <p:par>
+                    <p:cTn id="3" fill="hold">
+                      <p:stCondLst>
+                        <p:cond delay="indefinite"/>
+                      </p:stCondLst>
+                      <p:childTnLst>
+                        <p:par>
+                          <p:cTn id="4" fill="hold">
+                            <p:stCondLst>
+                              <p:cond delay="0"/>
+                            </p:stCondLst>
+                            <p:childTnLst>
+                              <p:par>
+                                <p:cTn id="5" presetID="1" presetClass="entr" presetSubtype="0" fill="hold" grpId="0" nodeType="clickEffect">
+                                  <p:stCondLst>
+                                    <p:cond delay="0"/>
+                                  </p:stCondLst>
+                                  <p:childTnLst>
+                                    <p:set>
+                                      <p:cBhvr>
+                                        <p:cTn id="6" dur="1" fill="hold">
+                                          <p:stCondLst>
+                                            <p:cond delay="0"/>
+                                          </p:stCondLst>
+                                        </p:cTn>
+                                        <p:tgtEl>
+                                          <p:spTgt spid="3">
+                                            <p:txEl>
+                                              <p:pRg st="0" end="0"/>
+                                            </p:txEl>
+                                          </p:spTgt>
+                                        </p:tgtEl>
+                                        <p:attrNameLst>
+                                          <p:attrName>style.visibility</p:attrName>
+                                        </p:attrNameLst>
+                                      </p:cBhvr>
+                                      <p:to>
+                                        <p:strVal val="visible"/>
+                                      </p:to>
+                                    </p:set>
+                                  </p:childTnLst>
+                                </p:cTn>
+                              </p:par>
+                              <p:par>
+                                <p:cTn id="7" presetID="1" presetClass="entr" presetSubtype="0" fill="hold" grpId="0" nodeType="withEffect">
+                                  <p:stCondLst>
+                                    <p:cond delay="0"/>
+                                  </p:stCondLst>
+                                  <p:childTnLst>
+                                    <p:set>
+                                      <p:cBhvr>
+                                        <p:cTn id="8" dur="1" fill="hold">
+                                          <p:stCondLst>
+                                            <p:cond delay="0"/>
+                                          </p:stCondLst>
+                                        </p:cTn>
+                                        <p:tgtEl>
+                                          <p:spTgt spid="3">
+                                            <p:txEl>
+                                              <p:pRg st="1" end="1"/>
+                                            </p:txEl>
+                                          </p:spTgt>
+                                        </p:tgtEl>
+                                        <p:attrNameLst>
+                                          <p:attrName>style.visibility</p:attrName>
+                                        </p:attrNameLst>
+                                      </p:cBhvr>
+                                      <p:to>
+                                        <p:strVal val="visible"/>
+                                      </p:to>
+                                    </p:set>
+                                  </p:childTnLst>
+                                </p:cTn>
+                              </p:par>
+                            </p:childTnLst>
+                          </p:cTn>
+                        </p:par>
+                      </p:childTnLst>
+                    </p:cTn>
+                  </p:par>
+                  <p:par>
+                    <p:cTn id="9" fill="hold">
+                      <p:stCondLst>
+                        <p:cond delay="indefinite"/>
+                      </p:stCondLst>
+                      <p:childTnLst>
+                        <p:par>
+                          <p:cTn id="10" fill="hold">
+                            <p:stCondLst>
+                              <p:cond delay="0"/>
+                            </p:stCondLst>
+                            <p:childTnLst>
+                              <p:par>
+                                <p:cTn id="11" presetID="1" presetClass="entr" presetSubtype="0" fill="hold" grpId="0" nodeType="clickEffect">
+                                  <p:stCondLst>
+                                    <p:cond delay="0"/>
+                                  </p:stCondLst>
+                                  <p:childTnLst>
+                                    <p:set>
+                                      <p:cBhvr>
+                                        <p:cTn id="12" dur="1" fill="hold">
+                                          <p:stCondLst>
+                                            <p:cond delay="0"/>
+                                          </p:stCondLst>
+                                        </p:cTn>
+                                        <p:tgtEl>
+                                          <p:spTgt spid="3">
+                                            <p:txEl>
+                                              <p:pRg st="2" end="2"/>
+                                            </p:txEl>
+                                          </p:spTgt>
+                                        </p:tgtEl>
+                                        <p:attrNameLst>
+                                          <p:attrName>style.visibility</p:attrName>
+                                        </p:attrNameLst>
+                                      </p:cBhvr>
+                                      <p:to>
+                                        <p:strVal val="visible"/>
+                                      </p:to>
+                                    </p:set>
+                                  </p:childTnLst>
+                                </p:cTn>
+                              </p:par>
+                              <p:par>
+                                <p:cTn id="13" presetID="1" presetClass="entr" presetSubtype="0" fill="hold" grpId="0" nodeType="withEffect">
+                                  <p:stCondLst>
+                                    <p:cond delay="0"/>
+                                  </p:stCondLst>
+                                  <p:childTnLst>
+                                    <p:set>
+                                      <p:cBhvr>
+                                        <p:cTn id="14" dur="1" fill="hold">
+                                          <p:stCondLst>
+                                            <p:cond delay="0"/>
+                                          </p:stCondLst>
+                                        </p:cTn>
+                                        <p:tgtEl>
+                                          <p:spTgt spid="3">
+                                            <p:txEl>
+                                              <p:pRg st="3" end="3"/>
+                                            </p:txEl>
+                                          </p:spTgt>
+                                        </p:tgtEl>
+                                        <p:attrNameLst>
+                                          <p:attrName>style.visibility</p:attrName>
+                                        </p:attrNameLst>
+                                      </p:cBhvr>
+                                      <p:to>
+                                        <p:strVal val="visible"/>
+                                      </p:to>
+                                    </p:set>
+                                  </p:childTnLst>
+                                </p:cTn>
+                              </p:par>
+                              <p:par>
+                                <p:cTn id="15" presetID="1" presetClass="entr" presetSubtype="0" fill="hold" grpId="0" nodeType="withEffect">
+                                  <p:stCondLst>
+                                    <p:cond delay="0"/>
+                                  </p:stCondLst>
+                                  <p:childTnLst>
+                                    <p:set>
+                                      <p:cBhvr>
+                                        <p:cTn id="16" dur="1" fill="hold">
+                                          <p:stCondLst>
+                                            <p:cond delay="0"/>
+                                          </p:stCondLst>
+                                        </p:cTn>
+                                        <p:tgtEl>
+                                          <p:spTgt spid="3">
+                                            <p:txEl>
+                                              <p:pRg st="4" end="4"/>
+                                            </p:txEl>
+                                          </p:spTgt>
+                                        </p:tgtEl>
+                                        <p:attrNameLst>
+                                          <p:attrName>style.visibility</p:attrName>
+                                        </p:attrNameLst>
+                                      </p:cBhvr>
+                                      <p:to>
+                                        <p:strVal val="visible"/>
+                                      </p:to>
+                                    </p:set>
+                                  </p:childTnLst>
+                                </p:cTn>
+                              </p:par>
+                              <p:par>
+                                <p:cTn id="17" presetID="1" presetClass="entr" presetSubtype="0" fill="hold" grpId="0" nodeType="withEffect">
+                                  <p:stCondLst>
+                                    <p:cond delay="0"/>
+                                  </p:stCondLst>
+                                  <p:childTnLst>
+                                    <p:set>
+                                      <p:cBhvr>
+                                        <p:cTn id="18" dur="1" fill="hold">
+                                          <p:stCondLst>
+                                            <p:cond delay="0"/>
+                                          </p:stCondLst>
+                                        </p:cTn>
+                                        <p:tgtEl>
+                                          <p:spTgt spid="3">
+                                            <p:txEl>
+                                              <p:pRg st="5" end="5"/>
+                                            </p:txEl>
+                                          </p:spTgt>
+                                        </p:tgtEl>
+                                        <p:attrNameLst>
+                                          <p:attrName>style.visibility</p:attrName>
+                                        </p:attrNameLst>
+                                      </p:cBhvr>
+                                      <p:to>
+                                        <p:strVal val="visible"/>
+                                      </p:to>
+                                    </p:set>
+                                  </p:childTnLst>
+                                </p:cTn>
+                              </p:par>
+                              <p:par>
+                                <p:cTn id="19" presetID="1" presetClass="entr" presetSubtype="0" fill="hold" grpId="0" nodeType="withEffect">
+                                  <p:stCondLst>
+                                    <p:cond delay="0"/>
+                                  </p:stCondLst>
+                                  <p:childTnLst>
+                                    <p:set>
+                                      <p:cBhvr>
+                                        <p:cTn id="20" dur="1" fill="hold">
+                                          <p:stCondLst>
+                                            <p:cond delay="0"/>
+                                          </p:stCondLst>
+                                        </p:cTn>
+                                        <p:tgtEl>
+                                          <p:spTgt spid="3">
+                                            <p:txEl>
+                                              <p:pRg st="6" end="6"/>
+                                            </p:txEl>
+                                          </p:spTgt>
+                                        </p:tgtEl>
+                                        <p:attrNameLst>
+                                          <p:attrName>style.visibility</p:attrName>
+                                        </p:attrNameLst>
+                                      </p:cBhvr>
+                                      <p:to>
+                                        <p:strVal val="visible"/>
+                                      </p:to>
+                                    </p:set>
+                                  </p:childTnLst>
+                                </p:cTn>
+                              </p:par>
+                              <p:par>
+                                <p:cTn id="21" presetID="1" presetClass="entr" presetSubtype="0" fill="hold" grpId="0" nodeType="withEffect">
+                                  <p:stCondLst>
+                                    <p:cond delay="0"/>
+                                  </p:stCondLst>
+                                  <p:childTnLst>
+                                    <p:set>
+                                      <p:cBhvr>
+                                        <p:cTn id="22" dur="1" fill="hold">
+                                          <p:stCondLst>
+                                            <p:cond delay="0"/>
+                                          </p:stCondLst>
+                                        </p:cTn>
+                                        <p:tgtEl>
+                                          <p:spTgt spid="3">
+                                            <p:txEl>
+                                              <p:pRg st="7" end="7"/>
+                                            </p:txEl>
+                                          </p:spTgt>
+                                        </p:tgtEl>
+                                        <p:attrNameLst>
+                                          <p:attrName>style.visibility</p:attrName>
+                                        </p:attrNameLst>
+                                      </p:cBhvr>
+                                      <p:to>
+                                        <p:strVal val="visible"/>
+                                      </p:to>
+                                    </p:set>
+                                  </p:childTnLst>
+                                </p:cTn>
+                              </p:par>
+                            </p:childTnLst>
+                          </p:cTn>
+                        </p:par>
+                      </p:childTnLst>
+                    </p:cTn>
+                  </p:par>
+                  <p:par>
+                    <p:cTn id="23" fill="hold">
+                      <p:stCondLst>
+                        <p:cond delay="indefinite"/>
+                      </p:stCondLst>
+                      <p:childTnLst>
+                        <p:par>
+                          <p:cTn id="24" fill="hold">
+                            <p:stCondLst>
+                              <p:cond delay="0"/>
+                            </p:stCondLst>
+                            <p:childTnLst>
+                              <p:par>
+                                <p:cTn id="25" presetID="1" presetClass="entr" presetSubtype="0" fill="hold" grpId="0" nodeType="clickEffect">
+                                  <p:stCondLst>
+                                    <p:cond delay="0"/>
+                                  </p:stCondLst>
+                                  <p:childTnLst>
+                                    <p:set>
+                                      <p:cBhvr>
+                                        <p:cTn id="26" dur="1" fill="hold">
+                                          <p:stCondLst>
+                                            <p:cond delay="0"/>
+                                          </p:stCondLst>
+                                        </p:cTn>
+                                        <p:tgtEl>
+                                          <p:spTgt spid="3">
+                                            <p:txEl>
+                                              <p:pRg st="8" end="8"/>
+                                            </p:txEl>
+                                          </p:spTgt>
+                                        </p:tgtEl>
+                                        <p:attrNameLst>
+                                          <p:attrName>style.visibility</p:attrName>
+                                        </p:attrNameLst>
+                                      </p:cBhvr>
+                                      <p:to>
+                                        <p:strVal val="visible"/>
+                                      </p:to>
+                                    </p:set>
+                                  </p:childTnLst>
+                                </p:cTn>
+                              </p:par>
+                              <p:par>
+                                <p:cTn id="27" presetID="1" presetClass="entr" presetSubtype="0" fill="hold" grpId="0" nodeType="withEffect">
+                                  <p:stCondLst>
+                                    <p:cond delay="0"/>
+                                  </p:stCondLst>
+                                  <p:childTnLst>
+                                    <p:set>
+                                      <p:cBhvr>
+                                        <p:cTn id="28" dur="1" fill="hold">
+                                          <p:stCondLst>
+                                            <p:cond delay="0"/>
+                                          </p:stCondLst>
+                                        </p:cTn>
+                                        <p:tgtEl>
+                                          <p:spTgt spid="3">
+                                            <p:txEl>
+                                              <p:pRg st="9" end="9"/>
+                                            </p:txEl>
+                                          </p:spTgt>
+                                        </p:tgtEl>
+                                        <p:attrNameLst>
+                                          <p:attrName>style.visibility</p:attrName>
+                                        </p:attrNameLst>
+                                      </p:cBhvr>
+                                      <p:to>
+                                        <p:strVal val="visible"/>
+                                      </p:to>
+                                    </p:set>
+                                  </p:childTnLst>
+                                </p:cTn>
+                              </p:par>
+                              <p:par>
+                                <p:cTn id="29" presetID="1" presetClass="entr" presetSubtype="0" fill="hold" grpId="0" nodeType="withEffect">
+                                  <p:stCondLst>
+                                    <p:cond delay="0"/>
+                                  </p:stCondLst>
+                                  <p:childTnLst>
+                                    <p:set>
+                                      <p:cBhvr>
+                                        <p:cTn id="30" dur="1" fill="hold">
+                                          <p:stCondLst>
+                                            <p:cond delay="0"/>
+                                          </p:stCondLst>
+                                        </p:cTn>
+                                        <p:tgtEl>
+                                          <p:spTgt spid="3">
+                                            <p:txEl>
+                                              <p:pRg st="10" end="10"/>
+                                            </p:txEl>
+                                          </p:spTgt>
+                                        </p:tgtEl>
+                                        <p:attrNameLst>
+                                          <p:attrName>style.visibility</p:attrName>
+                                        </p:attrNameLst>
+                                      </p:cBhvr>
+                                      <p:to>
+                                        <p:strVal val="visible"/>
+                                      </p:to>
+                                    </p:set>
+                                  </p:childTnLst>
+                                </p:cTn>
+                              </p:par>
+                              <p:par>
+                                <p:cTn id="31" presetID="1" presetClass="entr" presetSubtype="0" fill="hold" grpId="0" nodeType="withEffect">
+                                  <p:stCondLst>
+                                    <p:cond delay="0"/>
+                                  </p:stCondLst>
+                                  <p:childTnLst>
+                                    <p:set>
+                                      <p:cBhvr>
+                                        <p:cTn id="32" dur="1" fill="hold">
+                                          <p:stCondLst>
+                                            <p:cond delay="0"/>
+                                          </p:stCondLst>
+                                        </p:cTn>
+                                        <p:tgtEl>
+                                          <p:spTgt spid="3">
+                                            <p:txEl>
+                                              <p:pRg st="11" end="11"/>
+                                            </p:txEl>
+                                          </p:spTgt>
+                                        </p:tgtEl>
+                                        <p:attrNameLst>
+                                          <p:attrName>style.visibility</p:attrName>
+                                        </p:attrNameLst>
+                                      </p:cBhvr>
+                                      <p:to>
+                                        <p:strVal val="visible"/>
+                                      </p:to>
+                                    </p:set>
+                                  </p:childTnLst>
+                                </p:cTn>
+                              </p:par>
+                              <p:par>
+                                <p:cTn id="33" presetID="1" presetClass="entr" presetSubtype="0" fill="hold" grpId="0" nodeType="withEffect">
+                                  <p:stCondLst>
+                                    <p:cond delay="0"/>
+                                  </p:stCondLst>
+                                  <p:childTnLst>
+                                    <p:set>
+                                      <p:cBhvr>
+                                        <p:cTn id="34" dur="1" fill="hold">
+                                          <p:stCondLst>
+                                            <p:cond delay="0"/>
+                                          </p:stCondLst>
+                                        </p:cTn>
+                                        <p:tgtEl>
+                                          <p:spTgt spid="3">
+                                            <p:txEl>
+                                              <p:pRg st="12" end="12"/>
+                                            </p:txEl>
+                                          </p:spTgt>
+                                        </p:tgtEl>
+                                        <p:attrNameLst>
+                                          <p:attrName>style.visibility</p:attrName>
+                                        </p:attrNameLst>
+                                      </p:cBhvr>
+                                      <p:to>
+                                        <p:strVal val="visible"/>
+                                      </p:to>
+                                    </p:set>
+                                  </p:childTnLst>
+                                </p:cTn>
+                              </p:par>
+                            </p:childTnLst>
+                          </p:cTn>
+                        </p:par>
+                      </p:childTnLst>
+                    </p:cTn>
+                  </p:par>
+                </p:childTnLst>
+              </p:cTn>
+              <p:prevCondLst>
+                <p:cond evt="onPrev" delay="0">
+                  <p:tgtEl>
+                    <p:sldTgt/>
+                  </p:tgtEl>
+                </p:cond>
+              </p:prevCondLst>
+              <p:nextCondLst>
+                <p:cond evt="onNext" delay="0">
+                  <p:tgtEl>
+                    <p:sldTgt/>
+                  </p:tgtEl>
+                </p:cond>
+              </p:nextCondLst>
+            </p:seq>
+          </p:childTnLst>
+        </p:cTn>
       </p:par>
     </p:tnLst>
+    <p:bldLst>
+      <p:bldP spid="3" grpId="0" build="p"/>
+    </p:bldLst>
   </p:timing>
 </p:sld>
 </file>

--- a/Building SPAs in SharePoint Using AngularJS.pptx
+++ b/Building SPAs in SharePoint Using AngularJS.pptx
@@ -18684,7 +18684,19 @@
           <a:p>
             <a:r>
               <a:rPr lang="en-US" dirty="0"/>
-              <a:t>Building Single Page Applications in SharePoint using </a:t>
+              <a:t>Building </a:t>
+            </a:r>
+            <a:r>
+              <a:rPr lang="en-US" dirty="0" smtClean="0"/>
+              <a:t>SharePoint Single </a:t>
+            </a:r>
+            <a:r>
+              <a:rPr lang="en-US" dirty="0"/>
+              <a:t>Page </a:t>
+            </a:r>
+            <a:r>
+              <a:rPr lang="en-US" dirty="0" smtClean="0"/>
+              <a:t>Applications using </a:t>
             </a:r>
             <a:r>
               <a:rPr lang="en-US" dirty="0" smtClean="0"/>

--- a/Building SPAs in SharePoint Using AngularJS.pptx
+++ b/Building SPAs in SharePoint Using AngularJS.pptx
@@ -23769,7 +23769,11 @@
           <a:p>
             <a:r>
               <a:rPr lang="en-US" dirty="0" smtClean="0"/>
-              <a:t>SharePoint 2013 REST</a:t>
+              <a:t>SharePoint 2013 </a:t>
+            </a:r>
+            <a:r>
+              <a:rPr lang="en-US" dirty="0" smtClean="0"/>
+              <a:t>REST API</a:t>
             </a:r>
             <a:endParaRPr lang="en-US" dirty="0"/>
           </a:p>
@@ -23798,100 +23802,100 @@
           <a:lstStyle/>
           <a:p>
             <a:r>
+              <a:rPr lang="en-US" sz="1800" dirty="0" smtClean="0"/>
+              <a:t>Use jQuery AJAX or AngularJS $http</a:t>
+            </a:r>
+          </a:p>
+          <a:p>
+            <a:r>
+              <a:rPr lang="en-US" sz="1800" dirty="0" smtClean="0"/>
+              <a:t>Options</a:t>
+            </a:r>
+          </a:p>
+          <a:p>
+            <a:pPr lvl="1"/>
+            <a:r>
               <a:rPr lang="en-US" sz="1600" dirty="0" smtClean="0"/>
-              <a:t>Use jQuery AJAX or AngularJS $http</a:t>
-            </a:r>
-          </a:p>
-          <a:p>
+              <a:t>$select</a:t>
+            </a:r>
+          </a:p>
+          <a:p>
+            <a:pPr lvl="1"/>
             <a:r>
               <a:rPr lang="en-US" sz="1600" dirty="0" smtClean="0"/>
-              <a:t>Options</a:t>
+              <a:t>$filter</a:t>
             </a:r>
           </a:p>
           <a:p>
             <a:pPr lvl="1"/>
             <a:r>
-              <a:rPr lang="en-US" sz="1400" dirty="0" smtClean="0"/>
-              <a:t>$select</a:t>
+              <a:rPr lang="en-US" sz="1600" dirty="0" smtClean="0"/>
+              <a:t>$top</a:t>
             </a:r>
           </a:p>
           <a:p>
             <a:pPr lvl="1"/>
             <a:r>
-              <a:rPr lang="en-US" sz="1400" dirty="0" smtClean="0"/>
-              <a:t>$filter</a:t>
+              <a:rPr lang="en-US" sz="1600" dirty="0" smtClean="0"/>
+              <a:t>$skip</a:t>
             </a:r>
           </a:p>
           <a:p>
             <a:pPr lvl="1"/>
             <a:r>
-              <a:rPr lang="en-US" sz="1400" dirty="0" smtClean="0"/>
-              <a:t>$top</a:t>
+              <a:rPr lang="en-US" sz="1600" dirty="0" smtClean="0"/>
+              <a:t>$orderBy</a:t>
             </a:r>
           </a:p>
           <a:p>
             <a:pPr lvl="1"/>
             <a:r>
-              <a:rPr lang="en-US" sz="1400" dirty="0" smtClean="0"/>
-              <a:t>$skip</a:t>
+              <a:rPr lang="en-US" sz="1600" dirty="0" smtClean="0"/>
+              <a:t>$expand</a:t>
+            </a:r>
+          </a:p>
+          <a:p>
+            <a:r>
+              <a:rPr lang="en-US" sz="1800" dirty="0" smtClean="0"/>
+              <a:t>Best practices</a:t>
             </a:r>
           </a:p>
           <a:p>
             <a:pPr lvl="1"/>
             <a:r>
-              <a:rPr lang="en-US" sz="1400" dirty="0" smtClean="0"/>
-              <a:t>$orderBy</a:t>
+              <a:rPr lang="en-US" sz="1600" dirty="0" smtClean="0"/>
+              <a:t>Use Postman or Fiddler to execute and test queries</a:t>
             </a:r>
           </a:p>
           <a:p>
             <a:pPr lvl="1"/>
             <a:r>
-              <a:rPr lang="en-US" sz="1400" dirty="0" smtClean="0"/>
-              <a:t>$expand</a:t>
-            </a:r>
-          </a:p>
-          <a:p>
-            <a:r>
               <a:rPr lang="en-US" sz="1600" dirty="0" smtClean="0"/>
-              <a:t>Best practices</a:t>
+              <a:t>Set the Accept header</a:t>
             </a:r>
           </a:p>
           <a:p>
             <a:pPr lvl="1"/>
             <a:r>
-              <a:rPr lang="en-US" sz="1400" dirty="0" smtClean="0"/>
-              <a:t>Use Postman or Fiddler to execute and test queries</a:t>
+              <a:rPr lang="en-US" sz="1600" dirty="0" smtClean="0"/>
+              <a:t>Only retrieve what you need by usin</a:t>
+            </a:r>
+            <a:r>
+              <a:rPr lang="en-US" sz="1600" dirty="0"/>
+              <a:t>g</a:t>
+            </a:r>
+            <a:r>
+              <a:rPr lang="en-US" sz="1600" dirty="0" smtClean="0"/>
+              <a:t> $select and $filter.</a:t>
             </a:r>
           </a:p>
           <a:p>
             <a:pPr lvl="1"/>
             <a:r>
-              <a:rPr lang="en-US" sz="1400" dirty="0" smtClean="0"/>
-              <a:t>Set the Accept header</a:t>
-            </a:r>
-          </a:p>
-          <a:p>
-            <a:pPr lvl="1"/>
-            <a:r>
-              <a:rPr lang="en-US" sz="1400" dirty="0" smtClean="0"/>
-              <a:t>Only retrieve what you need by usin</a:t>
-            </a:r>
-            <a:r>
-              <a:rPr lang="en-US" sz="1400" dirty="0"/>
-              <a:t>g</a:t>
-            </a:r>
-            <a:r>
-              <a:rPr lang="en-US" sz="1400" dirty="0" smtClean="0"/>
-              <a:t> $select and $filter.</a:t>
-            </a:r>
-          </a:p>
-          <a:p>
-            <a:pPr lvl="1"/>
-            <a:r>
-              <a:rPr lang="en-US" sz="1400" dirty="0" smtClean="0"/>
+              <a:rPr lang="en-US" sz="1600" dirty="0" smtClean="0"/>
               <a:t>“Chunky, not chatty”</a:t>
             </a:r>
-            <a:endParaRPr lang="en-US" sz="1400" dirty="0"/>
+            <a:endParaRPr lang="en-US" sz="1600" dirty="0"/>
           </a:p>
         </p:txBody>
       </p:sp>
